--- a/Prezentace_1.1.pptx
+++ b/Prezentace_1.1.pptx
@@ -6,16 +6,21 @@
   </p:sldMasterIdLst>
   <p:sldIdLst>
     <p:sldId id="256" r:id="rId2"/>
-    <p:sldId id="263" r:id="rId3"/>
-    <p:sldId id="257" r:id="rId4"/>
-    <p:sldId id="261" r:id="rId5"/>
-    <p:sldId id="259" r:id="rId6"/>
-    <p:sldId id="266" r:id="rId7"/>
-    <p:sldId id="264" r:id="rId8"/>
-    <p:sldId id="265" r:id="rId9"/>
-    <p:sldId id="268" r:id="rId10"/>
-    <p:sldId id="269" r:id="rId11"/>
-    <p:sldId id="270" r:id="rId12"/>
+    <p:sldId id="271" r:id="rId3"/>
+    <p:sldId id="272" r:id="rId4"/>
+    <p:sldId id="263" r:id="rId5"/>
+    <p:sldId id="257" r:id="rId6"/>
+    <p:sldId id="261" r:id="rId7"/>
+    <p:sldId id="259" r:id="rId8"/>
+    <p:sldId id="266" r:id="rId9"/>
+    <p:sldId id="264" r:id="rId10"/>
+    <p:sldId id="265" r:id="rId11"/>
+    <p:sldId id="268" r:id="rId12"/>
+    <p:sldId id="269" r:id="rId13"/>
+    <p:sldId id="273" r:id="rId14"/>
+    <p:sldId id="274" r:id="rId15"/>
+    <p:sldId id="270" r:id="rId16"/>
+    <p:sldId id="275" r:id="rId17"/>
   </p:sldIdLst>
   <p:sldSz cx="12192000" cy="6858000"/>
   <p:notesSz cx="6858000" cy="9144000"/>
@@ -253,7 +258,7 @@
           <a:p>
             <a:fld id="{10280380-A66F-4D95-ACA2-7D4D5E660D3C}" type="datetimeFigureOut">
               <a:rPr lang="cs-CZ" smtClean="0"/>
-              <a:t>01.04.2019</a:t>
+              <a:t>02.04.2019</a:t>
             </a:fld>
             <a:endParaRPr lang="cs-CZ"/>
           </a:p>
@@ -423,7 +428,7 @@
           <a:p>
             <a:fld id="{10280380-A66F-4D95-ACA2-7D4D5E660D3C}" type="datetimeFigureOut">
               <a:rPr lang="cs-CZ" smtClean="0"/>
-              <a:t>01.04.2019</a:t>
+              <a:t>02.04.2019</a:t>
             </a:fld>
             <a:endParaRPr lang="cs-CZ"/>
           </a:p>
@@ -603,7 +608,7 @@
           <a:p>
             <a:fld id="{10280380-A66F-4D95-ACA2-7D4D5E660D3C}" type="datetimeFigureOut">
               <a:rPr lang="cs-CZ" smtClean="0"/>
-              <a:t>01.04.2019</a:t>
+              <a:t>02.04.2019</a:t>
             </a:fld>
             <a:endParaRPr lang="cs-CZ"/>
           </a:p>
@@ -773,7 +778,7 @@
           <a:p>
             <a:fld id="{10280380-A66F-4D95-ACA2-7D4D5E660D3C}" type="datetimeFigureOut">
               <a:rPr lang="cs-CZ" smtClean="0"/>
-              <a:t>01.04.2019</a:t>
+              <a:t>02.04.2019</a:t>
             </a:fld>
             <a:endParaRPr lang="cs-CZ"/>
           </a:p>
@@ -1019,7 +1024,7 @@
           <a:p>
             <a:fld id="{10280380-A66F-4D95-ACA2-7D4D5E660D3C}" type="datetimeFigureOut">
               <a:rPr lang="cs-CZ" smtClean="0"/>
-              <a:t>01.04.2019</a:t>
+              <a:t>02.04.2019</a:t>
             </a:fld>
             <a:endParaRPr lang="cs-CZ"/>
           </a:p>
@@ -1251,7 +1256,7 @@
           <a:p>
             <a:fld id="{10280380-A66F-4D95-ACA2-7D4D5E660D3C}" type="datetimeFigureOut">
               <a:rPr lang="cs-CZ" smtClean="0"/>
-              <a:t>01.04.2019</a:t>
+              <a:t>02.04.2019</a:t>
             </a:fld>
             <a:endParaRPr lang="cs-CZ"/>
           </a:p>
@@ -1618,7 +1623,7 @@
           <a:p>
             <a:fld id="{10280380-A66F-4D95-ACA2-7D4D5E660D3C}" type="datetimeFigureOut">
               <a:rPr lang="cs-CZ" smtClean="0"/>
-              <a:t>01.04.2019</a:t>
+              <a:t>02.04.2019</a:t>
             </a:fld>
             <a:endParaRPr lang="cs-CZ"/>
           </a:p>
@@ -1736,7 +1741,7 @@
           <a:p>
             <a:fld id="{10280380-A66F-4D95-ACA2-7D4D5E660D3C}" type="datetimeFigureOut">
               <a:rPr lang="cs-CZ" smtClean="0"/>
-              <a:t>01.04.2019</a:t>
+              <a:t>02.04.2019</a:t>
             </a:fld>
             <a:endParaRPr lang="cs-CZ"/>
           </a:p>
@@ -1831,7 +1836,7 @@
           <a:p>
             <a:fld id="{10280380-A66F-4D95-ACA2-7D4D5E660D3C}" type="datetimeFigureOut">
               <a:rPr lang="cs-CZ" smtClean="0"/>
-              <a:t>01.04.2019</a:t>
+              <a:t>02.04.2019</a:t>
             </a:fld>
             <a:endParaRPr lang="cs-CZ"/>
           </a:p>
@@ -2108,7 +2113,7 @@
           <a:p>
             <a:fld id="{10280380-A66F-4D95-ACA2-7D4D5E660D3C}" type="datetimeFigureOut">
               <a:rPr lang="cs-CZ" smtClean="0"/>
-              <a:t>01.04.2019</a:t>
+              <a:t>02.04.2019</a:t>
             </a:fld>
             <a:endParaRPr lang="cs-CZ"/>
           </a:p>
@@ -2365,7 +2370,7 @@
           <a:p>
             <a:fld id="{10280380-A66F-4D95-ACA2-7D4D5E660D3C}" type="datetimeFigureOut">
               <a:rPr lang="cs-CZ" smtClean="0"/>
-              <a:t>01.04.2019</a:t>
+              <a:t>02.04.2019</a:t>
             </a:fld>
             <a:endParaRPr lang="cs-CZ"/>
           </a:p>
@@ -2578,7 +2583,7 @@
           <a:p>
             <a:fld id="{10280380-A66F-4D95-ACA2-7D4D5E660D3C}" type="datetimeFigureOut">
               <a:rPr lang="cs-CZ" smtClean="0"/>
-              <a:t>01.04.2019</a:t>
+              <a:t>02.04.2019</a:t>
             </a:fld>
             <a:endParaRPr lang="cs-CZ"/>
           </a:p>
@@ -4050,331 +4055,6 @@
     <p:bg>
       <p:bgPr>
         <a:solidFill>
-          <a:schemeClr val="bg1"/>
-        </a:solidFill>
-        <a:effectLst/>
-      </p:bgPr>
-    </p:bg>
-    <p:spTree>
-      <p:nvGrpSpPr>
-        <p:cNvPr id="1" name=""/>
-        <p:cNvGrpSpPr/>
-        <p:nvPr/>
-      </p:nvGrpSpPr>
-      <p:grpSpPr>
-        <a:xfrm>
-          <a:off x="0" y="0"/>
-          <a:ext cx="0" cy="0"/>
-          <a:chOff x="0" y="0"/>
-          <a:chExt cx="0" cy="0"/>
-        </a:xfrm>
-      </p:grpSpPr>
-      <p:sp>
-        <p:nvSpPr>
-          <p:cNvPr id="20" name="Rectangle 19">
-            <a:extLst>
-              <a:ext uri="{FF2B5EF4-FFF2-40B4-BE49-F238E27FC236}">
-                <a16:creationId xmlns:a16="http://schemas.microsoft.com/office/drawing/2014/main" id="{823AC064-BC96-4F32-8AE1-B2FD38754823}"/>
-              </a:ext>
-              <a:ext uri="{C183D7F6-B498-43B3-948B-1728B52AA6E4}">
-                <adec:decorative xmlns:adec="http://schemas.microsoft.com/office/drawing/2017/decorative" val="1"/>
-              </a:ext>
-            </a:extLst>
-          </p:cNvPr>
-          <p:cNvSpPr>
-            <a:spLocks noGrp="1" noRot="1" noChangeAspect="1" noMove="1" noResize="1" noEditPoints="1" noAdjustHandles="1" noChangeArrowheads="1" noChangeShapeType="1" noTextEdit="1"/>
-          </p:cNvSpPr>
-          <p:nvPr>
-            <p:extLst>
-              <p:ext uri="{386F3935-93C4-4BCD-93E2-E3B085C9AB24}">
-                <p16:designElem xmlns:p16="http://schemas.microsoft.com/office/powerpoint/2015/main" val="1"/>
-              </p:ext>
-            </p:extLst>
-          </p:nvPr>
-        </p:nvSpPr>
-        <p:spPr bwMode="ltGray">
-          <a:xfrm>
-            <a:off x="378068" y="343486"/>
-            <a:ext cx="11438793" cy="1844256"/>
-          </a:xfrm>
-          <a:prstGeom prst="rect">
-            <a:avLst/>
-          </a:prstGeom>
-          <a:solidFill>
-            <a:srgbClr val="404040"/>
-          </a:solidFill>
-          <a:ln w="127000" cap="sq" cmpd="thinThick">
-            <a:solidFill>
-              <a:srgbClr val="404040"/>
-            </a:solidFill>
-          </a:ln>
-        </p:spPr>
-        <p:style>
-          <a:lnRef idx="2">
-            <a:schemeClr val="accent1">
-              <a:shade val="50000"/>
-            </a:schemeClr>
-          </a:lnRef>
-          <a:fillRef idx="1">
-            <a:schemeClr val="accent1"/>
-          </a:fillRef>
-          <a:effectRef idx="0">
-            <a:schemeClr val="accent1"/>
-          </a:effectRef>
-          <a:fontRef idx="minor">
-            <a:schemeClr val="lt1"/>
-          </a:fontRef>
-        </p:style>
-        <p:txBody>
-          <a:bodyPr rtlCol="0" anchor="ctr"/>
-          <a:lstStyle/>
-          <a:p>
-            <a:pPr marL="0" marR="0" lvl="0" indent="0" algn="ctr" defTabSz="914400" rtl="0" eaLnBrk="1" fontAlgn="auto" latinLnBrk="0" hangingPunct="1">
-              <a:lnSpc>
-                <a:spcPct val="100000"/>
-              </a:lnSpc>
-              <a:spcBef>
-                <a:spcPts val="0"/>
-              </a:spcBef>
-              <a:spcAft>
-                <a:spcPts val="0"/>
-              </a:spcAft>
-              <a:buClrTx/>
-              <a:buSzTx/>
-              <a:buFontTx/>
-              <a:buNone/>
-              <a:tabLst/>
-              <a:defRPr/>
-            </a:pPr>
-            <a:endParaRPr kumimoji="0" lang="en-US" sz="1800" b="0" i="0" u="none" strike="noStrike" kern="1200" cap="none" spc="0" normalizeH="0" baseline="0" noProof="0">
-              <a:ln>
-                <a:noFill/>
-              </a:ln>
-              <a:solidFill>
-                <a:prstClr val="white"/>
-              </a:solidFill>
-              <a:effectLst/>
-              <a:uLnTx/>
-              <a:uFillTx/>
-              <a:latin typeface="Calibri" panose="020F0502020204030204"/>
-              <a:ea typeface="+mn-ea"/>
-              <a:cs typeface="+mn-cs"/>
-            </a:endParaRPr>
-          </a:p>
-        </p:txBody>
-      </p:sp>
-      <p:sp>
-        <p:nvSpPr>
-          <p:cNvPr id="2" name="Nadpis 1">
-            <a:extLst>
-              <a:ext uri="{FF2B5EF4-FFF2-40B4-BE49-F238E27FC236}">
-                <a16:creationId xmlns:a16="http://schemas.microsoft.com/office/drawing/2014/main" id="{857B6C76-6EEA-4448-9D2C-EB4BCA2563C8}"/>
-              </a:ext>
-            </a:extLst>
-          </p:cNvPr>
-          <p:cNvSpPr>
-            <a:spLocks noGrp="1"/>
-          </p:cNvSpPr>
-          <p:nvPr>
-            <p:ph type="title"/>
-          </p:nvPr>
-        </p:nvSpPr>
-        <p:spPr>
-          <a:xfrm>
-            <a:off x="526073" y="466578"/>
-            <a:ext cx="11139854" cy="930447"/>
-          </a:xfrm>
-        </p:spPr>
-        <p:txBody>
-          <a:bodyPr vert="horz" lIns="91440" tIns="45720" rIns="91440" bIns="45720" rtlCol="0" anchor="b">
-            <a:normAutofit/>
-          </a:bodyPr>
-          <a:lstStyle/>
-          <a:p>
-            <a:pPr algn="ctr"/>
-            <a:r>
-              <a:rPr lang="cs-CZ" sz="5400" kern="1200" dirty="0">
-                <a:solidFill>
-                  <a:srgbClr val="FFFFFF"/>
-                </a:solidFill>
-                <a:latin typeface="+mj-lt"/>
-                <a:ea typeface="+mj-ea"/>
-                <a:cs typeface="+mj-cs"/>
-              </a:rPr>
-              <a:t>Aplikace</a:t>
-            </a:r>
-            <a:endParaRPr lang="en-US" sz="5400" kern="1200" dirty="0">
-              <a:solidFill>
-                <a:srgbClr val="FFFFFF"/>
-              </a:solidFill>
-              <a:latin typeface="+mj-lt"/>
-              <a:ea typeface="+mj-ea"/>
-              <a:cs typeface="+mj-cs"/>
-            </a:endParaRPr>
-          </a:p>
-        </p:txBody>
-      </p:sp>
-      <p:cxnSp>
-        <p:nvCxnSpPr>
-          <p:cNvPr id="22" name="Straight Connector 21">
-            <a:extLst>
-              <a:ext uri="{FF2B5EF4-FFF2-40B4-BE49-F238E27FC236}">
-                <a16:creationId xmlns:a16="http://schemas.microsoft.com/office/drawing/2014/main" id="{7E7C77BC-7138-40B1-A15B-20F57A494629}"/>
-              </a:ext>
-              <a:ext uri="{C183D7F6-B498-43B3-948B-1728B52AA6E4}">
-                <adec:decorative xmlns:adec="http://schemas.microsoft.com/office/drawing/2017/decorative" val="1"/>
-              </a:ext>
-            </a:extLst>
-          </p:cNvPr>
-          <p:cNvCxnSpPr>
-            <a:cxnSpLocks noGrp="1" noRot="1" noChangeAspect="1" noMove="1" noResize="1" noEditPoints="1" noAdjustHandles="1" noChangeArrowheads="1" noChangeShapeType="1"/>
-          </p:cNvCxnSpPr>
-          <p:nvPr>
-            <p:extLst>
-              <p:ext uri="{386F3935-93C4-4BCD-93E2-E3B085C9AB24}">
-                <p16:designElem xmlns:p16="http://schemas.microsoft.com/office/powerpoint/2015/main" val="1"/>
-              </p:ext>
-            </p:extLst>
-          </p:nvPr>
-        </p:nvCxnSpPr>
-        <p:spPr>
-          <a:xfrm>
-            <a:off x="2209800" y="1448631"/>
-            <a:ext cx="7772400" cy="0"/>
-          </a:xfrm>
-          <a:prstGeom prst="line">
-            <a:avLst/>
-          </a:prstGeom>
-          <a:ln w="22225">
-            <a:solidFill>
-              <a:srgbClr val="D9D9D9"/>
-            </a:solidFill>
-          </a:ln>
-        </p:spPr>
-        <p:style>
-          <a:lnRef idx="1">
-            <a:schemeClr val="accent1"/>
-          </a:lnRef>
-          <a:fillRef idx="0">
-            <a:schemeClr val="accent1"/>
-          </a:fillRef>
-          <a:effectRef idx="0">
-            <a:schemeClr val="accent1"/>
-          </a:effectRef>
-          <a:fontRef idx="minor">
-            <a:schemeClr val="tx1"/>
-          </a:fontRef>
-        </p:style>
-      </p:cxnSp>
-      <p:pic>
-        <p:nvPicPr>
-          <p:cNvPr id="3" name="Obrázek 2">
-            <a:extLst>
-              <a:ext uri="{FF2B5EF4-FFF2-40B4-BE49-F238E27FC236}">
-                <a16:creationId xmlns:a16="http://schemas.microsoft.com/office/drawing/2014/main" id="{4FB3DDA7-C368-40CA-ADD9-ED88055BD919}"/>
-              </a:ext>
-            </a:extLst>
-          </p:cNvPr>
-          <p:cNvPicPr>
-            <a:picLocks noChangeAspect="1"/>
-          </p:cNvPicPr>
-          <p:nvPr/>
-        </p:nvPicPr>
-        <p:blipFill>
-          <a:blip r:embed="rId2"/>
-          <a:stretch>
-            <a:fillRect/>
-          </a:stretch>
-        </p:blipFill>
-        <p:spPr>
-          <a:xfrm>
-            <a:off x="8779144" y="2251757"/>
-            <a:ext cx="2650484" cy="4345667"/>
-          </a:xfrm>
-          <a:prstGeom prst="rect">
-            <a:avLst/>
-          </a:prstGeom>
-        </p:spPr>
-      </p:pic>
-      <p:pic>
-        <p:nvPicPr>
-          <p:cNvPr id="8" name="Obrázek 7">
-            <a:extLst>
-              <a:ext uri="{FF2B5EF4-FFF2-40B4-BE49-F238E27FC236}">
-                <a16:creationId xmlns:a16="http://schemas.microsoft.com/office/drawing/2014/main" id="{905F7BED-06D1-4C37-A64A-5AD8F557EC9E}"/>
-              </a:ext>
-            </a:extLst>
-          </p:cNvPr>
-          <p:cNvPicPr>
-            <a:picLocks noChangeAspect="1"/>
-          </p:cNvPicPr>
-          <p:nvPr/>
-        </p:nvPicPr>
-        <p:blipFill>
-          <a:blip r:embed="rId3"/>
-          <a:stretch>
-            <a:fillRect/>
-          </a:stretch>
-        </p:blipFill>
-        <p:spPr>
-          <a:xfrm>
-            <a:off x="1026226" y="2251756"/>
-            <a:ext cx="2477859" cy="4369920"/>
-          </a:xfrm>
-          <a:prstGeom prst="rect">
-            <a:avLst/>
-          </a:prstGeom>
-        </p:spPr>
-      </p:pic>
-      <p:pic>
-        <p:nvPicPr>
-          <p:cNvPr id="11" name="Obrázek 10">
-            <a:extLst>
-              <a:ext uri="{FF2B5EF4-FFF2-40B4-BE49-F238E27FC236}">
-                <a16:creationId xmlns:a16="http://schemas.microsoft.com/office/drawing/2014/main" id="{E4EFFCE0-E93B-49C9-8BA3-5088DA22E98A}"/>
-              </a:ext>
-            </a:extLst>
-          </p:cNvPr>
-          <p:cNvPicPr>
-            <a:picLocks noChangeAspect="1"/>
-          </p:cNvPicPr>
-          <p:nvPr/>
-        </p:nvPicPr>
-        <p:blipFill>
-          <a:blip r:embed="rId4"/>
-          <a:stretch>
-            <a:fillRect/>
-          </a:stretch>
-        </p:blipFill>
-        <p:spPr>
-          <a:xfrm>
-            <a:off x="4857070" y="2239348"/>
-            <a:ext cx="2477859" cy="4358077"/>
-          </a:xfrm>
-          <a:prstGeom prst="rect">
-            <a:avLst/>
-          </a:prstGeom>
-        </p:spPr>
-      </p:pic>
-    </p:spTree>
-    <p:extLst>
-      <p:ext uri="{BB962C8B-B14F-4D97-AF65-F5344CB8AC3E}">
-        <p14:creationId xmlns:p14="http://schemas.microsoft.com/office/powerpoint/2010/main" val="4077043725"/>
-      </p:ext>
-    </p:extLst>
-  </p:cSld>
-  <p:clrMapOvr>
-    <a:masterClrMapping/>
-  </p:clrMapOvr>
-</p:sld>
-</file>
-
-<file path=ppt/slides/slide11.xml><?xml version="1.0" encoding="utf-8"?>
-<p:sld xmlns:a="http://schemas.openxmlformats.org/drawingml/2006/main" xmlns:r="http://schemas.openxmlformats.org/officeDocument/2006/relationships" xmlns:p="http://schemas.openxmlformats.org/presentationml/2006/main">
-  <p:cSld>
-    <p:bg>
-      <p:bgPr>
-        <a:solidFill>
           <a:schemeClr val="bg1">
             <a:tint val="95000"/>
             <a:satMod val="170000"/>
@@ -4915,10 +4595,10 @@
       </p:sp>
       <p:pic>
         <p:nvPicPr>
-          <p:cNvPr id="2" name="Obrázek 1">
+          <p:cNvPr id="10" name="Obrázek 9">
             <a:extLst>
               <a:ext uri="{FF2B5EF4-FFF2-40B4-BE49-F238E27FC236}">
-                <a16:creationId xmlns:a16="http://schemas.microsoft.com/office/drawing/2014/main" id="{9FA04565-95CB-41E4-90BA-B96001A674F3}"/>
+                <a16:creationId xmlns:a16="http://schemas.microsoft.com/office/drawing/2014/main" id="{E5610133-A364-4B62-876D-F1551851BE39}"/>
               </a:ext>
             </a:extLst>
           </p:cNvPr>
@@ -4928,15 +4608,21 @@
           <p:nvPr/>
         </p:nvPicPr>
         <p:blipFill>
-          <a:blip r:embed="rId2"/>
+          <a:blip r:embed="rId2">
+            <a:extLst>
+              <a:ext uri="{28A0092B-C50C-407E-A947-70E740481C1C}">
+                <a14:useLocalDpi xmlns:a14="http://schemas.microsoft.com/office/drawing/2010/main" val="0"/>
+              </a:ext>
+            </a:extLst>
+          </a:blip>
           <a:stretch>
             <a:fillRect/>
           </a:stretch>
         </p:blipFill>
         <p:spPr>
           <a:xfrm>
-            <a:off x="6501984" y="0"/>
-            <a:ext cx="5463037" cy="3463305"/>
+            <a:off x="5611193" y="262979"/>
+            <a:ext cx="6580807" cy="1923621"/>
           </a:xfrm>
           <a:prstGeom prst="rect">
             <a:avLst/>
@@ -4945,10 +4631,10 @@
       </p:pic>
       <p:pic>
         <p:nvPicPr>
-          <p:cNvPr id="3" name="Obrázek 2">
+          <p:cNvPr id="9" name="Obrázek 8">
             <a:extLst>
               <a:ext uri="{FF2B5EF4-FFF2-40B4-BE49-F238E27FC236}">
-                <a16:creationId xmlns:a16="http://schemas.microsoft.com/office/drawing/2014/main" id="{A1B3C38C-3C87-499A-81AF-71B1DA5B9B29}"/>
+                <a16:creationId xmlns:a16="http://schemas.microsoft.com/office/drawing/2014/main" id="{A84C8787-5CB7-4660-B135-F6CE1D7F0727}"/>
               </a:ext>
             </a:extLst>
           </p:cNvPr>
@@ -4958,25 +4644,74 @@
           <p:nvPr/>
         </p:nvPicPr>
         <p:blipFill>
-          <a:blip r:embed="rId3"/>
+          <a:blip r:embed="rId3">
+            <a:extLst>
+              <a:ext uri="{28A0092B-C50C-407E-A947-70E740481C1C}">
+                <a14:useLocalDpi xmlns:a14="http://schemas.microsoft.com/office/drawing/2010/main" val="0"/>
+              </a:ext>
+            </a:extLst>
+          </a:blip>
           <a:stretch>
             <a:fillRect/>
           </a:stretch>
         </p:blipFill>
         <p:spPr>
           <a:xfrm>
-            <a:off x="1099225" y="3372944"/>
-            <a:ext cx="10865796" cy="3318774"/>
+            <a:off x="4922738" y="2109693"/>
+            <a:ext cx="7269262" cy="3047420"/>
           </a:xfrm>
           <a:prstGeom prst="rect">
             <a:avLst/>
           </a:prstGeom>
         </p:spPr>
       </p:pic>
+      <p:pic>
+        <p:nvPicPr>
+          <p:cNvPr id="7" name="Zástupný obsah 4">
+            <a:extLst>
+              <a:ext uri="{FF2B5EF4-FFF2-40B4-BE49-F238E27FC236}">
+                <a16:creationId xmlns:a16="http://schemas.microsoft.com/office/drawing/2014/main" id="{3A858809-2BD3-48A3-B504-831883841CE0}"/>
+              </a:ext>
+            </a:extLst>
+          </p:cNvPr>
+          <p:cNvPicPr>
+            <a:picLocks noChangeAspect="1"/>
+          </p:cNvPicPr>
+          <p:nvPr/>
+        </p:nvPicPr>
+        <p:blipFill>
+          <a:blip r:embed="rId4">
+            <a:extLst>
+              <a:ext uri="{28A0092B-C50C-407E-A947-70E740481C1C}">
+                <a14:useLocalDpi xmlns:a14="http://schemas.microsoft.com/office/drawing/2010/main" val="0"/>
+              </a:ext>
+            </a:extLst>
+          </a:blip>
+          <a:stretch>
+            <a:fillRect/>
+          </a:stretch>
+        </p:blipFill>
+        <p:spPr>
+          <a:xfrm>
+            <a:off x="4345655" y="5157115"/>
+            <a:ext cx="7846346" cy="1700885"/>
+          </a:xfrm>
+          <a:prstGeom prst="rect">
+            <a:avLst/>
+          </a:prstGeom>
+          <a:effectLst>
+            <a:outerShdw blurRad="50800" dir="14400000">
+              <a:srgbClr val="000000">
+                <a:alpha val="40000"/>
+              </a:srgbClr>
+            </a:outerShdw>
+          </a:effectLst>
+        </p:spPr>
+      </p:pic>
     </p:spTree>
     <p:extLst>
       <p:ext uri="{BB962C8B-B14F-4D97-AF65-F5344CB8AC3E}">
-        <p14:creationId xmlns:p14="http://schemas.microsoft.com/office/powerpoint/2010/main" val="2607348449"/>
+        <p14:creationId xmlns:p14="http://schemas.microsoft.com/office/powerpoint/2010/main" val="3177209515"/>
       </p:ext>
     </p:extLst>
   </p:cSld>
@@ -4986,7 +4721,7 @@
 </p:sld>
 </file>
 
-<file path=ppt/slides/slide2.xml><?xml version="1.0" encoding="utf-8"?>
+<file path=ppt/slides/slide11.xml><?xml version="1.0" encoding="utf-8"?>
 <p:sld xmlns:a="http://schemas.openxmlformats.org/drawingml/2006/main" xmlns:r="http://schemas.openxmlformats.org/officeDocument/2006/relationships" xmlns:p="http://schemas.openxmlformats.org/presentationml/2006/main">
   <p:cSld>
     <p:bg>
@@ -5382,7 +5117,7 @@
                   </a:schemeClr>
                 </a:solidFill>
               </a:rPr>
-              <a:t>Porovnání ceny zboží</a:t>
+              <a:t>Nákupní seznam</a:t>
             </a:r>
           </a:p>
         </p:txBody>
@@ -5390,7 +5125,7 @@
     </p:spTree>
     <p:extLst>
       <p:ext uri="{BB962C8B-B14F-4D97-AF65-F5344CB8AC3E}">
-        <p14:creationId xmlns:p14="http://schemas.microsoft.com/office/powerpoint/2010/main" val="2311046126"/>
+        <p14:creationId xmlns:p14="http://schemas.microsoft.com/office/powerpoint/2010/main" val="1073210707"/>
       </p:ext>
     </p:extLst>
   </p:cSld>
@@ -5400,7 +5135,536 @@
 </p:sld>
 </file>
 
-<file path=ppt/slides/slide3.xml><?xml version="1.0" encoding="utf-8"?>
+<file path=ppt/slides/slide12.xml><?xml version="1.0" encoding="utf-8"?>
+<p:sld xmlns:a="http://schemas.openxmlformats.org/drawingml/2006/main" xmlns:r="http://schemas.openxmlformats.org/officeDocument/2006/relationships" xmlns:p="http://schemas.openxmlformats.org/presentationml/2006/main">
+  <p:cSld>
+    <p:bg>
+      <p:bgPr>
+        <a:solidFill>
+          <a:schemeClr val="bg1"/>
+        </a:solidFill>
+        <a:effectLst/>
+      </p:bgPr>
+    </p:bg>
+    <p:spTree>
+      <p:nvGrpSpPr>
+        <p:cNvPr id="1" name=""/>
+        <p:cNvGrpSpPr/>
+        <p:nvPr/>
+      </p:nvGrpSpPr>
+      <p:grpSpPr>
+        <a:xfrm>
+          <a:off x="0" y="0"/>
+          <a:ext cx="0" cy="0"/>
+          <a:chOff x="0" y="0"/>
+          <a:chExt cx="0" cy="0"/>
+        </a:xfrm>
+      </p:grpSpPr>
+      <p:sp>
+        <p:nvSpPr>
+          <p:cNvPr id="20" name="Rectangle 19">
+            <a:extLst>
+              <a:ext uri="{FF2B5EF4-FFF2-40B4-BE49-F238E27FC236}">
+                <a16:creationId xmlns:a16="http://schemas.microsoft.com/office/drawing/2014/main" id="{823AC064-BC96-4F32-8AE1-B2FD38754823}"/>
+              </a:ext>
+              <a:ext uri="{C183D7F6-B498-43B3-948B-1728B52AA6E4}">
+                <adec:decorative xmlns:adec="http://schemas.microsoft.com/office/drawing/2017/decorative" val="1"/>
+              </a:ext>
+            </a:extLst>
+          </p:cNvPr>
+          <p:cNvSpPr>
+            <a:spLocks noGrp="1" noRot="1" noChangeAspect="1" noMove="1" noResize="1" noEditPoints="1" noAdjustHandles="1" noChangeArrowheads="1" noChangeShapeType="1" noTextEdit="1"/>
+          </p:cNvSpPr>
+          <p:nvPr>
+            <p:extLst>
+              <p:ext uri="{386F3935-93C4-4BCD-93E2-E3B085C9AB24}">
+                <p16:designElem xmlns:p16="http://schemas.microsoft.com/office/powerpoint/2015/main" val="1"/>
+              </p:ext>
+            </p:extLst>
+          </p:nvPr>
+        </p:nvSpPr>
+        <p:spPr bwMode="ltGray">
+          <a:xfrm>
+            <a:off x="378068" y="343486"/>
+            <a:ext cx="11438793" cy="1844256"/>
+          </a:xfrm>
+          <a:prstGeom prst="rect">
+            <a:avLst/>
+          </a:prstGeom>
+          <a:solidFill>
+            <a:srgbClr val="404040"/>
+          </a:solidFill>
+          <a:ln w="127000" cap="sq" cmpd="thinThick">
+            <a:solidFill>
+              <a:srgbClr val="404040"/>
+            </a:solidFill>
+          </a:ln>
+        </p:spPr>
+        <p:style>
+          <a:lnRef idx="2">
+            <a:schemeClr val="accent1">
+              <a:shade val="50000"/>
+            </a:schemeClr>
+          </a:lnRef>
+          <a:fillRef idx="1">
+            <a:schemeClr val="accent1"/>
+          </a:fillRef>
+          <a:effectRef idx="0">
+            <a:schemeClr val="accent1"/>
+          </a:effectRef>
+          <a:fontRef idx="minor">
+            <a:schemeClr val="lt1"/>
+          </a:fontRef>
+        </p:style>
+        <p:txBody>
+          <a:bodyPr rtlCol="0" anchor="ctr"/>
+          <a:lstStyle/>
+          <a:p>
+            <a:pPr marL="0" marR="0" lvl="0" indent="0" algn="ctr" defTabSz="914400" rtl="0" eaLnBrk="1" fontAlgn="auto" latinLnBrk="0" hangingPunct="1">
+              <a:lnSpc>
+                <a:spcPct val="100000"/>
+              </a:lnSpc>
+              <a:spcBef>
+                <a:spcPts val="0"/>
+              </a:spcBef>
+              <a:spcAft>
+                <a:spcPts val="0"/>
+              </a:spcAft>
+              <a:buClrTx/>
+              <a:buSzTx/>
+              <a:buFontTx/>
+              <a:buNone/>
+              <a:tabLst/>
+              <a:defRPr/>
+            </a:pPr>
+            <a:endParaRPr kumimoji="0" lang="en-US" sz="1800" b="0" i="0" u="none" strike="noStrike" kern="1200" cap="none" spc="0" normalizeH="0" baseline="0" noProof="0">
+              <a:ln>
+                <a:noFill/>
+              </a:ln>
+              <a:solidFill>
+                <a:prstClr val="white"/>
+              </a:solidFill>
+              <a:effectLst/>
+              <a:uLnTx/>
+              <a:uFillTx/>
+              <a:latin typeface="Calibri" panose="020F0502020204030204"/>
+              <a:ea typeface="+mn-ea"/>
+              <a:cs typeface="+mn-cs"/>
+            </a:endParaRPr>
+          </a:p>
+        </p:txBody>
+      </p:sp>
+      <p:sp>
+        <p:nvSpPr>
+          <p:cNvPr id="2" name="Nadpis 1">
+            <a:extLst>
+              <a:ext uri="{FF2B5EF4-FFF2-40B4-BE49-F238E27FC236}">
+                <a16:creationId xmlns:a16="http://schemas.microsoft.com/office/drawing/2014/main" id="{857B6C76-6EEA-4448-9D2C-EB4BCA2563C8}"/>
+              </a:ext>
+            </a:extLst>
+          </p:cNvPr>
+          <p:cNvSpPr>
+            <a:spLocks noGrp="1"/>
+          </p:cNvSpPr>
+          <p:nvPr>
+            <p:ph type="title"/>
+          </p:nvPr>
+        </p:nvSpPr>
+        <p:spPr>
+          <a:xfrm>
+            <a:off x="526073" y="466578"/>
+            <a:ext cx="11139854" cy="930447"/>
+          </a:xfrm>
+        </p:spPr>
+        <p:txBody>
+          <a:bodyPr vert="horz" lIns="91440" tIns="45720" rIns="91440" bIns="45720" rtlCol="0" anchor="b">
+            <a:normAutofit/>
+          </a:bodyPr>
+          <a:lstStyle/>
+          <a:p>
+            <a:pPr algn="ctr"/>
+            <a:r>
+              <a:rPr lang="cs-CZ" sz="5400" kern="1200" dirty="0">
+                <a:solidFill>
+                  <a:srgbClr val="FFFFFF"/>
+                </a:solidFill>
+                <a:latin typeface="+mj-lt"/>
+                <a:ea typeface="+mj-ea"/>
+                <a:cs typeface="+mj-cs"/>
+              </a:rPr>
+              <a:t>Aplikace</a:t>
+            </a:r>
+            <a:endParaRPr lang="en-US" sz="5400" kern="1200" dirty="0">
+              <a:solidFill>
+                <a:srgbClr val="FFFFFF"/>
+              </a:solidFill>
+              <a:latin typeface="+mj-lt"/>
+              <a:ea typeface="+mj-ea"/>
+              <a:cs typeface="+mj-cs"/>
+            </a:endParaRPr>
+          </a:p>
+        </p:txBody>
+      </p:sp>
+      <p:cxnSp>
+        <p:nvCxnSpPr>
+          <p:cNvPr id="22" name="Straight Connector 21">
+            <a:extLst>
+              <a:ext uri="{FF2B5EF4-FFF2-40B4-BE49-F238E27FC236}">
+                <a16:creationId xmlns:a16="http://schemas.microsoft.com/office/drawing/2014/main" id="{7E7C77BC-7138-40B1-A15B-20F57A494629}"/>
+              </a:ext>
+              <a:ext uri="{C183D7F6-B498-43B3-948B-1728B52AA6E4}">
+                <adec:decorative xmlns:adec="http://schemas.microsoft.com/office/drawing/2017/decorative" val="1"/>
+              </a:ext>
+            </a:extLst>
+          </p:cNvPr>
+          <p:cNvCxnSpPr>
+            <a:cxnSpLocks noGrp="1" noRot="1" noChangeAspect="1" noMove="1" noResize="1" noEditPoints="1" noAdjustHandles="1" noChangeArrowheads="1" noChangeShapeType="1"/>
+          </p:cNvCxnSpPr>
+          <p:nvPr>
+            <p:extLst>
+              <p:ext uri="{386F3935-93C4-4BCD-93E2-E3B085C9AB24}">
+                <p16:designElem xmlns:p16="http://schemas.microsoft.com/office/powerpoint/2015/main" val="1"/>
+              </p:ext>
+            </p:extLst>
+          </p:nvPr>
+        </p:nvCxnSpPr>
+        <p:spPr>
+          <a:xfrm>
+            <a:off x="2209800" y="1448631"/>
+            <a:ext cx="7772400" cy="0"/>
+          </a:xfrm>
+          <a:prstGeom prst="line">
+            <a:avLst/>
+          </a:prstGeom>
+          <a:ln w="22225">
+            <a:solidFill>
+              <a:srgbClr val="D9D9D9"/>
+            </a:solidFill>
+          </a:ln>
+        </p:spPr>
+        <p:style>
+          <a:lnRef idx="1">
+            <a:schemeClr val="accent1"/>
+          </a:lnRef>
+          <a:fillRef idx="0">
+            <a:schemeClr val="accent1"/>
+          </a:fillRef>
+          <a:effectRef idx="0">
+            <a:schemeClr val="accent1"/>
+          </a:effectRef>
+          <a:fontRef idx="minor">
+            <a:schemeClr val="tx1"/>
+          </a:fontRef>
+        </p:style>
+      </p:cxnSp>
+      <p:pic>
+        <p:nvPicPr>
+          <p:cNvPr id="3" name="Obrázek 2">
+            <a:extLst>
+              <a:ext uri="{FF2B5EF4-FFF2-40B4-BE49-F238E27FC236}">
+                <a16:creationId xmlns:a16="http://schemas.microsoft.com/office/drawing/2014/main" id="{4FB3DDA7-C368-40CA-ADD9-ED88055BD919}"/>
+              </a:ext>
+            </a:extLst>
+          </p:cNvPr>
+          <p:cNvPicPr>
+            <a:picLocks noChangeAspect="1"/>
+          </p:cNvPicPr>
+          <p:nvPr/>
+        </p:nvPicPr>
+        <p:blipFill>
+          <a:blip r:embed="rId2"/>
+          <a:stretch>
+            <a:fillRect/>
+          </a:stretch>
+        </p:blipFill>
+        <p:spPr>
+          <a:xfrm>
+            <a:off x="8779144" y="2251757"/>
+            <a:ext cx="2650484" cy="4345667"/>
+          </a:xfrm>
+          <a:prstGeom prst="rect">
+            <a:avLst/>
+          </a:prstGeom>
+        </p:spPr>
+      </p:pic>
+      <p:pic>
+        <p:nvPicPr>
+          <p:cNvPr id="8" name="Obrázek 7">
+            <a:extLst>
+              <a:ext uri="{FF2B5EF4-FFF2-40B4-BE49-F238E27FC236}">
+                <a16:creationId xmlns:a16="http://schemas.microsoft.com/office/drawing/2014/main" id="{905F7BED-06D1-4C37-A64A-5AD8F557EC9E}"/>
+              </a:ext>
+            </a:extLst>
+          </p:cNvPr>
+          <p:cNvPicPr>
+            <a:picLocks noChangeAspect="1"/>
+          </p:cNvPicPr>
+          <p:nvPr/>
+        </p:nvPicPr>
+        <p:blipFill>
+          <a:blip r:embed="rId3"/>
+          <a:stretch>
+            <a:fillRect/>
+          </a:stretch>
+        </p:blipFill>
+        <p:spPr>
+          <a:xfrm>
+            <a:off x="1026226" y="2251756"/>
+            <a:ext cx="2477859" cy="4369920"/>
+          </a:xfrm>
+          <a:prstGeom prst="rect">
+            <a:avLst/>
+          </a:prstGeom>
+        </p:spPr>
+      </p:pic>
+      <p:pic>
+        <p:nvPicPr>
+          <p:cNvPr id="11" name="Obrázek 10">
+            <a:extLst>
+              <a:ext uri="{FF2B5EF4-FFF2-40B4-BE49-F238E27FC236}">
+                <a16:creationId xmlns:a16="http://schemas.microsoft.com/office/drawing/2014/main" id="{E4EFFCE0-E93B-49C9-8BA3-5088DA22E98A}"/>
+              </a:ext>
+            </a:extLst>
+          </p:cNvPr>
+          <p:cNvPicPr>
+            <a:picLocks noChangeAspect="1"/>
+          </p:cNvPicPr>
+          <p:nvPr/>
+        </p:nvPicPr>
+        <p:blipFill>
+          <a:blip r:embed="rId4"/>
+          <a:stretch>
+            <a:fillRect/>
+          </a:stretch>
+        </p:blipFill>
+        <p:spPr>
+          <a:xfrm>
+            <a:off x="4857070" y="2239348"/>
+            <a:ext cx="2477859" cy="4358077"/>
+          </a:xfrm>
+          <a:prstGeom prst="rect">
+            <a:avLst/>
+          </a:prstGeom>
+        </p:spPr>
+      </p:pic>
+    </p:spTree>
+    <p:extLst>
+      <p:ext uri="{BB962C8B-B14F-4D97-AF65-F5344CB8AC3E}">
+        <p14:creationId xmlns:p14="http://schemas.microsoft.com/office/powerpoint/2010/main" val="4077043725"/>
+      </p:ext>
+    </p:extLst>
+  </p:cSld>
+  <p:clrMapOvr>
+    <a:masterClrMapping/>
+  </p:clrMapOvr>
+</p:sld>
+</file>
+
+<file path=ppt/slides/slide13.xml><?xml version="1.0" encoding="utf-8"?>
+<p:sld xmlns:a="http://schemas.openxmlformats.org/drawingml/2006/main" xmlns:r="http://schemas.openxmlformats.org/officeDocument/2006/relationships" xmlns:p="http://schemas.openxmlformats.org/presentationml/2006/main">
+  <p:cSld>
+    <p:bg>
+      <p:bgPr>
+        <a:solidFill>
+          <a:schemeClr val="bg1">
+            <a:tint val="95000"/>
+            <a:satMod val="170000"/>
+          </a:schemeClr>
+        </a:solidFill>
+        <a:effectLst/>
+      </p:bgPr>
+    </p:bg>
+    <p:spTree>
+      <p:nvGrpSpPr>
+        <p:cNvPr id="1" name=""/>
+        <p:cNvGrpSpPr/>
+        <p:nvPr/>
+      </p:nvGrpSpPr>
+      <p:grpSpPr>
+        <a:xfrm>
+          <a:off x="0" y="0"/>
+          <a:ext cx="0" cy="0"/>
+          <a:chOff x="0" y="0"/>
+          <a:chExt cx="0" cy="0"/>
+        </a:xfrm>
+      </p:grpSpPr>
+      <p:sp>
+        <p:nvSpPr>
+          <p:cNvPr id="2" name="Nadpis 1">
+            <a:extLst>
+              <a:ext uri="{FF2B5EF4-FFF2-40B4-BE49-F238E27FC236}">
+                <a16:creationId xmlns:a16="http://schemas.microsoft.com/office/drawing/2014/main" id="{857B6C76-6EEA-4448-9D2C-EB4BCA2563C8}"/>
+              </a:ext>
+            </a:extLst>
+          </p:cNvPr>
+          <p:cNvSpPr>
+            <a:spLocks noGrp="1"/>
+          </p:cNvSpPr>
+          <p:nvPr>
+            <p:ph type="title"/>
+          </p:nvPr>
+        </p:nvSpPr>
+        <p:spPr>
+          <a:xfrm>
+            <a:off x="237422" y="321735"/>
+            <a:ext cx="5458817" cy="957767"/>
+          </a:xfrm>
+        </p:spPr>
+        <p:txBody>
+          <a:bodyPr vert="horz" lIns="91440" tIns="45720" rIns="91440" bIns="45720" rtlCol="0" anchor="b">
+            <a:normAutofit/>
+          </a:bodyPr>
+          <a:lstStyle/>
+          <a:p>
+            <a:pPr algn="ctr"/>
+            <a:r>
+              <a:rPr lang="cs-CZ" sz="6000" dirty="0"/>
+              <a:t>Třídy</a:t>
+            </a:r>
+          </a:p>
+        </p:txBody>
+      </p:sp>
+      <p:pic>
+        <p:nvPicPr>
+          <p:cNvPr id="8" name="Obrázek 7">
+            <a:extLst>
+              <a:ext uri="{FF2B5EF4-FFF2-40B4-BE49-F238E27FC236}">
+                <a16:creationId xmlns:a16="http://schemas.microsoft.com/office/drawing/2014/main" id="{FF3953E2-ABEE-45CB-BD31-111D825C3F52}"/>
+              </a:ext>
+            </a:extLst>
+          </p:cNvPr>
+          <p:cNvPicPr>
+            <a:picLocks noChangeAspect="1"/>
+          </p:cNvPicPr>
+          <p:nvPr/>
+        </p:nvPicPr>
+        <p:blipFill>
+          <a:blip r:embed="rId2">
+            <a:extLst>
+              <a:ext uri="{28A0092B-C50C-407E-A947-70E740481C1C}">
+                <a14:useLocalDpi xmlns:a14="http://schemas.microsoft.com/office/drawing/2010/main" val="0"/>
+              </a:ext>
+            </a:extLst>
+          </a:blip>
+          <a:stretch>
+            <a:fillRect/>
+          </a:stretch>
+        </p:blipFill>
+        <p:spPr>
+          <a:xfrm>
+            <a:off x="237423" y="1894018"/>
+            <a:ext cx="5458816" cy="3251206"/>
+          </a:xfrm>
+          <a:prstGeom prst="rect">
+            <a:avLst/>
+          </a:prstGeom>
+        </p:spPr>
+      </p:pic>
+      <p:cxnSp>
+        <p:nvCxnSpPr>
+          <p:cNvPr id="27" name="Straight Connector 26">
+            <a:extLst>
+              <a:ext uri="{FF2B5EF4-FFF2-40B4-BE49-F238E27FC236}">
+                <a16:creationId xmlns:a16="http://schemas.microsoft.com/office/drawing/2014/main" id="{3D83F26F-C55B-4A92-9AFF-4894D14E27C5}"/>
+              </a:ext>
+              <a:ext uri="{C183D7F6-B498-43B3-948B-1728B52AA6E4}">
+                <adec:decorative xmlns:adec="http://schemas.microsoft.com/office/drawing/2017/decorative" val="1"/>
+              </a:ext>
+            </a:extLst>
+          </p:cNvPr>
+          <p:cNvCxnSpPr>
+            <a:cxnSpLocks noGrp="1" noRot="1" noChangeAspect="1" noMove="1" noResize="1" noEditPoints="1" noAdjustHandles="1" noChangeArrowheads="1" noChangeShapeType="1"/>
+          </p:cNvCxnSpPr>
+          <p:nvPr>
+            <p:extLst>
+              <p:ext uri="{386F3935-93C4-4BCD-93E2-E3B085C9AB24}">
+                <p16:designElem xmlns:p16="http://schemas.microsoft.com/office/powerpoint/2015/main" val="1"/>
+              </p:ext>
+            </p:extLst>
+          </p:nvPr>
+        </p:nvCxnSpPr>
+        <p:spPr>
+          <a:xfrm>
+            <a:off x="6096000" y="1253414"/>
+            <a:ext cx="0" cy="2120900"/>
+          </a:xfrm>
+          <a:prstGeom prst="line">
+            <a:avLst/>
+          </a:prstGeom>
+          <a:ln w="19050">
+            <a:solidFill>
+              <a:schemeClr val="tx1">
+                <a:lumMod val="75000"/>
+                <a:lumOff val="25000"/>
+              </a:schemeClr>
+            </a:solidFill>
+          </a:ln>
+        </p:spPr>
+        <p:style>
+          <a:lnRef idx="1">
+            <a:schemeClr val="accent1"/>
+          </a:lnRef>
+          <a:fillRef idx="0">
+            <a:schemeClr val="accent1"/>
+          </a:fillRef>
+          <a:effectRef idx="0">
+            <a:schemeClr val="accent1"/>
+          </a:effectRef>
+          <a:fontRef idx="minor">
+            <a:schemeClr val="tx1"/>
+          </a:fontRef>
+        </p:style>
+      </p:cxnSp>
+      <p:pic>
+        <p:nvPicPr>
+          <p:cNvPr id="11" name="Obrázek 10">
+            <a:extLst>
+              <a:ext uri="{FF2B5EF4-FFF2-40B4-BE49-F238E27FC236}">
+                <a16:creationId xmlns:a16="http://schemas.microsoft.com/office/drawing/2014/main" id="{B8EF6786-DB08-4E84-8962-687DD40B143C}"/>
+              </a:ext>
+            </a:extLst>
+          </p:cNvPr>
+          <p:cNvPicPr>
+            <a:picLocks noChangeAspect="1"/>
+          </p:cNvPicPr>
+          <p:nvPr/>
+        </p:nvPicPr>
+        <p:blipFill>
+          <a:blip r:embed="rId3">
+            <a:extLst>
+              <a:ext uri="{28A0092B-C50C-407E-A947-70E740481C1C}">
+                <a14:useLocalDpi xmlns:a14="http://schemas.microsoft.com/office/drawing/2010/main" val="0"/>
+              </a:ext>
+            </a:extLst>
+          </a:blip>
+          <a:stretch>
+            <a:fillRect/>
+          </a:stretch>
+        </p:blipFill>
+        <p:spPr>
+          <a:xfrm>
+            <a:off x="6495762" y="231113"/>
+            <a:ext cx="5708227" cy="6395773"/>
+          </a:xfrm>
+          <a:prstGeom prst="rect">
+            <a:avLst/>
+          </a:prstGeom>
+        </p:spPr>
+      </p:pic>
+    </p:spTree>
+    <p:extLst>
+      <p:ext uri="{BB962C8B-B14F-4D97-AF65-F5344CB8AC3E}">
+        <p14:creationId xmlns:p14="http://schemas.microsoft.com/office/powerpoint/2010/main" val="1642559327"/>
+      </p:ext>
+    </p:extLst>
+  </p:cSld>
+  <p:clrMapOvr>
+    <a:overrideClrMapping bg1="dk1" tx1="lt1" bg2="dk2" tx2="lt2" accent1="accent1" accent2="accent2" accent3="accent3" accent4="accent4" accent5="accent5" accent6="accent6" hlink="hlink" folHlink="folHlink"/>
+  </p:clrMapOvr>
+</p:sld>
+</file>
+
+<file path=ppt/slides/slide14.xml><?xml version="1.0" encoding="utf-8"?>
 <p:sld xmlns:a="http://schemas.openxmlformats.org/drawingml/2006/main" xmlns:r="http://schemas.openxmlformats.org/officeDocument/2006/relationships" xmlns:p="http://schemas.openxmlformats.org/presentationml/2006/main">
   <p:cSld>
     <p:bg>
@@ -5512,7 +5776,7 @@
         </p:nvSpPr>
         <p:spPr>
           <a:xfrm>
-            <a:off x="804673" y="3320859"/>
+            <a:off x="641919" y="544777"/>
             <a:ext cx="4573475" cy="2076333"/>
           </a:xfrm>
         </p:spPr>
@@ -5523,16 +5787,21 @@
           <a:lstStyle/>
           <a:p>
             <a:r>
-              <a:rPr lang="en-US" sz="4800" kern="1200">
+              <a:rPr lang="cs-CZ" sz="4800" dirty="0">
                 <a:solidFill>
                   <a:schemeClr val="bg1"/>
                 </a:solidFill>
-                <a:latin typeface="+mj-lt"/>
-                <a:ea typeface="+mj-ea"/>
-                <a:cs typeface="+mj-cs"/>
               </a:rPr>
-              <a:t>APLIKACE</a:t>
+              <a:t>Hlavní okno</a:t>
             </a:r>
+            <a:endParaRPr lang="en-US" sz="4800" kern="1200" dirty="0">
+              <a:solidFill>
+                <a:schemeClr val="bg1"/>
+              </a:solidFill>
+              <a:latin typeface="+mj-lt"/>
+              <a:ea typeface="+mj-ea"/>
+              <a:cs typeface="+mj-cs"/>
+            </a:endParaRPr>
           </a:p>
         </p:txBody>
       </p:sp>
@@ -5938,10 +6207,10 @@
       </p:sp>
       <p:pic>
         <p:nvPicPr>
-          <p:cNvPr id="8" name="Zástupný obsah 4">
+          <p:cNvPr id="6" name="Obrázek 5">
             <a:extLst>
               <a:ext uri="{FF2B5EF4-FFF2-40B4-BE49-F238E27FC236}">
-                <a16:creationId xmlns:a16="http://schemas.microsoft.com/office/drawing/2014/main" id="{1D608DA9-53B0-4828-A46F-8FE1F197D2C2}"/>
+                <a16:creationId xmlns:a16="http://schemas.microsoft.com/office/drawing/2014/main" id="{3F9C3C55-E7AB-4FCC-90CD-698F2A3F0731}"/>
               </a:ext>
             </a:extLst>
           </p:cNvPr>
@@ -5951,21 +6220,15 @@
           <p:nvPr/>
         </p:nvPicPr>
         <p:blipFill>
-          <a:blip r:embed="rId2">
-            <a:extLst>
-              <a:ext uri="{28A0092B-C50C-407E-A947-70E740481C1C}">
-                <a14:useLocalDpi xmlns:a14="http://schemas.microsoft.com/office/drawing/2010/main" val="0"/>
-              </a:ext>
-            </a:extLst>
-          </a:blip>
+          <a:blip r:embed="rId2"/>
           <a:stretch>
             <a:fillRect/>
           </a:stretch>
         </p:blipFill>
         <p:spPr>
           <a:xfrm>
-            <a:off x="7781731" y="936573"/>
-            <a:ext cx="3256383" cy="5688008"/>
+            <a:off x="5850276" y="0"/>
+            <a:ext cx="6341724" cy="6858000"/>
           </a:xfrm>
           <a:prstGeom prst="rect">
             <a:avLst/>
@@ -5975,7 +6238,7 @@
     </p:spTree>
     <p:extLst>
       <p:ext uri="{BB962C8B-B14F-4D97-AF65-F5344CB8AC3E}">
-        <p14:creationId xmlns:p14="http://schemas.microsoft.com/office/powerpoint/2010/main" val="1247341911"/>
+        <p14:creationId xmlns:p14="http://schemas.microsoft.com/office/powerpoint/2010/main" val="2966358235"/>
       </p:ext>
     </p:extLst>
   </p:cSld>
@@ -5985,548 +6248,7 @@
 </p:sld>
 </file>
 
-<file path=ppt/slides/slide4.xml><?xml version="1.0" encoding="utf-8"?>
-<p:sld xmlns:a="http://schemas.openxmlformats.org/drawingml/2006/main" xmlns:r="http://schemas.openxmlformats.org/officeDocument/2006/relationships" xmlns:p="http://schemas.openxmlformats.org/presentationml/2006/main">
-  <p:cSld>
-    <p:bg>
-      <p:bgPr>
-        <a:solidFill>
-          <a:schemeClr val="bg1">
-            <a:tint val="95000"/>
-            <a:satMod val="170000"/>
-          </a:schemeClr>
-        </a:solidFill>
-        <a:effectLst/>
-      </p:bgPr>
-    </p:bg>
-    <p:spTree>
-      <p:nvGrpSpPr>
-        <p:cNvPr id="1" name=""/>
-        <p:cNvGrpSpPr/>
-        <p:nvPr/>
-      </p:nvGrpSpPr>
-      <p:grpSpPr>
-        <a:xfrm>
-          <a:off x="0" y="0"/>
-          <a:ext cx="0" cy="0"/>
-          <a:chOff x="0" y="0"/>
-          <a:chExt cx="0" cy="0"/>
-        </a:xfrm>
-      </p:grpSpPr>
-      <p:sp>
-        <p:nvSpPr>
-          <p:cNvPr id="24" name="Freeform: Shape 23">
-            <a:extLst>
-              <a:ext uri="{FF2B5EF4-FFF2-40B4-BE49-F238E27FC236}">
-                <a16:creationId xmlns:a16="http://schemas.microsoft.com/office/drawing/2014/main" id="{E862BE82-D00D-42C1-BF16-93AA37870C32}"/>
-              </a:ext>
-              <a:ext uri="{C183D7F6-B498-43B3-948B-1728B52AA6E4}">
-                <adec:decorative xmlns:adec="http://schemas.microsoft.com/office/drawing/2017/decorative" val="1"/>
-              </a:ext>
-            </a:extLst>
-          </p:cNvPr>
-          <p:cNvSpPr>
-            <a:spLocks noGrp="1" noRot="1" noChangeAspect="1" noMove="1" noResize="1" noEditPoints="1" noAdjustHandles="1" noChangeArrowheads="1" noChangeShapeType="1" noTextEdit="1"/>
-          </p:cNvSpPr>
-          <p:nvPr>
-            <p:extLst>
-              <p:ext uri="{386F3935-93C4-4BCD-93E2-E3B085C9AB24}">
-                <p16:designElem xmlns:p16="http://schemas.microsoft.com/office/powerpoint/2015/main" val="1"/>
-              </p:ext>
-            </p:extLst>
-          </p:nvPr>
-        </p:nvSpPr>
-        <p:spPr>
-          <a:xfrm>
-            <a:off x="0" y="-2008"/>
-            <a:ext cx="5609220" cy="5840278"/>
-          </a:xfrm>
-          <a:custGeom>
-            <a:avLst/>
-            <a:gdLst>
-              <a:gd name="connsiteX0" fmla="*/ 0 w 5609220"/>
-              <a:gd name="connsiteY0" fmla="*/ 0 h 5840278"/>
-              <a:gd name="connsiteX1" fmla="*/ 4637091 w 5609220"/>
-              <a:gd name="connsiteY1" fmla="*/ 0 h 5840278"/>
-              <a:gd name="connsiteX2" fmla="*/ 4822569 w 5609220"/>
-              <a:gd name="connsiteY2" fmla="*/ 204077 h 5840278"/>
-              <a:gd name="connsiteX3" fmla="*/ 5609220 w 5609220"/>
-              <a:gd name="connsiteY3" fmla="*/ 2395363 h 5840278"/>
-              <a:gd name="connsiteX4" fmla="*/ 2164305 w 5609220"/>
-              <a:gd name="connsiteY4" fmla="*/ 5840278 h 5840278"/>
-              <a:gd name="connsiteX5" fmla="*/ 238220 w 5609220"/>
-              <a:gd name="connsiteY5" fmla="*/ 5251941 h 5840278"/>
-              <a:gd name="connsiteX6" fmla="*/ 0 w 5609220"/>
-              <a:gd name="connsiteY6" fmla="*/ 5073803 h 5840278"/>
-            </a:gdLst>
-            <a:ahLst/>
-            <a:cxnLst>
-              <a:cxn ang="0">
-                <a:pos x="connsiteX0" y="connsiteY0"/>
-              </a:cxn>
-              <a:cxn ang="0">
-                <a:pos x="connsiteX1" y="connsiteY1"/>
-              </a:cxn>
-              <a:cxn ang="0">
-                <a:pos x="connsiteX2" y="connsiteY2"/>
-              </a:cxn>
-              <a:cxn ang="0">
-                <a:pos x="connsiteX3" y="connsiteY3"/>
-              </a:cxn>
-              <a:cxn ang="0">
-                <a:pos x="connsiteX4" y="connsiteY4"/>
-              </a:cxn>
-              <a:cxn ang="0">
-                <a:pos x="connsiteX5" y="connsiteY5"/>
-              </a:cxn>
-              <a:cxn ang="0">
-                <a:pos x="connsiteX6" y="connsiteY6"/>
-              </a:cxn>
-            </a:cxnLst>
-            <a:rect l="l" t="t" r="r" b="b"/>
-            <a:pathLst>
-              <a:path w="5609220" h="5840278">
-                <a:moveTo>
-                  <a:pt x="0" y="0"/>
-                </a:moveTo>
-                <a:lnTo>
-                  <a:pt x="4637091" y="0"/>
-                </a:lnTo>
-                <a:lnTo>
-                  <a:pt x="4822569" y="204077"/>
-                </a:lnTo>
-                <a:cubicBezTo>
-                  <a:pt x="5314007" y="799562"/>
-                  <a:pt x="5609220" y="1562987"/>
-                  <a:pt x="5609220" y="2395363"/>
-                </a:cubicBezTo>
-                <a:cubicBezTo>
-                  <a:pt x="5609220" y="4297937"/>
-                  <a:pt x="4066879" y="5840278"/>
-                  <a:pt x="2164305" y="5840278"/>
-                </a:cubicBezTo>
-                <a:cubicBezTo>
-                  <a:pt x="1450840" y="5840278"/>
-                  <a:pt x="788032" y="5623387"/>
-                  <a:pt x="238220" y="5251941"/>
-                </a:cubicBezTo>
-                <a:lnTo>
-                  <a:pt x="0" y="5073803"/>
-                </a:lnTo>
-                <a:close/>
-              </a:path>
-            </a:pathLst>
-          </a:custGeom>
-          <a:solidFill>
-            <a:schemeClr val="tx1">
-              <a:alpha val="20000"/>
-            </a:schemeClr>
-          </a:solidFill>
-          <a:ln>
-            <a:noFill/>
-          </a:ln>
-        </p:spPr>
-        <p:style>
-          <a:lnRef idx="2">
-            <a:schemeClr val="accent1">
-              <a:shade val="50000"/>
-            </a:schemeClr>
-          </a:lnRef>
-          <a:fillRef idx="1">
-            <a:schemeClr val="accent1"/>
-          </a:fillRef>
-          <a:effectRef idx="0">
-            <a:schemeClr val="accent1"/>
-          </a:effectRef>
-          <a:fontRef idx="minor">
-            <a:schemeClr val="lt1"/>
-          </a:fontRef>
-        </p:style>
-        <p:txBody>
-          <a:bodyPr rtlCol="0" anchor="ctr"/>
-          <a:lstStyle/>
-          <a:p>
-            <a:pPr marL="0" marR="0" lvl="0" indent="0" algn="ctr" defTabSz="914400" rtl="0" eaLnBrk="1" fontAlgn="auto" latinLnBrk="0" hangingPunct="1">
-              <a:lnSpc>
-                <a:spcPct val="100000"/>
-              </a:lnSpc>
-              <a:spcBef>
-                <a:spcPts val="0"/>
-              </a:spcBef>
-              <a:spcAft>
-                <a:spcPts val="0"/>
-              </a:spcAft>
-              <a:buClrTx/>
-              <a:buSzTx/>
-              <a:buFontTx/>
-              <a:buNone/>
-              <a:tabLst/>
-              <a:defRPr/>
-            </a:pPr>
-            <a:endParaRPr kumimoji="0" lang="en-US" sz="1800" b="0" i="0" u="none" strike="noStrike" kern="1200" cap="none" spc="0" normalizeH="0" baseline="0" noProof="0">
-              <a:ln>
-                <a:noFill/>
-              </a:ln>
-              <a:solidFill>
-                <a:prstClr val="white"/>
-              </a:solidFill>
-              <a:effectLst/>
-              <a:uLnTx/>
-              <a:uFillTx/>
-              <a:latin typeface="Calibri" panose="020F0502020204030204"/>
-              <a:ea typeface="+mn-ea"/>
-              <a:cs typeface="+mn-cs"/>
-            </a:endParaRPr>
-          </a:p>
-        </p:txBody>
-      </p:sp>
-      <p:sp>
-        <p:nvSpPr>
-          <p:cNvPr id="26" name="Freeform: Shape 25">
-            <a:extLst>
-              <a:ext uri="{FF2B5EF4-FFF2-40B4-BE49-F238E27FC236}">
-                <a16:creationId xmlns:a16="http://schemas.microsoft.com/office/drawing/2014/main" id="{F6D92C2D-1D3D-4974-918C-06579FB354A9}"/>
-              </a:ext>
-              <a:ext uri="{C183D7F6-B498-43B3-948B-1728B52AA6E4}">
-                <adec:decorative xmlns:adec="http://schemas.microsoft.com/office/drawing/2017/decorative" val="1"/>
-              </a:ext>
-            </a:extLst>
-          </p:cNvPr>
-          <p:cNvSpPr>
-            <a:spLocks noGrp="1" noRot="1" noChangeAspect="1" noMove="1" noResize="1" noEditPoints="1" noAdjustHandles="1" noChangeArrowheads="1" noChangeShapeType="1" noTextEdit="1"/>
-          </p:cNvSpPr>
-          <p:nvPr>
-            <p:extLst>
-              <p:ext uri="{386F3935-93C4-4BCD-93E2-E3B085C9AB24}">
-                <p16:designElem xmlns:p16="http://schemas.microsoft.com/office/powerpoint/2015/main" val="1"/>
-              </p:ext>
-            </p:extLst>
-          </p:nvPr>
-        </p:nvSpPr>
-        <p:spPr>
-          <a:xfrm>
-            <a:off x="-2333" y="-2"/>
-            <a:ext cx="5441859" cy="5654940"/>
-          </a:xfrm>
-          <a:custGeom>
-            <a:avLst/>
-            <a:gdLst>
-              <a:gd name="connsiteX0" fmla="*/ 0 w 5441859"/>
-              <a:gd name="connsiteY0" fmla="*/ 0 h 5654940"/>
-              <a:gd name="connsiteX1" fmla="*/ 4400492 w 5441859"/>
-              <a:gd name="connsiteY1" fmla="*/ 0 h 5654940"/>
-              <a:gd name="connsiteX2" fmla="*/ 4484767 w 5441859"/>
-              <a:gd name="connsiteY2" fmla="*/ 76595 h 5654940"/>
-              <a:gd name="connsiteX3" fmla="*/ 5441859 w 5441859"/>
-              <a:gd name="connsiteY3" fmla="*/ 2387221 h 5654940"/>
-              <a:gd name="connsiteX4" fmla="*/ 2174140 w 5441859"/>
-              <a:gd name="connsiteY4" fmla="*/ 5654940 h 5654940"/>
-              <a:gd name="connsiteX5" fmla="*/ 156693 w 5441859"/>
-              <a:gd name="connsiteY5" fmla="*/ 4957981 h 5654940"/>
-              <a:gd name="connsiteX6" fmla="*/ 0 w 5441859"/>
-              <a:gd name="connsiteY6" fmla="*/ 4820612 h 5654940"/>
-            </a:gdLst>
-            <a:ahLst/>
-            <a:cxnLst>
-              <a:cxn ang="0">
-                <a:pos x="connsiteX0" y="connsiteY0"/>
-              </a:cxn>
-              <a:cxn ang="0">
-                <a:pos x="connsiteX1" y="connsiteY1"/>
-              </a:cxn>
-              <a:cxn ang="0">
-                <a:pos x="connsiteX2" y="connsiteY2"/>
-              </a:cxn>
-              <a:cxn ang="0">
-                <a:pos x="connsiteX3" y="connsiteY3"/>
-              </a:cxn>
-              <a:cxn ang="0">
-                <a:pos x="connsiteX4" y="connsiteY4"/>
-              </a:cxn>
-              <a:cxn ang="0">
-                <a:pos x="connsiteX5" y="connsiteY5"/>
-              </a:cxn>
-              <a:cxn ang="0">
-                <a:pos x="connsiteX6" y="connsiteY6"/>
-              </a:cxn>
-            </a:cxnLst>
-            <a:rect l="l" t="t" r="r" b="b"/>
-            <a:pathLst>
-              <a:path w="5441859" h="5654940">
-                <a:moveTo>
-                  <a:pt x="0" y="0"/>
-                </a:moveTo>
-                <a:lnTo>
-                  <a:pt x="4400492" y="0"/>
-                </a:lnTo>
-                <a:lnTo>
-                  <a:pt x="4484767" y="76595"/>
-                </a:lnTo>
-                <a:cubicBezTo>
-                  <a:pt x="5076108" y="667936"/>
-                  <a:pt x="5441859" y="1484866"/>
-                  <a:pt x="5441859" y="2387221"/>
-                </a:cubicBezTo>
-                <a:cubicBezTo>
-                  <a:pt x="5441859" y="4191932"/>
-                  <a:pt x="3978851" y="5654940"/>
-                  <a:pt x="2174140" y="5654940"/>
-                </a:cubicBezTo>
-                <a:cubicBezTo>
-                  <a:pt x="1412778" y="5654940"/>
-                  <a:pt x="712231" y="5394557"/>
-                  <a:pt x="156693" y="4957981"/>
-                </a:cubicBezTo>
-                <a:lnTo>
-                  <a:pt x="0" y="4820612"/>
-                </a:lnTo>
-                <a:close/>
-              </a:path>
-            </a:pathLst>
-          </a:custGeom>
-          <a:solidFill>
-            <a:schemeClr val="bg1">
-              <a:lumMod val="95000"/>
-              <a:lumOff val="5000"/>
-              <a:alpha val="80000"/>
-            </a:schemeClr>
-          </a:solidFill>
-          <a:ln>
-            <a:noFill/>
-          </a:ln>
-        </p:spPr>
-        <p:style>
-          <a:lnRef idx="2">
-            <a:schemeClr val="accent1">
-              <a:shade val="50000"/>
-            </a:schemeClr>
-          </a:lnRef>
-          <a:fillRef idx="1">
-            <a:schemeClr val="accent1"/>
-          </a:fillRef>
-          <a:effectRef idx="0">
-            <a:schemeClr val="accent1"/>
-          </a:effectRef>
-          <a:fontRef idx="minor">
-            <a:schemeClr val="lt1"/>
-          </a:fontRef>
-        </p:style>
-        <p:txBody>
-          <a:bodyPr rtlCol="0" anchor="ctr"/>
-          <a:lstStyle/>
-          <a:p>
-            <a:pPr marL="0" marR="0" lvl="0" indent="0" algn="ctr" defTabSz="914400" rtl="0" eaLnBrk="1" fontAlgn="auto" latinLnBrk="0" hangingPunct="1">
-              <a:lnSpc>
-                <a:spcPct val="100000"/>
-              </a:lnSpc>
-              <a:spcBef>
-                <a:spcPts val="0"/>
-              </a:spcBef>
-              <a:spcAft>
-                <a:spcPts val="0"/>
-              </a:spcAft>
-              <a:buClrTx/>
-              <a:buSzTx/>
-              <a:buFontTx/>
-              <a:buNone/>
-              <a:tabLst/>
-              <a:defRPr/>
-            </a:pPr>
-            <a:endParaRPr kumimoji="0" lang="en-US" sz="1800" b="0" i="0" u="none" strike="noStrike" kern="1200" cap="none" spc="0" normalizeH="0" baseline="0" noProof="0">
-              <a:ln>
-                <a:noFill/>
-              </a:ln>
-              <a:solidFill>
-                <a:prstClr val="white"/>
-              </a:solidFill>
-              <a:effectLst/>
-              <a:uLnTx/>
-              <a:uFillTx/>
-              <a:latin typeface="Calibri" panose="020F0502020204030204"/>
-              <a:ea typeface="+mn-ea"/>
-              <a:cs typeface="+mn-cs"/>
-            </a:endParaRPr>
-          </a:p>
-        </p:txBody>
-      </p:sp>
-      <p:sp>
-        <p:nvSpPr>
-          <p:cNvPr id="16" name="Nadpis 1">
-            <a:extLst>
-              <a:ext uri="{FF2B5EF4-FFF2-40B4-BE49-F238E27FC236}">
-                <a16:creationId xmlns:a16="http://schemas.microsoft.com/office/drawing/2014/main" id="{41D0CB60-F0D9-48DC-8C0D-78A43512DF8F}"/>
-              </a:ext>
-            </a:extLst>
-          </p:cNvPr>
-          <p:cNvSpPr txBox="1">
-            <a:spLocks/>
-          </p:cNvSpPr>
-          <p:nvPr/>
-        </p:nvSpPr>
-        <p:spPr>
-          <a:xfrm>
-            <a:off x="750242" y="632990"/>
-            <a:ext cx="4062643" cy="1043409"/>
-          </a:xfrm>
-          <a:prstGeom prst="rect">
-            <a:avLst/>
-          </a:prstGeom>
-        </p:spPr>
-        <p:txBody>
-          <a:bodyPr vert="horz" lIns="91440" tIns="45720" rIns="91440" bIns="45720" rtlCol="0" anchor="ctr">
-            <a:normAutofit/>
-          </a:bodyPr>
-          <a:lstStyle>
-            <a:lvl1pPr algn="l" defTabSz="914400" rtl="0" eaLnBrk="1" latinLnBrk="0" hangingPunct="1">
-              <a:lnSpc>
-                <a:spcPct val="90000"/>
-              </a:lnSpc>
-              <a:spcBef>
-                <a:spcPct val="0"/>
-              </a:spcBef>
-              <a:buNone/>
-              <a:defRPr sz="4400" kern="1200">
-                <a:solidFill>
-                  <a:schemeClr val="tx1"/>
-                </a:solidFill>
-                <a:latin typeface="+mj-lt"/>
-                <a:ea typeface="+mj-ea"/>
-                <a:cs typeface="+mj-cs"/>
-              </a:defRPr>
-            </a:lvl1pPr>
-          </a:lstStyle>
-          <a:p>
-            <a:pPr>
-              <a:spcAft>
-                <a:spcPts val="600"/>
-              </a:spcAft>
-            </a:pPr>
-            <a:r>
-              <a:rPr lang="en-US" sz="3600" kern="1200" dirty="0" err="1">
-                <a:solidFill>
-                  <a:schemeClr val="tx1"/>
-                </a:solidFill>
-                <a:latin typeface="+mj-lt"/>
-                <a:ea typeface="+mj-ea"/>
-                <a:cs typeface="+mj-cs"/>
-              </a:rPr>
-              <a:t>Třída</a:t>
-            </a:r>
-            <a:r>
-              <a:rPr lang="en-US" sz="3600" kern="1200" dirty="0">
-                <a:solidFill>
-                  <a:schemeClr val="tx1"/>
-                </a:solidFill>
-                <a:latin typeface="+mj-lt"/>
-                <a:ea typeface="+mj-ea"/>
-                <a:cs typeface="+mj-cs"/>
-              </a:rPr>
-              <a:t> </a:t>
-            </a:r>
-            <a:r>
-              <a:rPr lang="en-US" sz="3600" kern="1200" dirty="0" err="1">
-                <a:solidFill>
-                  <a:schemeClr val="tx1"/>
-                </a:solidFill>
-                <a:latin typeface="+mj-lt"/>
-                <a:ea typeface="+mj-ea"/>
-                <a:cs typeface="+mj-cs"/>
-              </a:rPr>
-              <a:t>zboží</a:t>
-            </a:r>
-            <a:endParaRPr lang="en-US" sz="3600" kern="1200" dirty="0">
-              <a:solidFill>
-                <a:schemeClr val="tx1"/>
-              </a:solidFill>
-              <a:latin typeface="+mj-lt"/>
-              <a:ea typeface="+mj-ea"/>
-              <a:cs typeface="+mj-cs"/>
-            </a:endParaRPr>
-          </a:p>
-        </p:txBody>
-      </p:sp>
-      <p:sp>
-        <p:nvSpPr>
-          <p:cNvPr id="25" name="Content Placeholder 20">
-            <a:extLst>
-              <a:ext uri="{FF2B5EF4-FFF2-40B4-BE49-F238E27FC236}">
-                <a16:creationId xmlns:a16="http://schemas.microsoft.com/office/drawing/2014/main" id="{567894EB-1329-4E40-B7A5-8B3F160CF952}"/>
-              </a:ext>
-            </a:extLst>
-          </p:cNvPr>
-          <p:cNvSpPr>
-            <a:spLocks noGrp="1"/>
-          </p:cNvSpPr>
-          <p:nvPr>
-            <p:ph idx="1"/>
-          </p:nvPr>
-        </p:nvSpPr>
-        <p:spPr>
-          <a:xfrm>
-            <a:off x="518474" y="1774372"/>
-            <a:ext cx="4064409" cy="2754086"/>
-          </a:xfrm>
-        </p:spPr>
-        <p:txBody>
-          <a:bodyPr vert="horz" lIns="91440" tIns="45720" rIns="91440" bIns="45720" rtlCol="0" anchor="t">
-            <a:normAutofit/>
-          </a:bodyPr>
-          <a:lstStyle/>
-          <a:p>
-            <a:endParaRPr lang="en-US" sz="1800" dirty="0"/>
-          </a:p>
-        </p:txBody>
-      </p:sp>
-      <p:pic>
-        <p:nvPicPr>
-          <p:cNvPr id="19" name="Zástupný obsah 3">
-            <a:extLst>
-              <a:ext uri="{FF2B5EF4-FFF2-40B4-BE49-F238E27FC236}">
-                <a16:creationId xmlns:a16="http://schemas.microsoft.com/office/drawing/2014/main" id="{8BB7DCDE-0148-417D-82A9-354B47E6E0C4}"/>
-              </a:ext>
-            </a:extLst>
-          </p:cNvPr>
-          <p:cNvPicPr>
-            <a:picLocks noChangeAspect="1"/>
-          </p:cNvPicPr>
-          <p:nvPr/>
-        </p:nvPicPr>
-        <p:blipFill>
-          <a:blip r:embed="rId2">
-            <a:extLst>
-              <a:ext uri="{28A0092B-C50C-407E-A947-70E740481C1C}">
-                <a14:useLocalDpi xmlns:a14="http://schemas.microsoft.com/office/drawing/2010/main" val="0"/>
-              </a:ext>
-            </a:extLst>
-          </a:blip>
-          <a:stretch>
-            <a:fillRect/>
-          </a:stretch>
-        </p:blipFill>
-        <p:spPr>
-          <a:xfrm>
-            <a:off x="6220394" y="643467"/>
-            <a:ext cx="5146185" cy="5278140"/>
-          </a:xfrm>
-          <a:prstGeom prst="rect">
-            <a:avLst/>
-          </a:prstGeom>
-        </p:spPr>
-      </p:pic>
-    </p:spTree>
-    <p:extLst>
-      <p:ext uri="{BB962C8B-B14F-4D97-AF65-F5344CB8AC3E}">
-        <p14:creationId xmlns:p14="http://schemas.microsoft.com/office/powerpoint/2010/main" val="314074230"/>
-      </p:ext>
-    </p:extLst>
-  </p:cSld>
-  <p:clrMapOvr>
-    <a:overrideClrMapping bg1="dk1" tx1="lt1" bg2="dk2" tx2="lt2" accent1="accent1" accent2="accent2" accent3="accent3" accent4="accent4" accent5="accent5" accent6="accent6" hlink="hlink" folHlink="folHlink"/>
-  </p:clrMapOvr>
-</p:sld>
-</file>
-
-<file path=ppt/slides/slide5.xml><?xml version="1.0" encoding="utf-8"?>
+<file path=ppt/slides/slide15.xml><?xml version="1.0" encoding="utf-8"?>
 <p:sld xmlns:a="http://schemas.openxmlformats.org/drawingml/2006/main" xmlns:r="http://schemas.openxmlformats.org/officeDocument/2006/relationships" xmlns:p="http://schemas.openxmlformats.org/presentationml/2006/main">
   <p:cSld>
     <p:bg>
@@ -6553,7 +6275,7 @@
       </p:grpSpPr>
       <p:sp>
         <p:nvSpPr>
-          <p:cNvPr id="20" name="Rectangle 19">
+          <p:cNvPr id="33" name="Rectangle 32">
             <a:extLst>
               <a:ext uri="{FF2B5EF4-FFF2-40B4-BE49-F238E27FC236}">
                 <a16:creationId xmlns:a16="http://schemas.microsoft.com/office/drawing/2014/main" id="{823AC064-BC96-4F32-8AE1-B2FD38754823}"/>
@@ -6647,10 +6369,10 @@
       </p:sp>
       <p:sp>
         <p:nvSpPr>
-          <p:cNvPr id="2" name="Nadpis 1">
+          <p:cNvPr id="12" name="Nadpis 1">
             <a:extLst>
               <a:ext uri="{FF2B5EF4-FFF2-40B4-BE49-F238E27FC236}">
-                <a16:creationId xmlns:a16="http://schemas.microsoft.com/office/drawing/2014/main" id="{857B6C76-6EEA-4448-9D2C-EB4BCA2563C8}"/>
+                <a16:creationId xmlns:a16="http://schemas.microsoft.com/office/drawing/2014/main" id="{F90899F7-421C-4F94-AFB8-395D5E1CF0DD}"/>
               </a:ext>
             </a:extLst>
           </p:cNvPr>
@@ -6675,7 +6397,7 @@
           <a:p>
             <a:pPr algn="ctr"/>
             <a:r>
-              <a:rPr lang="en-US" sz="5400" kern="1200">
+              <a:rPr lang="cs-CZ" sz="5400" kern="1200" dirty="0">
                 <a:solidFill>
                   <a:srgbClr val="FFFFFF"/>
                 </a:solidFill>
@@ -6683,14 +6405,30 @@
                 <a:ea typeface="+mj-ea"/>
                 <a:cs typeface="+mj-cs"/>
               </a:rPr>
-              <a:t>Obsluha kliknutí tlačítka</a:t>
+              <a:t>Obsluha tlačítka při přidáv</a:t>
             </a:r>
+            <a:r>
+              <a:rPr lang="cs-CZ" sz="5400" dirty="0">
+                <a:solidFill>
+                  <a:srgbClr val="FFFFFF"/>
+                </a:solidFill>
+              </a:rPr>
+              <a:t>ání</a:t>
+            </a:r>
+            <a:endParaRPr lang="en-US" sz="5400" kern="1200" dirty="0">
+              <a:solidFill>
+                <a:srgbClr val="FFFFFF"/>
+              </a:solidFill>
+              <a:latin typeface="+mj-lt"/>
+              <a:ea typeface="+mj-ea"/>
+              <a:cs typeface="+mj-cs"/>
+            </a:endParaRPr>
           </a:p>
         </p:txBody>
       </p:sp>
       <p:cxnSp>
         <p:nvCxnSpPr>
-          <p:cNvPr id="22" name="Straight Connector 21">
+          <p:cNvPr id="35" name="Straight Connector 34">
             <a:extLst>
               <a:ext uri="{FF2B5EF4-FFF2-40B4-BE49-F238E27FC236}">
                 <a16:creationId xmlns:a16="http://schemas.microsoft.com/office/drawing/2014/main" id="{7E7C77BC-7138-40B1-A15B-20F57A494629}"/>
@@ -6742,10 +6480,10 @@
       </p:cxnSp>
       <p:pic>
         <p:nvPicPr>
-          <p:cNvPr id="8" name="Zástupný obsah 4">
+          <p:cNvPr id="11" name="Obrázek 10">
             <a:extLst>
               <a:ext uri="{FF2B5EF4-FFF2-40B4-BE49-F238E27FC236}">
-                <a16:creationId xmlns:a16="http://schemas.microsoft.com/office/drawing/2014/main" id="{41D9DEA8-6878-402C-9DDB-7EA1A2C39B64}"/>
+                <a16:creationId xmlns:a16="http://schemas.microsoft.com/office/drawing/2014/main" id="{FD0F99B2-3F22-41A7-8455-345085355BBC}"/>
               </a:ext>
             </a:extLst>
           </p:cNvPr>
@@ -6768,8 +6506,8 @@
         </p:blipFill>
         <p:spPr>
           <a:xfrm>
-            <a:off x="1921807" y="2310834"/>
-            <a:ext cx="8348386" cy="4236806"/>
+            <a:off x="526073" y="2262811"/>
+            <a:ext cx="11139854" cy="4595189"/>
           </a:xfrm>
           <a:prstGeom prst="rect">
             <a:avLst/>
@@ -6779,7 +6517,7 @@
     </p:spTree>
     <p:extLst>
       <p:ext uri="{BB962C8B-B14F-4D97-AF65-F5344CB8AC3E}">
-        <p14:creationId xmlns:p14="http://schemas.microsoft.com/office/powerpoint/2010/main" val="2707370047"/>
+        <p14:creationId xmlns:p14="http://schemas.microsoft.com/office/powerpoint/2010/main" val="2607348449"/>
       </p:ext>
     </p:extLst>
   </p:cSld>
@@ -6789,7 +6527,7 @@
 </p:sld>
 </file>
 
-<file path=ppt/slides/slide6.xml><?xml version="1.0" encoding="utf-8"?>
+<file path=ppt/slides/slide16.xml><?xml version="1.0" encoding="utf-8"?>
 <p:sld xmlns:a="http://schemas.openxmlformats.org/drawingml/2006/main" xmlns:r="http://schemas.openxmlformats.org/officeDocument/2006/relationships" xmlns:p="http://schemas.openxmlformats.org/presentationml/2006/main">
   <p:cSld>
     <p:bg>
@@ -7165,6 +6903,420 @@
         </p:nvSpPr>
         <p:spPr>
           <a:xfrm>
+            <a:off x="1953768" y="1441938"/>
+            <a:ext cx="8284464" cy="3974124"/>
+          </a:xfrm>
+        </p:spPr>
+        <p:txBody>
+          <a:bodyPr>
+            <a:normAutofit/>
+          </a:bodyPr>
+          <a:lstStyle/>
+          <a:p>
+            <a:pPr algn="ctr"/>
+            <a:r>
+              <a:rPr lang="cs-CZ" sz="6600" dirty="0">
+                <a:solidFill>
+                  <a:schemeClr val="bg1">
+                    <a:lumMod val="95000"/>
+                    <a:lumOff val="5000"/>
+                  </a:schemeClr>
+                </a:solidFill>
+              </a:rPr>
+              <a:t>Děkujeme za pozornost</a:t>
+            </a:r>
+          </a:p>
+        </p:txBody>
+      </p:sp>
+    </p:spTree>
+    <p:extLst>
+      <p:ext uri="{BB962C8B-B14F-4D97-AF65-F5344CB8AC3E}">
+        <p14:creationId xmlns:p14="http://schemas.microsoft.com/office/powerpoint/2010/main" val="3197011055"/>
+      </p:ext>
+    </p:extLst>
+  </p:cSld>
+  <p:clrMapOvr>
+    <a:overrideClrMapping bg1="dk1" tx1="lt1" bg2="dk2" tx2="lt2" accent1="accent1" accent2="accent2" accent3="accent3" accent4="accent4" accent5="accent5" accent6="accent6" hlink="hlink" folHlink="folHlink"/>
+  </p:clrMapOvr>
+</p:sld>
+</file>
+
+<file path=ppt/slides/slide2.xml><?xml version="1.0" encoding="utf-8"?>
+<p:sld xmlns:a="http://schemas.openxmlformats.org/drawingml/2006/main" xmlns:r="http://schemas.openxmlformats.org/officeDocument/2006/relationships" xmlns:p="http://schemas.openxmlformats.org/presentationml/2006/main">
+  <p:cSld>
+    <p:bg>
+      <p:bgPr>
+        <a:solidFill>
+          <a:schemeClr val="bg1">
+            <a:tint val="95000"/>
+            <a:satMod val="170000"/>
+          </a:schemeClr>
+        </a:solidFill>
+        <a:effectLst/>
+      </p:bgPr>
+    </p:bg>
+    <p:spTree>
+      <p:nvGrpSpPr>
+        <p:cNvPr id="1" name=""/>
+        <p:cNvGrpSpPr/>
+        <p:nvPr/>
+      </p:nvGrpSpPr>
+      <p:grpSpPr>
+        <a:xfrm>
+          <a:off x="0" y="0"/>
+          <a:ext cx="0" cy="0"/>
+          <a:chOff x="0" y="0"/>
+          <a:chExt cx="0" cy="0"/>
+        </a:xfrm>
+      </p:grpSpPr>
+      <p:sp>
+        <p:nvSpPr>
+          <p:cNvPr id="9" name="Freeform: Shape 8">
+            <a:extLst>
+              <a:ext uri="{FF2B5EF4-FFF2-40B4-BE49-F238E27FC236}">
+                <a16:creationId xmlns:a16="http://schemas.microsoft.com/office/drawing/2014/main" id="{66B332A4-D438-4773-A77F-5ED49A448D9D}"/>
+              </a:ext>
+              <a:ext uri="{C183D7F6-B498-43B3-948B-1728B52AA6E4}">
+                <adec:decorative xmlns:adec="http://schemas.microsoft.com/office/drawing/2017/decorative" val="1"/>
+              </a:ext>
+            </a:extLst>
+          </p:cNvPr>
+          <p:cNvSpPr>
+            <a:spLocks noGrp="1" noRot="1" noChangeAspect="1" noMove="1" noResize="1" noEditPoints="1" noAdjustHandles="1" noChangeArrowheads="1" noChangeShapeType="1" noTextEdit="1"/>
+          </p:cNvSpPr>
+          <p:nvPr>
+            <p:extLst>
+              <p:ext uri="{386F3935-93C4-4BCD-93E2-E3B085C9AB24}">
+                <p16:designElem xmlns:p16="http://schemas.microsoft.com/office/powerpoint/2015/main" val="1"/>
+              </p:ext>
+            </p:extLst>
+          </p:nvPr>
+        </p:nvSpPr>
+        <p:spPr>
+          <a:xfrm>
+            <a:off x="1953768" y="0"/>
+            <a:ext cx="8284464" cy="6858000"/>
+          </a:xfrm>
+          <a:custGeom>
+            <a:avLst/>
+            <a:gdLst>
+              <a:gd name="connsiteX0" fmla="*/ 1818109 w 8284464"/>
+              <a:gd name="connsiteY0" fmla="*/ 0 h 6858000"/>
+              <a:gd name="connsiteX1" fmla="*/ 6466355 w 8284464"/>
+              <a:gd name="connsiteY1" fmla="*/ 0 h 6858000"/>
+              <a:gd name="connsiteX2" fmla="*/ 6620596 w 8284464"/>
+              <a:gd name="connsiteY2" fmla="*/ 109683 h 6858000"/>
+              <a:gd name="connsiteX3" fmla="*/ 8284464 w 8284464"/>
+              <a:gd name="connsiteY3" fmla="*/ 3429000 h 6858000"/>
+              <a:gd name="connsiteX4" fmla="*/ 6620596 w 8284464"/>
+              <a:gd name="connsiteY4" fmla="*/ 6748318 h 6858000"/>
+              <a:gd name="connsiteX5" fmla="*/ 6466355 w 8284464"/>
+              <a:gd name="connsiteY5" fmla="*/ 6858000 h 6858000"/>
+              <a:gd name="connsiteX6" fmla="*/ 1818109 w 8284464"/>
+              <a:gd name="connsiteY6" fmla="*/ 6858000 h 6858000"/>
+              <a:gd name="connsiteX7" fmla="*/ 1663869 w 8284464"/>
+              <a:gd name="connsiteY7" fmla="*/ 6748318 h 6858000"/>
+              <a:gd name="connsiteX8" fmla="*/ 0 w 8284464"/>
+              <a:gd name="connsiteY8" fmla="*/ 3429000 h 6858000"/>
+              <a:gd name="connsiteX9" fmla="*/ 1663869 w 8284464"/>
+              <a:gd name="connsiteY9" fmla="*/ 109683 h 6858000"/>
+            </a:gdLst>
+            <a:ahLst/>
+            <a:cxnLst>
+              <a:cxn ang="0">
+                <a:pos x="connsiteX0" y="connsiteY0"/>
+              </a:cxn>
+              <a:cxn ang="0">
+                <a:pos x="connsiteX1" y="connsiteY1"/>
+              </a:cxn>
+              <a:cxn ang="0">
+                <a:pos x="connsiteX2" y="connsiteY2"/>
+              </a:cxn>
+              <a:cxn ang="0">
+                <a:pos x="connsiteX3" y="connsiteY3"/>
+              </a:cxn>
+              <a:cxn ang="0">
+                <a:pos x="connsiteX4" y="connsiteY4"/>
+              </a:cxn>
+              <a:cxn ang="0">
+                <a:pos x="connsiteX5" y="connsiteY5"/>
+              </a:cxn>
+              <a:cxn ang="0">
+                <a:pos x="connsiteX6" y="connsiteY6"/>
+              </a:cxn>
+              <a:cxn ang="0">
+                <a:pos x="connsiteX7" y="connsiteY7"/>
+              </a:cxn>
+              <a:cxn ang="0">
+                <a:pos x="connsiteX8" y="connsiteY8"/>
+              </a:cxn>
+              <a:cxn ang="0">
+                <a:pos x="connsiteX9" y="connsiteY9"/>
+              </a:cxn>
+            </a:cxnLst>
+            <a:rect l="l" t="t" r="r" b="b"/>
+            <a:pathLst>
+              <a:path w="8284464" h="6858000">
+                <a:moveTo>
+                  <a:pt x="1818109" y="0"/>
+                </a:moveTo>
+                <a:lnTo>
+                  <a:pt x="6466355" y="0"/>
+                </a:lnTo>
+                <a:lnTo>
+                  <a:pt x="6620596" y="109683"/>
+                </a:lnTo>
+                <a:cubicBezTo>
+                  <a:pt x="7630666" y="865069"/>
+                  <a:pt x="8284464" y="2070683"/>
+                  <a:pt x="8284464" y="3429000"/>
+                </a:cubicBezTo>
+                <a:cubicBezTo>
+                  <a:pt x="8284464" y="4787317"/>
+                  <a:pt x="7630666" y="5992931"/>
+                  <a:pt x="6620596" y="6748318"/>
+                </a:cubicBezTo>
+                <a:lnTo>
+                  <a:pt x="6466355" y="6858000"/>
+                </a:lnTo>
+                <a:lnTo>
+                  <a:pt x="1818109" y="6858000"/>
+                </a:lnTo>
+                <a:lnTo>
+                  <a:pt x="1663869" y="6748318"/>
+                </a:lnTo>
+                <a:cubicBezTo>
+                  <a:pt x="653798" y="5992931"/>
+                  <a:pt x="0" y="4787317"/>
+                  <a:pt x="0" y="3429000"/>
+                </a:cubicBezTo>
+                <a:cubicBezTo>
+                  <a:pt x="0" y="2070683"/>
+                  <a:pt x="653798" y="865069"/>
+                  <a:pt x="1663869" y="109683"/>
+                </a:cubicBezTo>
+                <a:close/>
+              </a:path>
+            </a:pathLst>
+          </a:custGeom>
+          <a:solidFill>
+            <a:srgbClr val="FFFFFF">
+              <a:alpha val="80000"/>
+            </a:srgbClr>
+          </a:solidFill>
+          <a:ln>
+            <a:noFill/>
+          </a:ln>
+        </p:spPr>
+        <p:style>
+          <a:lnRef idx="2">
+            <a:schemeClr val="accent1">
+              <a:shade val="50000"/>
+            </a:schemeClr>
+          </a:lnRef>
+          <a:fillRef idx="1">
+            <a:schemeClr val="accent1"/>
+          </a:fillRef>
+          <a:effectRef idx="0">
+            <a:schemeClr val="accent1"/>
+          </a:effectRef>
+          <a:fontRef idx="minor">
+            <a:schemeClr val="lt1"/>
+          </a:fontRef>
+        </p:style>
+        <p:txBody>
+          <a:bodyPr wrap="square" rtlCol="0" anchor="ctr">
+            <a:noAutofit/>
+          </a:bodyPr>
+          <a:lstStyle/>
+          <a:p>
+            <a:pPr algn="ctr"/>
+            <a:endParaRPr lang="en-US"/>
+          </a:p>
+        </p:txBody>
+      </p:sp>
+      <p:sp>
+        <p:nvSpPr>
+          <p:cNvPr id="11" name="Freeform: Shape 10">
+            <a:extLst>
+              <a:ext uri="{FF2B5EF4-FFF2-40B4-BE49-F238E27FC236}">
+                <a16:creationId xmlns:a16="http://schemas.microsoft.com/office/drawing/2014/main" id="{DF9AD32D-FF05-44F4-BD4D-9CEE89B71EB9}"/>
+              </a:ext>
+              <a:ext uri="{C183D7F6-B498-43B3-948B-1728B52AA6E4}">
+                <adec:decorative xmlns:adec="http://schemas.microsoft.com/office/drawing/2017/decorative" val="1"/>
+              </a:ext>
+            </a:extLst>
+          </p:cNvPr>
+          <p:cNvSpPr>
+            <a:spLocks noGrp="1" noRot="1" noChangeAspect="1" noMove="1" noResize="1" noEditPoints="1" noAdjustHandles="1" noChangeArrowheads="1" noChangeShapeType="1" noTextEdit="1"/>
+          </p:cNvSpPr>
+          <p:nvPr>
+            <p:extLst>
+              <p:ext uri="{386F3935-93C4-4BCD-93E2-E3B085C9AB24}">
+                <p16:designElem xmlns:p16="http://schemas.microsoft.com/office/powerpoint/2015/main" val="1"/>
+              </p:ext>
+            </p:extLst>
+          </p:nvPr>
+        </p:nvSpPr>
+        <p:spPr>
+          <a:xfrm>
+            <a:off x="2118360" y="0"/>
+            <a:ext cx="7955280" cy="6858000"/>
+          </a:xfrm>
+          <a:custGeom>
+            <a:avLst/>
+            <a:gdLst>
+              <a:gd name="connsiteX0" fmla="*/ 1962423 w 7955280"/>
+              <a:gd name="connsiteY0" fmla="*/ 0 h 6858000"/>
+              <a:gd name="connsiteX1" fmla="*/ 5992858 w 7955280"/>
+              <a:gd name="connsiteY1" fmla="*/ 0 h 6858000"/>
+              <a:gd name="connsiteX2" fmla="*/ 6040191 w 7955280"/>
+              <a:gd name="connsiteY2" fmla="*/ 27216 h 6858000"/>
+              <a:gd name="connsiteX3" fmla="*/ 7955280 w 7955280"/>
+              <a:gd name="connsiteY3" fmla="*/ 3429000 h 6858000"/>
+              <a:gd name="connsiteX4" fmla="*/ 6040191 w 7955280"/>
+              <a:gd name="connsiteY4" fmla="*/ 6830784 h 6858000"/>
+              <a:gd name="connsiteX5" fmla="*/ 5992858 w 7955280"/>
+              <a:gd name="connsiteY5" fmla="*/ 6858000 h 6858000"/>
+              <a:gd name="connsiteX6" fmla="*/ 1962423 w 7955280"/>
+              <a:gd name="connsiteY6" fmla="*/ 6858000 h 6858000"/>
+              <a:gd name="connsiteX7" fmla="*/ 1915089 w 7955280"/>
+              <a:gd name="connsiteY7" fmla="*/ 6830784 h 6858000"/>
+              <a:gd name="connsiteX8" fmla="*/ 0 w 7955280"/>
+              <a:gd name="connsiteY8" fmla="*/ 3429000 h 6858000"/>
+              <a:gd name="connsiteX9" fmla="*/ 1915089 w 7955280"/>
+              <a:gd name="connsiteY9" fmla="*/ 27216 h 6858000"/>
+            </a:gdLst>
+            <a:ahLst/>
+            <a:cxnLst>
+              <a:cxn ang="0">
+                <a:pos x="connsiteX0" y="connsiteY0"/>
+              </a:cxn>
+              <a:cxn ang="0">
+                <a:pos x="connsiteX1" y="connsiteY1"/>
+              </a:cxn>
+              <a:cxn ang="0">
+                <a:pos x="connsiteX2" y="connsiteY2"/>
+              </a:cxn>
+              <a:cxn ang="0">
+                <a:pos x="connsiteX3" y="connsiteY3"/>
+              </a:cxn>
+              <a:cxn ang="0">
+                <a:pos x="connsiteX4" y="connsiteY4"/>
+              </a:cxn>
+              <a:cxn ang="0">
+                <a:pos x="connsiteX5" y="connsiteY5"/>
+              </a:cxn>
+              <a:cxn ang="0">
+                <a:pos x="connsiteX6" y="connsiteY6"/>
+              </a:cxn>
+              <a:cxn ang="0">
+                <a:pos x="connsiteX7" y="connsiteY7"/>
+              </a:cxn>
+              <a:cxn ang="0">
+                <a:pos x="connsiteX8" y="connsiteY8"/>
+              </a:cxn>
+              <a:cxn ang="0">
+                <a:pos x="connsiteX9" y="connsiteY9"/>
+              </a:cxn>
+            </a:cxnLst>
+            <a:rect l="l" t="t" r="r" b="b"/>
+            <a:pathLst>
+              <a:path w="7955280" h="6858000">
+                <a:moveTo>
+                  <a:pt x="1962423" y="0"/>
+                </a:moveTo>
+                <a:lnTo>
+                  <a:pt x="5992858" y="0"/>
+                </a:lnTo>
+                <a:lnTo>
+                  <a:pt x="6040191" y="27216"/>
+                </a:lnTo>
+                <a:cubicBezTo>
+                  <a:pt x="7188332" y="724844"/>
+                  <a:pt x="7955280" y="1987357"/>
+                  <a:pt x="7955280" y="3429000"/>
+                </a:cubicBezTo>
+                <a:cubicBezTo>
+                  <a:pt x="7955280" y="4870644"/>
+                  <a:pt x="7188332" y="6133157"/>
+                  <a:pt x="6040191" y="6830784"/>
+                </a:cubicBezTo>
+                <a:lnTo>
+                  <a:pt x="5992858" y="6858000"/>
+                </a:lnTo>
+                <a:lnTo>
+                  <a:pt x="1962423" y="6858000"/>
+                </a:lnTo>
+                <a:lnTo>
+                  <a:pt x="1915089" y="6830784"/>
+                </a:lnTo>
+                <a:cubicBezTo>
+                  <a:pt x="766948" y="6133157"/>
+                  <a:pt x="0" y="4870644"/>
+                  <a:pt x="0" y="3429000"/>
+                </a:cubicBezTo>
+                <a:cubicBezTo>
+                  <a:pt x="0" y="1987357"/>
+                  <a:pt x="766948" y="724844"/>
+                  <a:pt x="1915089" y="27216"/>
+                </a:cubicBezTo>
+                <a:close/>
+              </a:path>
+            </a:pathLst>
+          </a:custGeom>
+          <a:solidFill>
+            <a:schemeClr val="tx1"/>
+          </a:solidFill>
+          <a:ln>
+            <a:noFill/>
+          </a:ln>
+        </p:spPr>
+        <p:style>
+          <a:lnRef idx="2">
+            <a:schemeClr val="accent1">
+              <a:shade val="50000"/>
+            </a:schemeClr>
+          </a:lnRef>
+          <a:fillRef idx="1">
+            <a:schemeClr val="accent1"/>
+          </a:fillRef>
+          <a:effectRef idx="0">
+            <a:schemeClr val="accent1"/>
+          </a:effectRef>
+          <a:fontRef idx="minor">
+            <a:schemeClr val="lt1"/>
+          </a:fontRef>
+        </p:style>
+        <p:txBody>
+          <a:bodyPr wrap="square" rtlCol="0" anchor="ctr">
+            <a:noAutofit/>
+          </a:bodyPr>
+          <a:lstStyle/>
+          <a:p>
+            <a:pPr algn="ctr"/>
+            <a:endParaRPr lang="en-US"/>
+          </a:p>
+        </p:txBody>
+      </p:sp>
+      <p:sp>
+        <p:nvSpPr>
+          <p:cNvPr id="4" name="Nadpis 3">
+            <a:extLst>
+              <a:ext uri="{FF2B5EF4-FFF2-40B4-BE49-F238E27FC236}">
+                <a16:creationId xmlns:a16="http://schemas.microsoft.com/office/drawing/2014/main" id="{D726B479-C8F8-4E8A-B0E1-97E426EDA787}"/>
+              </a:ext>
+            </a:extLst>
+          </p:cNvPr>
+          <p:cNvSpPr>
+            <a:spLocks noGrp="1"/>
+          </p:cNvSpPr>
+          <p:nvPr>
+            <p:ph type="title"/>
+          </p:nvPr>
+        </p:nvSpPr>
+        <p:spPr>
+          <a:xfrm>
             <a:off x="2555631" y="1441938"/>
             <a:ext cx="7080738" cy="3974124"/>
           </a:xfrm>
@@ -7185,7 +7337,7 @@
                   </a:schemeClr>
                 </a:solidFill>
               </a:rPr>
-              <a:t>Přechody aktivit</a:t>
+              <a:t>Změna názvu buildu</a:t>
             </a:r>
           </a:p>
         </p:txBody>
@@ -7193,7 +7345,7 @@
     </p:spTree>
     <p:extLst>
       <p:ext uri="{BB962C8B-B14F-4D97-AF65-F5344CB8AC3E}">
-        <p14:creationId xmlns:p14="http://schemas.microsoft.com/office/powerpoint/2010/main" val="2169742599"/>
+        <p14:creationId xmlns:p14="http://schemas.microsoft.com/office/powerpoint/2010/main" val="650120860"/>
       </p:ext>
     </p:extLst>
   </p:cSld>
@@ -7203,7 +7355,7 @@
 </p:sld>
 </file>
 
-<file path=ppt/slides/slide7.xml><?xml version="1.0" encoding="utf-8"?>
+<file path=ppt/slides/slide3.xml><?xml version="1.0" encoding="utf-8"?>
 <p:sld xmlns:a="http://schemas.openxmlformats.org/drawingml/2006/main" xmlns:r="http://schemas.openxmlformats.org/officeDocument/2006/relationships" xmlns:p="http://schemas.openxmlformats.org/presentationml/2006/main">
   <p:cSld>
     <p:bg>
@@ -7340,7 +7492,7 @@
         </p:nvSpPr>
         <p:spPr>
           <a:xfrm>
-            <a:off x="526073" y="466578"/>
+            <a:off x="526072" y="518184"/>
             <a:ext cx="11139854" cy="930447"/>
           </a:xfrm>
         </p:spPr>
@@ -7352,7 +7504,7 @@
           <a:p>
             <a:pPr algn="ctr"/>
             <a:r>
-              <a:rPr lang="cs-CZ" sz="5400" kern="1200" dirty="0">
+              <a:rPr lang="en-US" sz="5400" kern="1200" dirty="0" err="1">
                 <a:solidFill>
                   <a:srgbClr val="FFFFFF"/>
                 </a:solidFill>
@@ -7360,7 +7512,51 @@
                 <a:ea typeface="+mj-ea"/>
                 <a:cs typeface="+mj-cs"/>
               </a:rPr>
-              <a:t>Aplikace</a:t>
+              <a:t>Obsluha</a:t>
+            </a:r>
+            <a:r>
+              <a:rPr lang="en-US" sz="5400" kern="1200" dirty="0">
+                <a:solidFill>
+                  <a:srgbClr val="FFFFFF"/>
+                </a:solidFill>
+                <a:latin typeface="+mj-lt"/>
+                <a:ea typeface="+mj-ea"/>
+                <a:cs typeface="+mj-cs"/>
+              </a:rPr>
+              <a:t> </a:t>
+            </a:r>
+            <a:r>
+              <a:rPr lang="en-US" sz="5400" kern="1200" dirty="0" err="1">
+                <a:solidFill>
+                  <a:srgbClr val="FFFFFF"/>
+                </a:solidFill>
+                <a:latin typeface="+mj-lt"/>
+                <a:ea typeface="+mj-ea"/>
+                <a:cs typeface="+mj-cs"/>
+              </a:rPr>
+              <a:t>kliknutí</a:t>
+            </a:r>
+            <a:r>
+              <a:rPr lang="en-US" sz="5400" kern="1200" dirty="0">
+                <a:solidFill>
+                  <a:srgbClr val="FFFFFF"/>
+                </a:solidFill>
+                <a:latin typeface="+mj-lt"/>
+                <a:ea typeface="+mj-ea"/>
+                <a:cs typeface="+mj-cs"/>
+              </a:rPr>
+              <a:t> </a:t>
+            </a:r>
+            <a:r>
+              <a:rPr lang="en-US" sz="5400" kern="1200" dirty="0" err="1">
+                <a:solidFill>
+                  <a:srgbClr val="FFFFFF"/>
+                </a:solidFill>
+                <a:latin typeface="+mj-lt"/>
+                <a:ea typeface="+mj-ea"/>
+                <a:cs typeface="+mj-cs"/>
+              </a:rPr>
+              <a:t>tlačítka</a:t>
             </a:r>
             <a:endParaRPr lang="en-US" sz="5400" kern="1200" dirty="0">
               <a:solidFill>
@@ -7427,48 +7623,10 @@
       </p:cxnSp>
       <p:pic>
         <p:nvPicPr>
-          <p:cNvPr id="6" name="Zástupný obsah 4">
+          <p:cNvPr id="3" name="Obrázek 2">
             <a:extLst>
               <a:ext uri="{FF2B5EF4-FFF2-40B4-BE49-F238E27FC236}">
-                <a16:creationId xmlns:a16="http://schemas.microsoft.com/office/drawing/2014/main" id="{1BBF37BE-3C41-4F29-9413-3D23E3D1C611}"/>
-              </a:ext>
-            </a:extLst>
-          </p:cNvPr>
-          <p:cNvPicPr>
-            <a:picLocks noGrp="1" noChangeAspect="1"/>
-          </p:cNvPicPr>
-          <p:nvPr>
-            <p:ph idx="1"/>
-          </p:nvPr>
-        </p:nvPicPr>
-        <p:blipFill>
-          <a:blip r:embed="rId2">
-            <a:extLst>
-              <a:ext uri="{28A0092B-C50C-407E-A947-70E740481C1C}">
-                <a14:useLocalDpi xmlns:a14="http://schemas.microsoft.com/office/drawing/2010/main" val="0"/>
-              </a:ext>
-            </a:extLst>
-          </a:blip>
-          <a:stretch>
-            <a:fillRect/>
-          </a:stretch>
-        </p:blipFill>
-        <p:spPr>
-          <a:xfrm>
-            <a:off x="1085848" y="2187742"/>
-            <a:ext cx="2425565" cy="4236798"/>
-          </a:xfrm>
-          <a:prstGeom prst="rect">
-            <a:avLst/>
-          </a:prstGeom>
-        </p:spPr>
-      </p:pic>
-      <p:pic>
-        <p:nvPicPr>
-          <p:cNvPr id="7" name="Obrázek 6">
-            <a:extLst>
-              <a:ext uri="{FF2B5EF4-FFF2-40B4-BE49-F238E27FC236}">
-                <a16:creationId xmlns:a16="http://schemas.microsoft.com/office/drawing/2014/main" id="{6E2E3165-D756-43FB-9D55-E2EBDDC0E3BF}"/>
+                <a16:creationId xmlns:a16="http://schemas.microsoft.com/office/drawing/2014/main" id="{18CA62E9-4851-4C03-B9E4-ACD748039AAE}"/>
               </a:ext>
             </a:extLst>
           </p:cNvPr>
@@ -7478,67 +7636,89 @@
           <p:nvPr/>
         </p:nvPicPr>
         <p:blipFill>
-          <a:blip r:embed="rId3">
-            <a:extLst>
-              <a:ext uri="{28A0092B-C50C-407E-A947-70E740481C1C}">
-                <a14:useLocalDpi xmlns:a14="http://schemas.microsoft.com/office/drawing/2010/main" val="0"/>
-              </a:ext>
-            </a:extLst>
-          </a:blip>
+          <a:blip r:embed="rId2"/>
           <a:stretch>
             <a:fillRect/>
           </a:stretch>
         </p:blipFill>
         <p:spPr>
           <a:xfrm>
-            <a:off x="4883217" y="2187742"/>
-            <a:ext cx="2425565" cy="4274125"/>
+            <a:off x="732675" y="2819681"/>
+            <a:ext cx="10726647" cy="3143689"/>
           </a:xfrm>
           <a:prstGeom prst="rect">
             <a:avLst/>
           </a:prstGeom>
         </p:spPr>
       </p:pic>
-      <p:pic>
-        <p:nvPicPr>
-          <p:cNvPr id="9" name="Obrázek 8">
+      <p:sp>
+        <p:nvSpPr>
+          <p:cNvPr id="7" name="Nadpis 1">
             <a:extLst>
               <a:ext uri="{FF2B5EF4-FFF2-40B4-BE49-F238E27FC236}">
-                <a16:creationId xmlns:a16="http://schemas.microsoft.com/office/drawing/2014/main" id="{92D75E6B-902E-45E1-A342-2493C50B8B86}"/>
+                <a16:creationId xmlns:a16="http://schemas.microsoft.com/office/drawing/2014/main" id="{5254F94B-8220-4EF2-A34B-96CA21D3277D}"/>
               </a:ext>
             </a:extLst>
           </p:cNvPr>
-          <p:cNvPicPr>
-            <a:picLocks noChangeAspect="1"/>
-          </p:cNvPicPr>
+          <p:cNvSpPr txBox="1">
+            <a:spLocks/>
+          </p:cNvSpPr>
           <p:nvPr/>
-        </p:nvPicPr>
-        <p:blipFill>
-          <a:blip r:embed="rId4">
-            <a:extLst>
-              <a:ext uri="{28A0092B-C50C-407E-A947-70E740481C1C}">
-                <a14:useLocalDpi xmlns:a14="http://schemas.microsoft.com/office/drawing/2010/main" val="0"/>
-              </a:ext>
-            </a:extLst>
-          </a:blip>
-          <a:stretch>
-            <a:fillRect/>
-          </a:stretch>
-        </p:blipFill>
+        </p:nvSpPr>
         <p:spPr>
           <a:xfrm>
-            <a:off x="8595067" y="2187742"/>
-            <a:ext cx="2511085" cy="4274189"/>
+            <a:off x="526072" y="1280665"/>
+            <a:ext cx="11139854" cy="930447"/>
           </a:xfrm>
           <a:prstGeom prst="rect">
             <a:avLst/>
           </a:prstGeom>
         </p:spPr>
-      </p:pic>
+        <p:txBody>
+          <a:bodyPr vert="horz" lIns="91440" tIns="45720" rIns="91440" bIns="45720" rtlCol="0" anchor="b">
+            <a:normAutofit/>
+          </a:bodyPr>
+          <a:lstStyle>
+            <a:lvl1pPr algn="l" defTabSz="914400" rtl="0" eaLnBrk="1" latinLnBrk="0" hangingPunct="1">
+              <a:lnSpc>
+                <a:spcPct val="90000"/>
+              </a:lnSpc>
+              <a:spcBef>
+                <a:spcPct val="0"/>
+              </a:spcBef>
+              <a:buNone/>
+              <a:defRPr sz="4400" kern="1200">
+                <a:solidFill>
+                  <a:schemeClr val="tx1"/>
+                </a:solidFill>
+                <a:latin typeface="+mj-lt"/>
+                <a:ea typeface="+mj-ea"/>
+                <a:cs typeface="+mj-cs"/>
+              </a:defRPr>
+            </a:lvl1pPr>
+          </a:lstStyle>
+          <a:p>
+            <a:pPr algn="ctr"/>
+            <a:r>
+              <a:rPr lang="cs-CZ" sz="5400" dirty="0" err="1">
+                <a:solidFill>
+                  <a:srgbClr val="FFFFFF"/>
+                </a:solidFill>
+              </a:rPr>
+              <a:t>Build.gradle</a:t>
+            </a:r>
+            <a:endParaRPr lang="en-US" sz="5400" dirty="0">
+              <a:solidFill>
+                <a:srgbClr val="FFFFFF"/>
+              </a:solidFill>
+            </a:endParaRPr>
+          </a:p>
+        </p:txBody>
+      </p:sp>
     </p:spTree>
     <p:extLst>
       <p:ext uri="{BB962C8B-B14F-4D97-AF65-F5344CB8AC3E}">
-        <p14:creationId xmlns:p14="http://schemas.microsoft.com/office/powerpoint/2010/main" val="1744304987"/>
+        <p14:creationId xmlns:p14="http://schemas.microsoft.com/office/powerpoint/2010/main" val="2353944796"/>
       </p:ext>
     </p:extLst>
   </p:cSld>
@@ -7548,7 +7728,421 @@
 </p:sld>
 </file>
 
-<file path=ppt/slides/slide8.xml><?xml version="1.0" encoding="utf-8"?>
+<file path=ppt/slides/slide4.xml><?xml version="1.0" encoding="utf-8"?>
+<p:sld xmlns:a="http://schemas.openxmlformats.org/drawingml/2006/main" xmlns:r="http://schemas.openxmlformats.org/officeDocument/2006/relationships" xmlns:p="http://schemas.openxmlformats.org/presentationml/2006/main">
+  <p:cSld>
+    <p:bg>
+      <p:bgPr>
+        <a:solidFill>
+          <a:schemeClr val="bg1">
+            <a:tint val="95000"/>
+            <a:satMod val="170000"/>
+          </a:schemeClr>
+        </a:solidFill>
+        <a:effectLst/>
+      </p:bgPr>
+    </p:bg>
+    <p:spTree>
+      <p:nvGrpSpPr>
+        <p:cNvPr id="1" name=""/>
+        <p:cNvGrpSpPr/>
+        <p:nvPr/>
+      </p:nvGrpSpPr>
+      <p:grpSpPr>
+        <a:xfrm>
+          <a:off x="0" y="0"/>
+          <a:ext cx="0" cy="0"/>
+          <a:chOff x="0" y="0"/>
+          <a:chExt cx="0" cy="0"/>
+        </a:xfrm>
+      </p:grpSpPr>
+      <p:sp>
+        <p:nvSpPr>
+          <p:cNvPr id="9" name="Freeform: Shape 8">
+            <a:extLst>
+              <a:ext uri="{FF2B5EF4-FFF2-40B4-BE49-F238E27FC236}">
+                <a16:creationId xmlns:a16="http://schemas.microsoft.com/office/drawing/2014/main" id="{66B332A4-D438-4773-A77F-5ED49A448D9D}"/>
+              </a:ext>
+              <a:ext uri="{C183D7F6-B498-43B3-948B-1728B52AA6E4}">
+                <adec:decorative xmlns:adec="http://schemas.microsoft.com/office/drawing/2017/decorative" val="1"/>
+              </a:ext>
+            </a:extLst>
+          </p:cNvPr>
+          <p:cNvSpPr>
+            <a:spLocks noGrp="1" noRot="1" noChangeAspect="1" noMove="1" noResize="1" noEditPoints="1" noAdjustHandles="1" noChangeArrowheads="1" noChangeShapeType="1" noTextEdit="1"/>
+          </p:cNvSpPr>
+          <p:nvPr>
+            <p:extLst>
+              <p:ext uri="{386F3935-93C4-4BCD-93E2-E3B085C9AB24}">
+                <p16:designElem xmlns:p16="http://schemas.microsoft.com/office/powerpoint/2015/main" val="1"/>
+              </p:ext>
+            </p:extLst>
+          </p:nvPr>
+        </p:nvSpPr>
+        <p:spPr>
+          <a:xfrm>
+            <a:off x="1953768" y="0"/>
+            <a:ext cx="8284464" cy="6858000"/>
+          </a:xfrm>
+          <a:custGeom>
+            <a:avLst/>
+            <a:gdLst>
+              <a:gd name="connsiteX0" fmla="*/ 1818109 w 8284464"/>
+              <a:gd name="connsiteY0" fmla="*/ 0 h 6858000"/>
+              <a:gd name="connsiteX1" fmla="*/ 6466355 w 8284464"/>
+              <a:gd name="connsiteY1" fmla="*/ 0 h 6858000"/>
+              <a:gd name="connsiteX2" fmla="*/ 6620596 w 8284464"/>
+              <a:gd name="connsiteY2" fmla="*/ 109683 h 6858000"/>
+              <a:gd name="connsiteX3" fmla="*/ 8284464 w 8284464"/>
+              <a:gd name="connsiteY3" fmla="*/ 3429000 h 6858000"/>
+              <a:gd name="connsiteX4" fmla="*/ 6620596 w 8284464"/>
+              <a:gd name="connsiteY4" fmla="*/ 6748318 h 6858000"/>
+              <a:gd name="connsiteX5" fmla="*/ 6466355 w 8284464"/>
+              <a:gd name="connsiteY5" fmla="*/ 6858000 h 6858000"/>
+              <a:gd name="connsiteX6" fmla="*/ 1818109 w 8284464"/>
+              <a:gd name="connsiteY6" fmla="*/ 6858000 h 6858000"/>
+              <a:gd name="connsiteX7" fmla="*/ 1663869 w 8284464"/>
+              <a:gd name="connsiteY7" fmla="*/ 6748318 h 6858000"/>
+              <a:gd name="connsiteX8" fmla="*/ 0 w 8284464"/>
+              <a:gd name="connsiteY8" fmla="*/ 3429000 h 6858000"/>
+              <a:gd name="connsiteX9" fmla="*/ 1663869 w 8284464"/>
+              <a:gd name="connsiteY9" fmla="*/ 109683 h 6858000"/>
+            </a:gdLst>
+            <a:ahLst/>
+            <a:cxnLst>
+              <a:cxn ang="0">
+                <a:pos x="connsiteX0" y="connsiteY0"/>
+              </a:cxn>
+              <a:cxn ang="0">
+                <a:pos x="connsiteX1" y="connsiteY1"/>
+              </a:cxn>
+              <a:cxn ang="0">
+                <a:pos x="connsiteX2" y="connsiteY2"/>
+              </a:cxn>
+              <a:cxn ang="0">
+                <a:pos x="connsiteX3" y="connsiteY3"/>
+              </a:cxn>
+              <a:cxn ang="0">
+                <a:pos x="connsiteX4" y="connsiteY4"/>
+              </a:cxn>
+              <a:cxn ang="0">
+                <a:pos x="connsiteX5" y="connsiteY5"/>
+              </a:cxn>
+              <a:cxn ang="0">
+                <a:pos x="connsiteX6" y="connsiteY6"/>
+              </a:cxn>
+              <a:cxn ang="0">
+                <a:pos x="connsiteX7" y="connsiteY7"/>
+              </a:cxn>
+              <a:cxn ang="0">
+                <a:pos x="connsiteX8" y="connsiteY8"/>
+              </a:cxn>
+              <a:cxn ang="0">
+                <a:pos x="connsiteX9" y="connsiteY9"/>
+              </a:cxn>
+            </a:cxnLst>
+            <a:rect l="l" t="t" r="r" b="b"/>
+            <a:pathLst>
+              <a:path w="8284464" h="6858000">
+                <a:moveTo>
+                  <a:pt x="1818109" y="0"/>
+                </a:moveTo>
+                <a:lnTo>
+                  <a:pt x="6466355" y="0"/>
+                </a:lnTo>
+                <a:lnTo>
+                  <a:pt x="6620596" y="109683"/>
+                </a:lnTo>
+                <a:cubicBezTo>
+                  <a:pt x="7630666" y="865069"/>
+                  <a:pt x="8284464" y="2070683"/>
+                  <a:pt x="8284464" y="3429000"/>
+                </a:cubicBezTo>
+                <a:cubicBezTo>
+                  <a:pt x="8284464" y="4787317"/>
+                  <a:pt x="7630666" y="5992931"/>
+                  <a:pt x="6620596" y="6748318"/>
+                </a:cubicBezTo>
+                <a:lnTo>
+                  <a:pt x="6466355" y="6858000"/>
+                </a:lnTo>
+                <a:lnTo>
+                  <a:pt x="1818109" y="6858000"/>
+                </a:lnTo>
+                <a:lnTo>
+                  <a:pt x="1663869" y="6748318"/>
+                </a:lnTo>
+                <a:cubicBezTo>
+                  <a:pt x="653798" y="5992931"/>
+                  <a:pt x="0" y="4787317"/>
+                  <a:pt x="0" y="3429000"/>
+                </a:cubicBezTo>
+                <a:cubicBezTo>
+                  <a:pt x="0" y="2070683"/>
+                  <a:pt x="653798" y="865069"/>
+                  <a:pt x="1663869" y="109683"/>
+                </a:cubicBezTo>
+                <a:close/>
+              </a:path>
+            </a:pathLst>
+          </a:custGeom>
+          <a:solidFill>
+            <a:srgbClr val="FFFFFF">
+              <a:alpha val="80000"/>
+            </a:srgbClr>
+          </a:solidFill>
+          <a:ln>
+            <a:noFill/>
+          </a:ln>
+        </p:spPr>
+        <p:style>
+          <a:lnRef idx="2">
+            <a:schemeClr val="accent1">
+              <a:shade val="50000"/>
+            </a:schemeClr>
+          </a:lnRef>
+          <a:fillRef idx="1">
+            <a:schemeClr val="accent1"/>
+          </a:fillRef>
+          <a:effectRef idx="0">
+            <a:schemeClr val="accent1"/>
+          </a:effectRef>
+          <a:fontRef idx="minor">
+            <a:schemeClr val="lt1"/>
+          </a:fontRef>
+        </p:style>
+        <p:txBody>
+          <a:bodyPr wrap="square" rtlCol="0" anchor="ctr">
+            <a:noAutofit/>
+          </a:bodyPr>
+          <a:lstStyle/>
+          <a:p>
+            <a:pPr algn="ctr"/>
+            <a:endParaRPr lang="en-US"/>
+          </a:p>
+        </p:txBody>
+      </p:sp>
+      <p:sp>
+        <p:nvSpPr>
+          <p:cNvPr id="11" name="Freeform: Shape 10">
+            <a:extLst>
+              <a:ext uri="{FF2B5EF4-FFF2-40B4-BE49-F238E27FC236}">
+                <a16:creationId xmlns:a16="http://schemas.microsoft.com/office/drawing/2014/main" id="{DF9AD32D-FF05-44F4-BD4D-9CEE89B71EB9}"/>
+              </a:ext>
+              <a:ext uri="{C183D7F6-B498-43B3-948B-1728B52AA6E4}">
+                <adec:decorative xmlns:adec="http://schemas.microsoft.com/office/drawing/2017/decorative" val="1"/>
+              </a:ext>
+            </a:extLst>
+          </p:cNvPr>
+          <p:cNvSpPr>
+            <a:spLocks noGrp="1" noRot="1" noChangeAspect="1" noMove="1" noResize="1" noEditPoints="1" noAdjustHandles="1" noChangeArrowheads="1" noChangeShapeType="1" noTextEdit="1"/>
+          </p:cNvSpPr>
+          <p:nvPr>
+            <p:extLst>
+              <p:ext uri="{386F3935-93C4-4BCD-93E2-E3B085C9AB24}">
+                <p16:designElem xmlns:p16="http://schemas.microsoft.com/office/powerpoint/2015/main" val="1"/>
+              </p:ext>
+            </p:extLst>
+          </p:nvPr>
+        </p:nvSpPr>
+        <p:spPr>
+          <a:xfrm>
+            <a:off x="2118360" y="0"/>
+            <a:ext cx="7955280" cy="6858000"/>
+          </a:xfrm>
+          <a:custGeom>
+            <a:avLst/>
+            <a:gdLst>
+              <a:gd name="connsiteX0" fmla="*/ 1962423 w 7955280"/>
+              <a:gd name="connsiteY0" fmla="*/ 0 h 6858000"/>
+              <a:gd name="connsiteX1" fmla="*/ 5992858 w 7955280"/>
+              <a:gd name="connsiteY1" fmla="*/ 0 h 6858000"/>
+              <a:gd name="connsiteX2" fmla="*/ 6040191 w 7955280"/>
+              <a:gd name="connsiteY2" fmla="*/ 27216 h 6858000"/>
+              <a:gd name="connsiteX3" fmla="*/ 7955280 w 7955280"/>
+              <a:gd name="connsiteY3" fmla="*/ 3429000 h 6858000"/>
+              <a:gd name="connsiteX4" fmla="*/ 6040191 w 7955280"/>
+              <a:gd name="connsiteY4" fmla="*/ 6830784 h 6858000"/>
+              <a:gd name="connsiteX5" fmla="*/ 5992858 w 7955280"/>
+              <a:gd name="connsiteY5" fmla="*/ 6858000 h 6858000"/>
+              <a:gd name="connsiteX6" fmla="*/ 1962423 w 7955280"/>
+              <a:gd name="connsiteY6" fmla="*/ 6858000 h 6858000"/>
+              <a:gd name="connsiteX7" fmla="*/ 1915089 w 7955280"/>
+              <a:gd name="connsiteY7" fmla="*/ 6830784 h 6858000"/>
+              <a:gd name="connsiteX8" fmla="*/ 0 w 7955280"/>
+              <a:gd name="connsiteY8" fmla="*/ 3429000 h 6858000"/>
+              <a:gd name="connsiteX9" fmla="*/ 1915089 w 7955280"/>
+              <a:gd name="connsiteY9" fmla="*/ 27216 h 6858000"/>
+            </a:gdLst>
+            <a:ahLst/>
+            <a:cxnLst>
+              <a:cxn ang="0">
+                <a:pos x="connsiteX0" y="connsiteY0"/>
+              </a:cxn>
+              <a:cxn ang="0">
+                <a:pos x="connsiteX1" y="connsiteY1"/>
+              </a:cxn>
+              <a:cxn ang="0">
+                <a:pos x="connsiteX2" y="connsiteY2"/>
+              </a:cxn>
+              <a:cxn ang="0">
+                <a:pos x="connsiteX3" y="connsiteY3"/>
+              </a:cxn>
+              <a:cxn ang="0">
+                <a:pos x="connsiteX4" y="connsiteY4"/>
+              </a:cxn>
+              <a:cxn ang="0">
+                <a:pos x="connsiteX5" y="connsiteY5"/>
+              </a:cxn>
+              <a:cxn ang="0">
+                <a:pos x="connsiteX6" y="connsiteY6"/>
+              </a:cxn>
+              <a:cxn ang="0">
+                <a:pos x="connsiteX7" y="connsiteY7"/>
+              </a:cxn>
+              <a:cxn ang="0">
+                <a:pos x="connsiteX8" y="connsiteY8"/>
+              </a:cxn>
+              <a:cxn ang="0">
+                <a:pos x="connsiteX9" y="connsiteY9"/>
+              </a:cxn>
+            </a:cxnLst>
+            <a:rect l="l" t="t" r="r" b="b"/>
+            <a:pathLst>
+              <a:path w="7955280" h="6858000">
+                <a:moveTo>
+                  <a:pt x="1962423" y="0"/>
+                </a:moveTo>
+                <a:lnTo>
+                  <a:pt x="5992858" y="0"/>
+                </a:lnTo>
+                <a:lnTo>
+                  <a:pt x="6040191" y="27216"/>
+                </a:lnTo>
+                <a:cubicBezTo>
+                  <a:pt x="7188332" y="724844"/>
+                  <a:pt x="7955280" y="1987357"/>
+                  <a:pt x="7955280" y="3429000"/>
+                </a:cubicBezTo>
+                <a:cubicBezTo>
+                  <a:pt x="7955280" y="4870644"/>
+                  <a:pt x="7188332" y="6133157"/>
+                  <a:pt x="6040191" y="6830784"/>
+                </a:cubicBezTo>
+                <a:lnTo>
+                  <a:pt x="5992858" y="6858000"/>
+                </a:lnTo>
+                <a:lnTo>
+                  <a:pt x="1962423" y="6858000"/>
+                </a:lnTo>
+                <a:lnTo>
+                  <a:pt x="1915089" y="6830784"/>
+                </a:lnTo>
+                <a:cubicBezTo>
+                  <a:pt x="766948" y="6133157"/>
+                  <a:pt x="0" y="4870644"/>
+                  <a:pt x="0" y="3429000"/>
+                </a:cubicBezTo>
+                <a:cubicBezTo>
+                  <a:pt x="0" y="1987357"/>
+                  <a:pt x="766948" y="724844"/>
+                  <a:pt x="1915089" y="27216"/>
+                </a:cubicBezTo>
+                <a:close/>
+              </a:path>
+            </a:pathLst>
+          </a:custGeom>
+          <a:solidFill>
+            <a:schemeClr val="tx1"/>
+          </a:solidFill>
+          <a:ln>
+            <a:noFill/>
+          </a:ln>
+        </p:spPr>
+        <p:style>
+          <a:lnRef idx="2">
+            <a:schemeClr val="accent1">
+              <a:shade val="50000"/>
+            </a:schemeClr>
+          </a:lnRef>
+          <a:fillRef idx="1">
+            <a:schemeClr val="accent1"/>
+          </a:fillRef>
+          <a:effectRef idx="0">
+            <a:schemeClr val="accent1"/>
+          </a:effectRef>
+          <a:fontRef idx="minor">
+            <a:schemeClr val="lt1"/>
+          </a:fontRef>
+        </p:style>
+        <p:txBody>
+          <a:bodyPr wrap="square" rtlCol="0" anchor="ctr">
+            <a:noAutofit/>
+          </a:bodyPr>
+          <a:lstStyle/>
+          <a:p>
+            <a:pPr algn="ctr"/>
+            <a:endParaRPr lang="en-US"/>
+          </a:p>
+        </p:txBody>
+      </p:sp>
+      <p:sp>
+        <p:nvSpPr>
+          <p:cNvPr id="4" name="Nadpis 3">
+            <a:extLst>
+              <a:ext uri="{FF2B5EF4-FFF2-40B4-BE49-F238E27FC236}">
+                <a16:creationId xmlns:a16="http://schemas.microsoft.com/office/drawing/2014/main" id="{D726B479-C8F8-4E8A-B0E1-97E426EDA787}"/>
+              </a:ext>
+            </a:extLst>
+          </p:cNvPr>
+          <p:cNvSpPr>
+            <a:spLocks noGrp="1"/>
+          </p:cNvSpPr>
+          <p:nvPr>
+            <p:ph type="title"/>
+          </p:nvPr>
+        </p:nvSpPr>
+        <p:spPr>
+          <a:xfrm>
+            <a:off x="2555631" y="1441938"/>
+            <a:ext cx="7080738" cy="3974124"/>
+          </a:xfrm>
+        </p:spPr>
+        <p:txBody>
+          <a:bodyPr>
+            <a:normAutofit/>
+          </a:bodyPr>
+          <a:lstStyle/>
+          <a:p>
+            <a:pPr algn="ctr"/>
+            <a:r>
+              <a:rPr lang="cs-CZ" sz="5400" dirty="0">
+                <a:solidFill>
+                  <a:schemeClr val="bg1">
+                    <a:lumMod val="95000"/>
+                    <a:lumOff val="5000"/>
+                  </a:schemeClr>
+                </a:solidFill>
+              </a:rPr>
+              <a:t>Porovnání ceny zboží</a:t>
+            </a:r>
+          </a:p>
+        </p:txBody>
+      </p:sp>
+    </p:spTree>
+    <p:extLst>
+      <p:ext uri="{BB962C8B-B14F-4D97-AF65-F5344CB8AC3E}">
+        <p14:creationId xmlns:p14="http://schemas.microsoft.com/office/powerpoint/2010/main" val="2311046126"/>
+      </p:ext>
+    </p:extLst>
+  </p:cSld>
+  <p:clrMapOvr>
+    <a:overrideClrMapping bg1="dk1" tx1="lt1" bg2="dk2" tx2="lt2" accent1="accent1" accent2="accent2" accent3="accent3" accent4="accent4" accent5="accent5" accent6="accent6" hlink="hlink" folHlink="folHlink"/>
+  </p:clrMapOvr>
+</p:sld>
+</file>
+
+<file path=ppt/slides/slide5.xml><?xml version="1.0" encoding="utf-8"?>
 <p:sld xmlns:a="http://schemas.openxmlformats.org/drawingml/2006/main" xmlns:r="http://schemas.openxmlformats.org/officeDocument/2006/relationships" xmlns:p="http://schemas.openxmlformats.org/presentationml/2006/main">
   <p:cSld>
     <p:bg>
@@ -7660,7 +8254,7 @@
         </p:nvSpPr>
         <p:spPr>
           <a:xfrm>
-            <a:off x="641919" y="544777"/>
+            <a:off x="804673" y="3320859"/>
             <a:ext cx="4573475" cy="2076333"/>
           </a:xfrm>
         </p:spPr>
@@ -7671,7 +8265,7 @@
           <a:lstStyle/>
           <a:p>
             <a:r>
-              <a:rPr lang="cs-CZ" sz="4800" kern="1200" dirty="0">
+              <a:rPr lang="en-US" sz="4800" kern="1200">
                 <a:solidFill>
                   <a:schemeClr val="bg1"/>
                 </a:solidFill>
@@ -7679,16 +8273,8 @@
                 <a:ea typeface="+mj-ea"/>
                 <a:cs typeface="+mj-cs"/>
               </a:rPr>
-              <a:t>Obsluha tlačítek</a:t>
+              <a:t>APLIKACE</a:t>
             </a:r>
-            <a:endParaRPr lang="en-US" sz="4800" kern="1200" dirty="0">
-              <a:solidFill>
-                <a:schemeClr val="bg1"/>
-              </a:solidFill>
-              <a:latin typeface="+mj-lt"/>
-              <a:ea typeface="+mj-ea"/>
-              <a:cs typeface="+mj-cs"/>
-            </a:endParaRPr>
           </a:p>
         </p:txBody>
       </p:sp>
@@ -8094,10 +8680,10 @@
       </p:sp>
       <p:pic>
         <p:nvPicPr>
-          <p:cNvPr id="7" name="Zástupný obsah 4">
+          <p:cNvPr id="8" name="Zástupný obsah 4">
             <a:extLst>
               <a:ext uri="{FF2B5EF4-FFF2-40B4-BE49-F238E27FC236}">
-                <a16:creationId xmlns:a16="http://schemas.microsoft.com/office/drawing/2014/main" id="{3A858809-2BD3-48A3-B504-831883841CE0}"/>
+                <a16:creationId xmlns:a16="http://schemas.microsoft.com/office/drawing/2014/main" id="{1D608DA9-53B0-4828-A46F-8FE1F197D2C2}"/>
               </a:ext>
             </a:extLst>
           </p:cNvPr>
@@ -8120,87 +8706,8 @@
         </p:blipFill>
         <p:spPr>
           <a:xfrm>
-            <a:off x="4345655" y="5157115"/>
-            <a:ext cx="7846346" cy="1700885"/>
-          </a:xfrm>
-          <a:prstGeom prst="rect">
-            <a:avLst/>
-          </a:prstGeom>
-          <a:effectLst>
-            <a:outerShdw blurRad="50800" dir="14400000">
-              <a:srgbClr val="000000">
-                <a:alpha val="40000"/>
-              </a:srgbClr>
-            </a:outerShdw>
-          </a:effectLst>
-        </p:spPr>
-      </p:pic>
-      <p:pic>
-        <p:nvPicPr>
-          <p:cNvPr id="9" name="Obrázek 8">
-            <a:extLst>
-              <a:ext uri="{FF2B5EF4-FFF2-40B4-BE49-F238E27FC236}">
-                <a16:creationId xmlns:a16="http://schemas.microsoft.com/office/drawing/2014/main" id="{A84C8787-5CB7-4660-B135-F6CE1D7F0727}"/>
-              </a:ext>
-            </a:extLst>
-          </p:cNvPr>
-          <p:cNvPicPr>
-            <a:picLocks noChangeAspect="1"/>
-          </p:cNvPicPr>
-          <p:nvPr/>
-        </p:nvPicPr>
-        <p:blipFill>
-          <a:blip r:embed="rId3">
-            <a:extLst>
-              <a:ext uri="{28A0092B-C50C-407E-A947-70E740481C1C}">
-                <a14:useLocalDpi xmlns:a14="http://schemas.microsoft.com/office/drawing/2010/main" val="0"/>
-              </a:ext>
-            </a:extLst>
-          </a:blip>
-          <a:stretch>
-            <a:fillRect/>
-          </a:stretch>
-        </p:blipFill>
-        <p:spPr>
-          <a:xfrm>
-            <a:off x="4922738" y="2109693"/>
-            <a:ext cx="7269262" cy="3047420"/>
-          </a:xfrm>
-          <a:prstGeom prst="rect">
-            <a:avLst/>
-          </a:prstGeom>
-        </p:spPr>
-      </p:pic>
-      <p:pic>
-        <p:nvPicPr>
-          <p:cNvPr id="10" name="Obrázek 9">
-            <a:extLst>
-              <a:ext uri="{FF2B5EF4-FFF2-40B4-BE49-F238E27FC236}">
-                <a16:creationId xmlns:a16="http://schemas.microsoft.com/office/drawing/2014/main" id="{E5610133-A364-4B62-876D-F1551851BE39}"/>
-              </a:ext>
-            </a:extLst>
-          </p:cNvPr>
-          <p:cNvPicPr>
-            <a:picLocks noChangeAspect="1"/>
-          </p:cNvPicPr>
-          <p:nvPr/>
-        </p:nvPicPr>
-        <p:blipFill>
-          <a:blip r:embed="rId4">
-            <a:extLst>
-              <a:ext uri="{28A0092B-C50C-407E-A947-70E740481C1C}">
-                <a14:useLocalDpi xmlns:a14="http://schemas.microsoft.com/office/drawing/2010/main" val="0"/>
-              </a:ext>
-            </a:extLst>
-          </a:blip>
-          <a:stretch>
-            <a:fillRect/>
-          </a:stretch>
-        </p:blipFill>
-        <p:spPr>
-          <a:xfrm>
-            <a:off x="5611193" y="262979"/>
-            <a:ext cx="6580807" cy="1923621"/>
+            <a:off x="7781731" y="936573"/>
+            <a:ext cx="3256383" cy="5688008"/>
           </a:xfrm>
           <a:prstGeom prst="rect">
             <a:avLst/>
@@ -8210,7 +8717,7 @@
     </p:spTree>
     <p:extLst>
       <p:ext uri="{BB962C8B-B14F-4D97-AF65-F5344CB8AC3E}">
-        <p14:creationId xmlns:p14="http://schemas.microsoft.com/office/powerpoint/2010/main" val="3177209515"/>
+        <p14:creationId xmlns:p14="http://schemas.microsoft.com/office/powerpoint/2010/main" val="1247341911"/>
       </p:ext>
     </p:extLst>
   </p:cSld>
@@ -8220,7 +8727,811 @@
 </p:sld>
 </file>
 
-<file path=ppt/slides/slide9.xml><?xml version="1.0" encoding="utf-8"?>
+<file path=ppt/slides/slide6.xml><?xml version="1.0" encoding="utf-8"?>
+<p:sld xmlns:a="http://schemas.openxmlformats.org/drawingml/2006/main" xmlns:r="http://schemas.openxmlformats.org/officeDocument/2006/relationships" xmlns:p="http://schemas.openxmlformats.org/presentationml/2006/main">
+  <p:cSld>
+    <p:bg>
+      <p:bgPr>
+        <a:solidFill>
+          <a:schemeClr val="bg1">
+            <a:tint val="95000"/>
+            <a:satMod val="170000"/>
+          </a:schemeClr>
+        </a:solidFill>
+        <a:effectLst/>
+      </p:bgPr>
+    </p:bg>
+    <p:spTree>
+      <p:nvGrpSpPr>
+        <p:cNvPr id="1" name=""/>
+        <p:cNvGrpSpPr/>
+        <p:nvPr/>
+      </p:nvGrpSpPr>
+      <p:grpSpPr>
+        <a:xfrm>
+          <a:off x="0" y="0"/>
+          <a:ext cx="0" cy="0"/>
+          <a:chOff x="0" y="0"/>
+          <a:chExt cx="0" cy="0"/>
+        </a:xfrm>
+      </p:grpSpPr>
+      <p:sp>
+        <p:nvSpPr>
+          <p:cNvPr id="24" name="Freeform: Shape 23">
+            <a:extLst>
+              <a:ext uri="{FF2B5EF4-FFF2-40B4-BE49-F238E27FC236}">
+                <a16:creationId xmlns:a16="http://schemas.microsoft.com/office/drawing/2014/main" id="{E862BE82-D00D-42C1-BF16-93AA37870C32}"/>
+              </a:ext>
+              <a:ext uri="{C183D7F6-B498-43B3-948B-1728B52AA6E4}">
+                <adec:decorative xmlns:adec="http://schemas.microsoft.com/office/drawing/2017/decorative" val="1"/>
+              </a:ext>
+            </a:extLst>
+          </p:cNvPr>
+          <p:cNvSpPr>
+            <a:spLocks noGrp="1" noRot="1" noChangeAspect="1" noMove="1" noResize="1" noEditPoints="1" noAdjustHandles="1" noChangeArrowheads="1" noChangeShapeType="1" noTextEdit="1"/>
+          </p:cNvSpPr>
+          <p:nvPr>
+            <p:extLst>
+              <p:ext uri="{386F3935-93C4-4BCD-93E2-E3B085C9AB24}">
+                <p16:designElem xmlns:p16="http://schemas.microsoft.com/office/powerpoint/2015/main" val="1"/>
+              </p:ext>
+            </p:extLst>
+          </p:nvPr>
+        </p:nvSpPr>
+        <p:spPr>
+          <a:xfrm>
+            <a:off x="0" y="-2008"/>
+            <a:ext cx="5609220" cy="5840278"/>
+          </a:xfrm>
+          <a:custGeom>
+            <a:avLst/>
+            <a:gdLst>
+              <a:gd name="connsiteX0" fmla="*/ 0 w 5609220"/>
+              <a:gd name="connsiteY0" fmla="*/ 0 h 5840278"/>
+              <a:gd name="connsiteX1" fmla="*/ 4637091 w 5609220"/>
+              <a:gd name="connsiteY1" fmla="*/ 0 h 5840278"/>
+              <a:gd name="connsiteX2" fmla="*/ 4822569 w 5609220"/>
+              <a:gd name="connsiteY2" fmla="*/ 204077 h 5840278"/>
+              <a:gd name="connsiteX3" fmla="*/ 5609220 w 5609220"/>
+              <a:gd name="connsiteY3" fmla="*/ 2395363 h 5840278"/>
+              <a:gd name="connsiteX4" fmla="*/ 2164305 w 5609220"/>
+              <a:gd name="connsiteY4" fmla="*/ 5840278 h 5840278"/>
+              <a:gd name="connsiteX5" fmla="*/ 238220 w 5609220"/>
+              <a:gd name="connsiteY5" fmla="*/ 5251941 h 5840278"/>
+              <a:gd name="connsiteX6" fmla="*/ 0 w 5609220"/>
+              <a:gd name="connsiteY6" fmla="*/ 5073803 h 5840278"/>
+            </a:gdLst>
+            <a:ahLst/>
+            <a:cxnLst>
+              <a:cxn ang="0">
+                <a:pos x="connsiteX0" y="connsiteY0"/>
+              </a:cxn>
+              <a:cxn ang="0">
+                <a:pos x="connsiteX1" y="connsiteY1"/>
+              </a:cxn>
+              <a:cxn ang="0">
+                <a:pos x="connsiteX2" y="connsiteY2"/>
+              </a:cxn>
+              <a:cxn ang="0">
+                <a:pos x="connsiteX3" y="connsiteY3"/>
+              </a:cxn>
+              <a:cxn ang="0">
+                <a:pos x="connsiteX4" y="connsiteY4"/>
+              </a:cxn>
+              <a:cxn ang="0">
+                <a:pos x="connsiteX5" y="connsiteY5"/>
+              </a:cxn>
+              <a:cxn ang="0">
+                <a:pos x="connsiteX6" y="connsiteY6"/>
+              </a:cxn>
+            </a:cxnLst>
+            <a:rect l="l" t="t" r="r" b="b"/>
+            <a:pathLst>
+              <a:path w="5609220" h="5840278">
+                <a:moveTo>
+                  <a:pt x="0" y="0"/>
+                </a:moveTo>
+                <a:lnTo>
+                  <a:pt x="4637091" y="0"/>
+                </a:lnTo>
+                <a:lnTo>
+                  <a:pt x="4822569" y="204077"/>
+                </a:lnTo>
+                <a:cubicBezTo>
+                  <a:pt x="5314007" y="799562"/>
+                  <a:pt x="5609220" y="1562987"/>
+                  <a:pt x="5609220" y="2395363"/>
+                </a:cubicBezTo>
+                <a:cubicBezTo>
+                  <a:pt x="5609220" y="4297937"/>
+                  <a:pt x="4066879" y="5840278"/>
+                  <a:pt x="2164305" y="5840278"/>
+                </a:cubicBezTo>
+                <a:cubicBezTo>
+                  <a:pt x="1450840" y="5840278"/>
+                  <a:pt x="788032" y="5623387"/>
+                  <a:pt x="238220" y="5251941"/>
+                </a:cubicBezTo>
+                <a:lnTo>
+                  <a:pt x="0" y="5073803"/>
+                </a:lnTo>
+                <a:close/>
+              </a:path>
+            </a:pathLst>
+          </a:custGeom>
+          <a:solidFill>
+            <a:schemeClr val="tx1">
+              <a:alpha val="20000"/>
+            </a:schemeClr>
+          </a:solidFill>
+          <a:ln>
+            <a:noFill/>
+          </a:ln>
+        </p:spPr>
+        <p:style>
+          <a:lnRef idx="2">
+            <a:schemeClr val="accent1">
+              <a:shade val="50000"/>
+            </a:schemeClr>
+          </a:lnRef>
+          <a:fillRef idx="1">
+            <a:schemeClr val="accent1"/>
+          </a:fillRef>
+          <a:effectRef idx="0">
+            <a:schemeClr val="accent1"/>
+          </a:effectRef>
+          <a:fontRef idx="minor">
+            <a:schemeClr val="lt1"/>
+          </a:fontRef>
+        </p:style>
+        <p:txBody>
+          <a:bodyPr rtlCol="0" anchor="ctr"/>
+          <a:lstStyle/>
+          <a:p>
+            <a:pPr marL="0" marR="0" lvl="0" indent="0" algn="ctr" defTabSz="914400" rtl="0" eaLnBrk="1" fontAlgn="auto" latinLnBrk="0" hangingPunct="1">
+              <a:lnSpc>
+                <a:spcPct val="100000"/>
+              </a:lnSpc>
+              <a:spcBef>
+                <a:spcPts val="0"/>
+              </a:spcBef>
+              <a:spcAft>
+                <a:spcPts val="0"/>
+              </a:spcAft>
+              <a:buClrTx/>
+              <a:buSzTx/>
+              <a:buFontTx/>
+              <a:buNone/>
+              <a:tabLst/>
+              <a:defRPr/>
+            </a:pPr>
+            <a:endParaRPr kumimoji="0" lang="en-US" sz="1800" b="0" i="0" u="none" strike="noStrike" kern="1200" cap="none" spc="0" normalizeH="0" baseline="0" noProof="0">
+              <a:ln>
+                <a:noFill/>
+              </a:ln>
+              <a:solidFill>
+                <a:prstClr val="white"/>
+              </a:solidFill>
+              <a:effectLst/>
+              <a:uLnTx/>
+              <a:uFillTx/>
+              <a:latin typeface="Calibri" panose="020F0502020204030204"/>
+              <a:ea typeface="+mn-ea"/>
+              <a:cs typeface="+mn-cs"/>
+            </a:endParaRPr>
+          </a:p>
+        </p:txBody>
+      </p:sp>
+      <p:sp>
+        <p:nvSpPr>
+          <p:cNvPr id="26" name="Freeform: Shape 25">
+            <a:extLst>
+              <a:ext uri="{FF2B5EF4-FFF2-40B4-BE49-F238E27FC236}">
+                <a16:creationId xmlns:a16="http://schemas.microsoft.com/office/drawing/2014/main" id="{F6D92C2D-1D3D-4974-918C-06579FB354A9}"/>
+              </a:ext>
+              <a:ext uri="{C183D7F6-B498-43B3-948B-1728B52AA6E4}">
+                <adec:decorative xmlns:adec="http://schemas.microsoft.com/office/drawing/2017/decorative" val="1"/>
+              </a:ext>
+            </a:extLst>
+          </p:cNvPr>
+          <p:cNvSpPr>
+            <a:spLocks noGrp="1" noRot="1" noChangeAspect="1" noMove="1" noResize="1" noEditPoints="1" noAdjustHandles="1" noChangeArrowheads="1" noChangeShapeType="1" noTextEdit="1"/>
+          </p:cNvSpPr>
+          <p:nvPr>
+            <p:extLst>
+              <p:ext uri="{386F3935-93C4-4BCD-93E2-E3B085C9AB24}">
+                <p16:designElem xmlns:p16="http://schemas.microsoft.com/office/powerpoint/2015/main" val="1"/>
+              </p:ext>
+            </p:extLst>
+          </p:nvPr>
+        </p:nvSpPr>
+        <p:spPr>
+          <a:xfrm>
+            <a:off x="-2333" y="-2"/>
+            <a:ext cx="5441859" cy="5654940"/>
+          </a:xfrm>
+          <a:custGeom>
+            <a:avLst/>
+            <a:gdLst>
+              <a:gd name="connsiteX0" fmla="*/ 0 w 5441859"/>
+              <a:gd name="connsiteY0" fmla="*/ 0 h 5654940"/>
+              <a:gd name="connsiteX1" fmla="*/ 4400492 w 5441859"/>
+              <a:gd name="connsiteY1" fmla="*/ 0 h 5654940"/>
+              <a:gd name="connsiteX2" fmla="*/ 4484767 w 5441859"/>
+              <a:gd name="connsiteY2" fmla="*/ 76595 h 5654940"/>
+              <a:gd name="connsiteX3" fmla="*/ 5441859 w 5441859"/>
+              <a:gd name="connsiteY3" fmla="*/ 2387221 h 5654940"/>
+              <a:gd name="connsiteX4" fmla="*/ 2174140 w 5441859"/>
+              <a:gd name="connsiteY4" fmla="*/ 5654940 h 5654940"/>
+              <a:gd name="connsiteX5" fmla="*/ 156693 w 5441859"/>
+              <a:gd name="connsiteY5" fmla="*/ 4957981 h 5654940"/>
+              <a:gd name="connsiteX6" fmla="*/ 0 w 5441859"/>
+              <a:gd name="connsiteY6" fmla="*/ 4820612 h 5654940"/>
+            </a:gdLst>
+            <a:ahLst/>
+            <a:cxnLst>
+              <a:cxn ang="0">
+                <a:pos x="connsiteX0" y="connsiteY0"/>
+              </a:cxn>
+              <a:cxn ang="0">
+                <a:pos x="connsiteX1" y="connsiteY1"/>
+              </a:cxn>
+              <a:cxn ang="0">
+                <a:pos x="connsiteX2" y="connsiteY2"/>
+              </a:cxn>
+              <a:cxn ang="0">
+                <a:pos x="connsiteX3" y="connsiteY3"/>
+              </a:cxn>
+              <a:cxn ang="0">
+                <a:pos x="connsiteX4" y="connsiteY4"/>
+              </a:cxn>
+              <a:cxn ang="0">
+                <a:pos x="connsiteX5" y="connsiteY5"/>
+              </a:cxn>
+              <a:cxn ang="0">
+                <a:pos x="connsiteX6" y="connsiteY6"/>
+              </a:cxn>
+            </a:cxnLst>
+            <a:rect l="l" t="t" r="r" b="b"/>
+            <a:pathLst>
+              <a:path w="5441859" h="5654940">
+                <a:moveTo>
+                  <a:pt x="0" y="0"/>
+                </a:moveTo>
+                <a:lnTo>
+                  <a:pt x="4400492" y="0"/>
+                </a:lnTo>
+                <a:lnTo>
+                  <a:pt x="4484767" y="76595"/>
+                </a:lnTo>
+                <a:cubicBezTo>
+                  <a:pt x="5076108" y="667936"/>
+                  <a:pt x="5441859" y="1484866"/>
+                  <a:pt x="5441859" y="2387221"/>
+                </a:cubicBezTo>
+                <a:cubicBezTo>
+                  <a:pt x="5441859" y="4191932"/>
+                  <a:pt x="3978851" y="5654940"/>
+                  <a:pt x="2174140" y="5654940"/>
+                </a:cubicBezTo>
+                <a:cubicBezTo>
+                  <a:pt x="1412778" y="5654940"/>
+                  <a:pt x="712231" y="5394557"/>
+                  <a:pt x="156693" y="4957981"/>
+                </a:cubicBezTo>
+                <a:lnTo>
+                  <a:pt x="0" y="4820612"/>
+                </a:lnTo>
+                <a:close/>
+              </a:path>
+            </a:pathLst>
+          </a:custGeom>
+          <a:solidFill>
+            <a:schemeClr val="bg1">
+              <a:lumMod val="95000"/>
+              <a:lumOff val="5000"/>
+              <a:alpha val="80000"/>
+            </a:schemeClr>
+          </a:solidFill>
+          <a:ln>
+            <a:noFill/>
+          </a:ln>
+        </p:spPr>
+        <p:style>
+          <a:lnRef idx="2">
+            <a:schemeClr val="accent1">
+              <a:shade val="50000"/>
+            </a:schemeClr>
+          </a:lnRef>
+          <a:fillRef idx="1">
+            <a:schemeClr val="accent1"/>
+          </a:fillRef>
+          <a:effectRef idx="0">
+            <a:schemeClr val="accent1"/>
+          </a:effectRef>
+          <a:fontRef idx="minor">
+            <a:schemeClr val="lt1"/>
+          </a:fontRef>
+        </p:style>
+        <p:txBody>
+          <a:bodyPr rtlCol="0" anchor="ctr"/>
+          <a:lstStyle/>
+          <a:p>
+            <a:pPr marL="0" marR="0" lvl="0" indent="0" algn="ctr" defTabSz="914400" rtl="0" eaLnBrk="1" fontAlgn="auto" latinLnBrk="0" hangingPunct="1">
+              <a:lnSpc>
+                <a:spcPct val="100000"/>
+              </a:lnSpc>
+              <a:spcBef>
+                <a:spcPts val="0"/>
+              </a:spcBef>
+              <a:spcAft>
+                <a:spcPts val="0"/>
+              </a:spcAft>
+              <a:buClrTx/>
+              <a:buSzTx/>
+              <a:buFontTx/>
+              <a:buNone/>
+              <a:tabLst/>
+              <a:defRPr/>
+            </a:pPr>
+            <a:endParaRPr kumimoji="0" lang="en-US" sz="1800" b="0" i="0" u="none" strike="noStrike" kern="1200" cap="none" spc="0" normalizeH="0" baseline="0" noProof="0">
+              <a:ln>
+                <a:noFill/>
+              </a:ln>
+              <a:solidFill>
+                <a:prstClr val="white"/>
+              </a:solidFill>
+              <a:effectLst/>
+              <a:uLnTx/>
+              <a:uFillTx/>
+              <a:latin typeface="Calibri" panose="020F0502020204030204"/>
+              <a:ea typeface="+mn-ea"/>
+              <a:cs typeface="+mn-cs"/>
+            </a:endParaRPr>
+          </a:p>
+        </p:txBody>
+      </p:sp>
+      <p:sp>
+        <p:nvSpPr>
+          <p:cNvPr id="16" name="Nadpis 1">
+            <a:extLst>
+              <a:ext uri="{FF2B5EF4-FFF2-40B4-BE49-F238E27FC236}">
+                <a16:creationId xmlns:a16="http://schemas.microsoft.com/office/drawing/2014/main" id="{41D0CB60-F0D9-48DC-8C0D-78A43512DF8F}"/>
+              </a:ext>
+            </a:extLst>
+          </p:cNvPr>
+          <p:cNvSpPr txBox="1">
+            <a:spLocks/>
+          </p:cNvSpPr>
+          <p:nvPr/>
+        </p:nvSpPr>
+        <p:spPr>
+          <a:xfrm>
+            <a:off x="750242" y="632990"/>
+            <a:ext cx="4062643" cy="1043409"/>
+          </a:xfrm>
+          <a:prstGeom prst="rect">
+            <a:avLst/>
+          </a:prstGeom>
+        </p:spPr>
+        <p:txBody>
+          <a:bodyPr vert="horz" lIns="91440" tIns="45720" rIns="91440" bIns="45720" rtlCol="0" anchor="ctr">
+            <a:normAutofit/>
+          </a:bodyPr>
+          <a:lstStyle>
+            <a:lvl1pPr algn="l" defTabSz="914400" rtl="0" eaLnBrk="1" latinLnBrk="0" hangingPunct="1">
+              <a:lnSpc>
+                <a:spcPct val="90000"/>
+              </a:lnSpc>
+              <a:spcBef>
+                <a:spcPct val="0"/>
+              </a:spcBef>
+              <a:buNone/>
+              <a:defRPr sz="4400" kern="1200">
+                <a:solidFill>
+                  <a:schemeClr val="tx1"/>
+                </a:solidFill>
+                <a:latin typeface="+mj-lt"/>
+                <a:ea typeface="+mj-ea"/>
+                <a:cs typeface="+mj-cs"/>
+              </a:defRPr>
+            </a:lvl1pPr>
+          </a:lstStyle>
+          <a:p>
+            <a:pPr>
+              <a:spcAft>
+                <a:spcPts val="600"/>
+              </a:spcAft>
+            </a:pPr>
+            <a:r>
+              <a:rPr lang="en-US" sz="3600" kern="1200" dirty="0" err="1">
+                <a:solidFill>
+                  <a:schemeClr val="tx1"/>
+                </a:solidFill>
+                <a:latin typeface="+mj-lt"/>
+                <a:ea typeface="+mj-ea"/>
+                <a:cs typeface="+mj-cs"/>
+              </a:rPr>
+              <a:t>Třída</a:t>
+            </a:r>
+            <a:r>
+              <a:rPr lang="en-US" sz="3600" kern="1200" dirty="0">
+                <a:solidFill>
+                  <a:schemeClr val="tx1"/>
+                </a:solidFill>
+                <a:latin typeface="+mj-lt"/>
+                <a:ea typeface="+mj-ea"/>
+                <a:cs typeface="+mj-cs"/>
+              </a:rPr>
+              <a:t> </a:t>
+            </a:r>
+            <a:r>
+              <a:rPr lang="en-US" sz="3600" kern="1200" dirty="0" err="1">
+                <a:solidFill>
+                  <a:schemeClr val="tx1"/>
+                </a:solidFill>
+                <a:latin typeface="+mj-lt"/>
+                <a:ea typeface="+mj-ea"/>
+                <a:cs typeface="+mj-cs"/>
+              </a:rPr>
+              <a:t>zboží</a:t>
+            </a:r>
+            <a:endParaRPr lang="en-US" sz="3600" kern="1200" dirty="0">
+              <a:solidFill>
+                <a:schemeClr val="tx1"/>
+              </a:solidFill>
+              <a:latin typeface="+mj-lt"/>
+              <a:ea typeface="+mj-ea"/>
+              <a:cs typeface="+mj-cs"/>
+            </a:endParaRPr>
+          </a:p>
+        </p:txBody>
+      </p:sp>
+      <p:sp>
+        <p:nvSpPr>
+          <p:cNvPr id="25" name="Content Placeholder 20">
+            <a:extLst>
+              <a:ext uri="{FF2B5EF4-FFF2-40B4-BE49-F238E27FC236}">
+                <a16:creationId xmlns:a16="http://schemas.microsoft.com/office/drawing/2014/main" id="{567894EB-1329-4E40-B7A5-8B3F160CF952}"/>
+              </a:ext>
+            </a:extLst>
+          </p:cNvPr>
+          <p:cNvSpPr>
+            <a:spLocks noGrp="1"/>
+          </p:cNvSpPr>
+          <p:nvPr>
+            <p:ph idx="1"/>
+          </p:nvPr>
+        </p:nvSpPr>
+        <p:spPr>
+          <a:xfrm>
+            <a:off x="518474" y="1774372"/>
+            <a:ext cx="4064409" cy="2754086"/>
+          </a:xfrm>
+        </p:spPr>
+        <p:txBody>
+          <a:bodyPr vert="horz" lIns="91440" tIns="45720" rIns="91440" bIns="45720" rtlCol="0" anchor="t">
+            <a:normAutofit/>
+          </a:bodyPr>
+          <a:lstStyle/>
+          <a:p>
+            <a:endParaRPr lang="en-US" sz="1800" dirty="0"/>
+          </a:p>
+        </p:txBody>
+      </p:sp>
+      <p:pic>
+        <p:nvPicPr>
+          <p:cNvPr id="19" name="Zástupný obsah 3">
+            <a:extLst>
+              <a:ext uri="{FF2B5EF4-FFF2-40B4-BE49-F238E27FC236}">
+                <a16:creationId xmlns:a16="http://schemas.microsoft.com/office/drawing/2014/main" id="{8BB7DCDE-0148-417D-82A9-354B47E6E0C4}"/>
+              </a:ext>
+            </a:extLst>
+          </p:cNvPr>
+          <p:cNvPicPr>
+            <a:picLocks noChangeAspect="1"/>
+          </p:cNvPicPr>
+          <p:nvPr/>
+        </p:nvPicPr>
+        <p:blipFill>
+          <a:blip r:embed="rId2">
+            <a:extLst>
+              <a:ext uri="{28A0092B-C50C-407E-A947-70E740481C1C}">
+                <a14:useLocalDpi xmlns:a14="http://schemas.microsoft.com/office/drawing/2010/main" val="0"/>
+              </a:ext>
+            </a:extLst>
+          </a:blip>
+          <a:stretch>
+            <a:fillRect/>
+          </a:stretch>
+        </p:blipFill>
+        <p:spPr>
+          <a:xfrm>
+            <a:off x="6220394" y="643467"/>
+            <a:ext cx="5146185" cy="5278140"/>
+          </a:xfrm>
+          <a:prstGeom prst="rect">
+            <a:avLst/>
+          </a:prstGeom>
+        </p:spPr>
+      </p:pic>
+    </p:spTree>
+    <p:extLst>
+      <p:ext uri="{BB962C8B-B14F-4D97-AF65-F5344CB8AC3E}">
+        <p14:creationId xmlns:p14="http://schemas.microsoft.com/office/powerpoint/2010/main" val="314074230"/>
+      </p:ext>
+    </p:extLst>
+  </p:cSld>
+  <p:clrMapOvr>
+    <a:overrideClrMapping bg1="dk1" tx1="lt1" bg2="dk2" tx2="lt2" accent1="accent1" accent2="accent2" accent3="accent3" accent4="accent4" accent5="accent5" accent6="accent6" hlink="hlink" folHlink="folHlink"/>
+  </p:clrMapOvr>
+</p:sld>
+</file>
+
+<file path=ppt/slides/slide7.xml><?xml version="1.0" encoding="utf-8"?>
+<p:sld xmlns:a="http://schemas.openxmlformats.org/drawingml/2006/main" xmlns:r="http://schemas.openxmlformats.org/officeDocument/2006/relationships" xmlns:p="http://schemas.openxmlformats.org/presentationml/2006/main">
+  <p:cSld>
+    <p:bg>
+      <p:bgPr>
+        <a:solidFill>
+          <a:schemeClr val="bg1"/>
+        </a:solidFill>
+        <a:effectLst/>
+      </p:bgPr>
+    </p:bg>
+    <p:spTree>
+      <p:nvGrpSpPr>
+        <p:cNvPr id="1" name=""/>
+        <p:cNvGrpSpPr/>
+        <p:nvPr/>
+      </p:nvGrpSpPr>
+      <p:grpSpPr>
+        <a:xfrm>
+          <a:off x="0" y="0"/>
+          <a:ext cx="0" cy="0"/>
+          <a:chOff x="0" y="0"/>
+          <a:chExt cx="0" cy="0"/>
+        </a:xfrm>
+      </p:grpSpPr>
+      <p:sp>
+        <p:nvSpPr>
+          <p:cNvPr id="20" name="Rectangle 19">
+            <a:extLst>
+              <a:ext uri="{FF2B5EF4-FFF2-40B4-BE49-F238E27FC236}">
+                <a16:creationId xmlns:a16="http://schemas.microsoft.com/office/drawing/2014/main" id="{823AC064-BC96-4F32-8AE1-B2FD38754823}"/>
+              </a:ext>
+              <a:ext uri="{C183D7F6-B498-43B3-948B-1728B52AA6E4}">
+                <adec:decorative xmlns:adec="http://schemas.microsoft.com/office/drawing/2017/decorative" val="1"/>
+              </a:ext>
+            </a:extLst>
+          </p:cNvPr>
+          <p:cNvSpPr>
+            <a:spLocks noGrp="1" noRot="1" noChangeAspect="1" noMove="1" noResize="1" noEditPoints="1" noAdjustHandles="1" noChangeArrowheads="1" noChangeShapeType="1" noTextEdit="1"/>
+          </p:cNvSpPr>
+          <p:nvPr>
+            <p:extLst>
+              <p:ext uri="{386F3935-93C4-4BCD-93E2-E3B085C9AB24}">
+                <p16:designElem xmlns:p16="http://schemas.microsoft.com/office/powerpoint/2015/main" val="1"/>
+              </p:ext>
+            </p:extLst>
+          </p:nvPr>
+        </p:nvSpPr>
+        <p:spPr bwMode="ltGray">
+          <a:xfrm>
+            <a:off x="378068" y="343486"/>
+            <a:ext cx="11438793" cy="1844256"/>
+          </a:xfrm>
+          <a:prstGeom prst="rect">
+            <a:avLst/>
+          </a:prstGeom>
+          <a:solidFill>
+            <a:srgbClr val="404040"/>
+          </a:solidFill>
+          <a:ln w="127000" cap="sq" cmpd="thinThick">
+            <a:solidFill>
+              <a:srgbClr val="404040"/>
+            </a:solidFill>
+          </a:ln>
+        </p:spPr>
+        <p:style>
+          <a:lnRef idx="2">
+            <a:schemeClr val="accent1">
+              <a:shade val="50000"/>
+            </a:schemeClr>
+          </a:lnRef>
+          <a:fillRef idx="1">
+            <a:schemeClr val="accent1"/>
+          </a:fillRef>
+          <a:effectRef idx="0">
+            <a:schemeClr val="accent1"/>
+          </a:effectRef>
+          <a:fontRef idx="minor">
+            <a:schemeClr val="lt1"/>
+          </a:fontRef>
+        </p:style>
+        <p:txBody>
+          <a:bodyPr rtlCol="0" anchor="ctr"/>
+          <a:lstStyle/>
+          <a:p>
+            <a:pPr marL="0" marR="0" lvl="0" indent="0" algn="ctr" defTabSz="914400" rtl="0" eaLnBrk="1" fontAlgn="auto" latinLnBrk="0" hangingPunct="1">
+              <a:lnSpc>
+                <a:spcPct val="100000"/>
+              </a:lnSpc>
+              <a:spcBef>
+                <a:spcPts val="0"/>
+              </a:spcBef>
+              <a:spcAft>
+                <a:spcPts val="0"/>
+              </a:spcAft>
+              <a:buClrTx/>
+              <a:buSzTx/>
+              <a:buFontTx/>
+              <a:buNone/>
+              <a:tabLst/>
+              <a:defRPr/>
+            </a:pPr>
+            <a:endParaRPr kumimoji="0" lang="en-US" sz="1800" b="0" i="0" u="none" strike="noStrike" kern="1200" cap="none" spc="0" normalizeH="0" baseline="0" noProof="0">
+              <a:ln>
+                <a:noFill/>
+              </a:ln>
+              <a:solidFill>
+                <a:prstClr val="white"/>
+              </a:solidFill>
+              <a:effectLst/>
+              <a:uLnTx/>
+              <a:uFillTx/>
+              <a:latin typeface="Calibri" panose="020F0502020204030204"/>
+              <a:ea typeface="+mn-ea"/>
+              <a:cs typeface="+mn-cs"/>
+            </a:endParaRPr>
+          </a:p>
+        </p:txBody>
+      </p:sp>
+      <p:sp>
+        <p:nvSpPr>
+          <p:cNvPr id="2" name="Nadpis 1">
+            <a:extLst>
+              <a:ext uri="{FF2B5EF4-FFF2-40B4-BE49-F238E27FC236}">
+                <a16:creationId xmlns:a16="http://schemas.microsoft.com/office/drawing/2014/main" id="{857B6C76-6EEA-4448-9D2C-EB4BCA2563C8}"/>
+              </a:ext>
+            </a:extLst>
+          </p:cNvPr>
+          <p:cNvSpPr>
+            <a:spLocks noGrp="1"/>
+          </p:cNvSpPr>
+          <p:nvPr>
+            <p:ph type="title"/>
+          </p:nvPr>
+        </p:nvSpPr>
+        <p:spPr>
+          <a:xfrm>
+            <a:off x="526073" y="466578"/>
+            <a:ext cx="11139854" cy="930447"/>
+          </a:xfrm>
+        </p:spPr>
+        <p:txBody>
+          <a:bodyPr vert="horz" lIns="91440" tIns="45720" rIns="91440" bIns="45720" rtlCol="0" anchor="b">
+            <a:normAutofit/>
+          </a:bodyPr>
+          <a:lstStyle/>
+          <a:p>
+            <a:pPr algn="ctr"/>
+            <a:r>
+              <a:rPr lang="en-US" sz="5400" kern="1200">
+                <a:solidFill>
+                  <a:srgbClr val="FFFFFF"/>
+                </a:solidFill>
+                <a:latin typeface="+mj-lt"/>
+                <a:ea typeface="+mj-ea"/>
+                <a:cs typeface="+mj-cs"/>
+              </a:rPr>
+              <a:t>Obsluha kliknutí tlačítka</a:t>
+            </a:r>
+          </a:p>
+        </p:txBody>
+      </p:sp>
+      <p:cxnSp>
+        <p:nvCxnSpPr>
+          <p:cNvPr id="22" name="Straight Connector 21">
+            <a:extLst>
+              <a:ext uri="{FF2B5EF4-FFF2-40B4-BE49-F238E27FC236}">
+                <a16:creationId xmlns:a16="http://schemas.microsoft.com/office/drawing/2014/main" id="{7E7C77BC-7138-40B1-A15B-20F57A494629}"/>
+              </a:ext>
+              <a:ext uri="{C183D7F6-B498-43B3-948B-1728B52AA6E4}">
+                <adec:decorative xmlns:adec="http://schemas.microsoft.com/office/drawing/2017/decorative" val="1"/>
+              </a:ext>
+            </a:extLst>
+          </p:cNvPr>
+          <p:cNvCxnSpPr>
+            <a:cxnSpLocks noGrp="1" noRot="1" noChangeAspect="1" noMove="1" noResize="1" noEditPoints="1" noAdjustHandles="1" noChangeArrowheads="1" noChangeShapeType="1"/>
+          </p:cNvCxnSpPr>
+          <p:nvPr>
+            <p:extLst>
+              <p:ext uri="{386F3935-93C4-4BCD-93E2-E3B085C9AB24}">
+                <p16:designElem xmlns:p16="http://schemas.microsoft.com/office/powerpoint/2015/main" val="1"/>
+              </p:ext>
+            </p:extLst>
+          </p:nvPr>
+        </p:nvCxnSpPr>
+        <p:spPr>
+          <a:xfrm>
+            <a:off x="2209800" y="1448631"/>
+            <a:ext cx="7772400" cy="0"/>
+          </a:xfrm>
+          <a:prstGeom prst="line">
+            <a:avLst/>
+          </a:prstGeom>
+          <a:ln w="22225">
+            <a:solidFill>
+              <a:srgbClr val="D9D9D9"/>
+            </a:solidFill>
+          </a:ln>
+        </p:spPr>
+        <p:style>
+          <a:lnRef idx="1">
+            <a:schemeClr val="accent1"/>
+          </a:lnRef>
+          <a:fillRef idx="0">
+            <a:schemeClr val="accent1"/>
+          </a:fillRef>
+          <a:effectRef idx="0">
+            <a:schemeClr val="accent1"/>
+          </a:effectRef>
+          <a:fontRef idx="minor">
+            <a:schemeClr val="tx1"/>
+          </a:fontRef>
+        </p:style>
+      </p:cxnSp>
+      <p:pic>
+        <p:nvPicPr>
+          <p:cNvPr id="8" name="Zástupný obsah 4">
+            <a:extLst>
+              <a:ext uri="{FF2B5EF4-FFF2-40B4-BE49-F238E27FC236}">
+                <a16:creationId xmlns:a16="http://schemas.microsoft.com/office/drawing/2014/main" id="{41D9DEA8-6878-402C-9DDB-7EA1A2C39B64}"/>
+              </a:ext>
+            </a:extLst>
+          </p:cNvPr>
+          <p:cNvPicPr>
+            <a:picLocks noChangeAspect="1"/>
+          </p:cNvPicPr>
+          <p:nvPr/>
+        </p:nvPicPr>
+        <p:blipFill>
+          <a:blip r:embed="rId2">
+            <a:extLst>
+              <a:ext uri="{28A0092B-C50C-407E-A947-70E740481C1C}">
+                <a14:useLocalDpi xmlns:a14="http://schemas.microsoft.com/office/drawing/2010/main" val="0"/>
+              </a:ext>
+            </a:extLst>
+          </a:blip>
+          <a:stretch>
+            <a:fillRect/>
+          </a:stretch>
+        </p:blipFill>
+        <p:spPr>
+          <a:xfrm>
+            <a:off x="1921807" y="2310834"/>
+            <a:ext cx="8348386" cy="4236806"/>
+          </a:xfrm>
+          <a:prstGeom prst="rect">
+            <a:avLst/>
+          </a:prstGeom>
+        </p:spPr>
+      </p:pic>
+    </p:spTree>
+    <p:extLst>
+      <p:ext uri="{BB962C8B-B14F-4D97-AF65-F5344CB8AC3E}">
+        <p14:creationId xmlns:p14="http://schemas.microsoft.com/office/powerpoint/2010/main" val="2707370047"/>
+      </p:ext>
+    </p:extLst>
+  </p:cSld>
+  <p:clrMapOvr>
+    <a:masterClrMapping/>
+  </p:clrMapOvr>
+</p:sld>
+</file>
+
+<file path=ppt/slides/slide8.xml><?xml version="1.0" encoding="utf-8"?>
 <p:sld xmlns:a="http://schemas.openxmlformats.org/drawingml/2006/main" xmlns:r="http://schemas.openxmlformats.org/officeDocument/2006/relationships" xmlns:p="http://schemas.openxmlformats.org/presentationml/2006/main">
   <p:cSld>
     <p:bg>
@@ -8616,7 +9927,7 @@
                   </a:schemeClr>
                 </a:solidFill>
               </a:rPr>
-              <a:t>Nákupní seznam</a:t>
+              <a:t>Přechody aktivit</a:t>
             </a:r>
           </a:p>
         </p:txBody>
@@ -8624,12 +9935,357 @@
     </p:spTree>
     <p:extLst>
       <p:ext uri="{BB962C8B-B14F-4D97-AF65-F5344CB8AC3E}">
-        <p14:creationId xmlns:p14="http://schemas.microsoft.com/office/powerpoint/2010/main" val="1073210707"/>
+        <p14:creationId xmlns:p14="http://schemas.microsoft.com/office/powerpoint/2010/main" val="2169742599"/>
       </p:ext>
     </p:extLst>
   </p:cSld>
   <p:clrMapOvr>
     <a:overrideClrMapping bg1="dk1" tx1="lt1" bg2="dk2" tx2="lt2" accent1="accent1" accent2="accent2" accent3="accent3" accent4="accent4" accent5="accent5" accent6="accent6" hlink="hlink" folHlink="folHlink"/>
+  </p:clrMapOvr>
+</p:sld>
+</file>
+
+<file path=ppt/slides/slide9.xml><?xml version="1.0" encoding="utf-8"?>
+<p:sld xmlns:a="http://schemas.openxmlformats.org/drawingml/2006/main" xmlns:r="http://schemas.openxmlformats.org/officeDocument/2006/relationships" xmlns:p="http://schemas.openxmlformats.org/presentationml/2006/main">
+  <p:cSld>
+    <p:bg>
+      <p:bgPr>
+        <a:solidFill>
+          <a:schemeClr val="bg1"/>
+        </a:solidFill>
+        <a:effectLst/>
+      </p:bgPr>
+    </p:bg>
+    <p:spTree>
+      <p:nvGrpSpPr>
+        <p:cNvPr id="1" name=""/>
+        <p:cNvGrpSpPr/>
+        <p:nvPr/>
+      </p:nvGrpSpPr>
+      <p:grpSpPr>
+        <a:xfrm>
+          <a:off x="0" y="0"/>
+          <a:ext cx="0" cy="0"/>
+          <a:chOff x="0" y="0"/>
+          <a:chExt cx="0" cy="0"/>
+        </a:xfrm>
+      </p:grpSpPr>
+      <p:sp>
+        <p:nvSpPr>
+          <p:cNvPr id="20" name="Rectangle 19">
+            <a:extLst>
+              <a:ext uri="{FF2B5EF4-FFF2-40B4-BE49-F238E27FC236}">
+                <a16:creationId xmlns:a16="http://schemas.microsoft.com/office/drawing/2014/main" id="{823AC064-BC96-4F32-8AE1-B2FD38754823}"/>
+              </a:ext>
+              <a:ext uri="{C183D7F6-B498-43B3-948B-1728B52AA6E4}">
+                <adec:decorative xmlns:adec="http://schemas.microsoft.com/office/drawing/2017/decorative" val="1"/>
+              </a:ext>
+            </a:extLst>
+          </p:cNvPr>
+          <p:cNvSpPr>
+            <a:spLocks noGrp="1" noRot="1" noChangeAspect="1" noMove="1" noResize="1" noEditPoints="1" noAdjustHandles="1" noChangeArrowheads="1" noChangeShapeType="1" noTextEdit="1"/>
+          </p:cNvSpPr>
+          <p:nvPr>
+            <p:extLst>
+              <p:ext uri="{386F3935-93C4-4BCD-93E2-E3B085C9AB24}">
+                <p16:designElem xmlns:p16="http://schemas.microsoft.com/office/powerpoint/2015/main" val="1"/>
+              </p:ext>
+            </p:extLst>
+          </p:nvPr>
+        </p:nvSpPr>
+        <p:spPr bwMode="ltGray">
+          <a:xfrm>
+            <a:off x="378068" y="343486"/>
+            <a:ext cx="11438793" cy="1844256"/>
+          </a:xfrm>
+          <a:prstGeom prst="rect">
+            <a:avLst/>
+          </a:prstGeom>
+          <a:solidFill>
+            <a:srgbClr val="404040"/>
+          </a:solidFill>
+          <a:ln w="127000" cap="sq" cmpd="thinThick">
+            <a:solidFill>
+              <a:srgbClr val="404040"/>
+            </a:solidFill>
+          </a:ln>
+        </p:spPr>
+        <p:style>
+          <a:lnRef idx="2">
+            <a:schemeClr val="accent1">
+              <a:shade val="50000"/>
+            </a:schemeClr>
+          </a:lnRef>
+          <a:fillRef idx="1">
+            <a:schemeClr val="accent1"/>
+          </a:fillRef>
+          <a:effectRef idx="0">
+            <a:schemeClr val="accent1"/>
+          </a:effectRef>
+          <a:fontRef idx="minor">
+            <a:schemeClr val="lt1"/>
+          </a:fontRef>
+        </p:style>
+        <p:txBody>
+          <a:bodyPr rtlCol="0" anchor="ctr"/>
+          <a:lstStyle/>
+          <a:p>
+            <a:pPr marL="0" marR="0" lvl="0" indent="0" algn="ctr" defTabSz="914400" rtl="0" eaLnBrk="1" fontAlgn="auto" latinLnBrk="0" hangingPunct="1">
+              <a:lnSpc>
+                <a:spcPct val="100000"/>
+              </a:lnSpc>
+              <a:spcBef>
+                <a:spcPts val="0"/>
+              </a:spcBef>
+              <a:spcAft>
+                <a:spcPts val="0"/>
+              </a:spcAft>
+              <a:buClrTx/>
+              <a:buSzTx/>
+              <a:buFontTx/>
+              <a:buNone/>
+              <a:tabLst/>
+              <a:defRPr/>
+            </a:pPr>
+            <a:endParaRPr kumimoji="0" lang="en-US" sz="1800" b="0" i="0" u="none" strike="noStrike" kern="1200" cap="none" spc="0" normalizeH="0" baseline="0" noProof="0">
+              <a:ln>
+                <a:noFill/>
+              </a:ln>
+              <a:solidFill>
+                <a:prstClr val="white"/>
+              </a:solidFill>
+              <a:effectLst/>
+              <a:uLnTx/>
+              <a:uFillTx/>
+              <a:latin typeface="Calibri" panose="020F0502020204030204"/>
+              <a:ea typeface="+mn-ea"/>
+              <a:cs typeface="+mn-cs"/>
+            </a:endParaRPr>
+          </a:p>
+        </p:txBody>
+      </p:sp>
+      <p:sp>
+        <p:nvSpPr>
+          <p:cNvPr id="2" name="Nadpis 1">
+            <a:extLst>
+              <a:ext uri="{FF2B5EF4-FFF2-40B4-BE49-F238E27FC236}">
+                <a16:creationId xmlns:a16="http://schemas.microsoft.com/office/drawing/2014/main" id="{857B6C76-6EEA-4448-9D2C-EB4BCA2563C8}"/>
+              </a:ext>
+            </a:extLst>
+          </p:cNvPr>
+          <p:cNvSpPr>
+            <a:spLocks noGrp="1"/>
+          </p:cNvSpPr>
+          <p:nvPr>
+            <p:ph type="title"/>
+          </p:nvPr>
+        </p:nvSpPr>
+        <p:spPr>
+          <a:xfrm>
+            <a:off x="526073" y="466578"/>
+            <a:ext cx="11139854" cy="930447"/>
+          </a:xfrm>
+        </p:spPr>
+        <p:txBody>
+          <a:bodyPr vert="horz" lIns="91440" tIns="45720" rIns="91440" bIns="45720" rtlCol="0" anchor="b">
+            <a:normAutofit/>
+          </a:bodyPr>
+          <a:lstStyle/>
+          <a:p>
+            <a:pPr algn="ctr"/>
+            <a:r>
+              <a:rPr lang="cs-CZ" sz="5400" kern="1200" dirty="0">
+                <a:solidFill>
+                  <a:srgbClr val="FFFFFF"/>
+                </a:solidFill>
+                <a:latin typeface="+mj-lt"/>
+                <a:ea typeface="+mj-ea"/>
+                <a:cs typeface="+mj-cs"/>
+              </a:rPr>
+              <a:t>Aplikace</a:t>
+            </a:r>
+            <a:endParaRPr lang="en-US" sz="5400" kern="1200" dirty="0">
+              <a:solidFill>
+                <a:srgbClr val="FFFFFF"/>
+              </a:solidFill>
+              <a:latin typeface="+mj-lt"/>
+              <a:ea typeface="+mj-ea"/>
+              <a:cs typeface="+mj-cs"/>
+            </a:endParaRPr>
+          </a:p>
+        </p:txBody>
+      </p:sp>
+      <p:cxnSp>
+        <p:nvCxnSpPr>
+          <p:cNvPr id="22" name="Straight Connector 21">
+            <a:extLst>
+              <a:ext uri="{FF2B5EF4-FFF2-40B4-BE49-F238E27FC236}">
+                <a16:creationId xmlns:a16="http://schemas.microsoft.com/office/drawing/2014/main" id="{7E7C77BC-7138-40B1-A15B-20F57A494629}"/>
+              </a:ext>
+              <a:ext uri="{C183D7F6-B498-43B3-948B-1728B52AA6E4}">
+                <adec:decorative xmlns:adec="http://schemas.microsoft.com/office/drawing/2017/decorative" val="1"/>
+              </a:ext>
+            </a:extLst>
+          </p:cNvPr>
+          <p:cNvCxnSpPr>
+            <a:cxnSpLocks noGrp="1" noRot="1" noChangeAspect="1" noMove="1" noResize="1" noEditPoints="1" noAdjustHandles="1" noChangeArrowheads="1" noChangeShapeType="1"/>
+          </p:cNvCxnSpPr>
+          <p:nvPr>
+            <p:extLst>
+              <p:ext uri="{386F3935-93C4-4BCD-93E2-E3B085C9AB24}">
+                <p16:designElem xmlns:p16="http://schemas.microsoft.com/office/powerpoint/2015/main" val="1"/>
+              </p:ext>
+            </p:extLst>
+          </p:nvPr>
+        </p:nvCxnSpPr>
+        <p:spPr>
+          <a:xfrm>
+            <a:off x="2209800" y="1448631"/>
+            <a:ext cx="7772400" cy="0"/>
+          </a:xfrm>
+          <a:prstGeom prst="line">
+            <a:avLst/>
+          </a:prstGeom>
+          <a:ln w="22225">
+            <a:solidFill>
+              <a:srgbClr val="D9D9D9"/>
+            </a:solidFill>
+          </a:ln>
+        </p:spPr>
+        <p:style>
+          <a:lnRef idx="1">
+            <a:schemeClr val="accent1"/>
+          </a:lnRef>
+          <a:fillRef idx="0">
+            <a:schemeClr val="accent1"/>
+          </a:fillRef>
+          <a:effectRef idx="0">
+            <a:schemeClr val="accent1"/>
+          </a:effectRef>
+          <a:fontRef idx="minor">
+            <a:schemeClr val="tx1"/>
+          </a:fontRef>
+        </p:style>
+      </p:cxnSp>
+      <p:pic>
+        <p:nvPicPr>
+          <p:cNvPr id="6" name="Zástupný obsah 4">
+            <a:extLst>
+              <a:ext uri="{FF2B5EF4-FFF2-40B4-BE49-F238E27FC236}">
+                <a16:creationId xmlns:a16="http://schemas.microsoft.com/office/drawing/2014/main" id="{1BBF37BE-3C41-4F29-9413-3D23E3D1C611}"/>
+              </a:ext>
+            </a:extLst>
+          </p:cNvPr>
+          <p:cNvPicPr>
+            <a:picLocks noGrp="1" noChangeAspect="1"/>
+          </p:cNvPicPr>
+          <p:nvPr>
+            <p:ph idx="1"/>
+          </p:nvPr>
+        </p:nvPicPr>
+        <p:blipFill>
+          <a:blip r:embed="rId2">
+            <a:extLst>
+              <a:ext uri="{28A0092B-C50C-407E-A947-70E740481C1C}">
+                <a14:useLocalDpi xmlns:a14="http://schemas.microsoft.com/office/drawing/2010/main" val="0"/>
+              </a:ext>
+            </a:extLst>
+          </a:blip>
+          <a:stretch>
+            <a:fillRect/>
+          </a:stretch>
+        </p:blipFill>
+        <p:spPr>
+          <a:xfrm>
+            <a:off x="1085848" y="2187742"/>
+            <a:ext cx="2425565" cy="4236798"/>
+          </a:xfrm>
+          <a:prstGeom prst="rect">
+            <a:avLst/>
+          </a:prstGeom>
+        </p:spPr>
+      </p:pic>
+      <p:pic>
+        <p:nvPicPr>
+          <p:cNvPr id="7" name="Obrázek 6">
+            <a:extLst>
+              <a:ext uri="{FF2B5EF4-FFF2-40B4-BE49-F238E27FC236}">
+                <a16:creationId xmlns:a16="http://schemas.microsoft.com/office/drawing/2014/main" id="{6E2E3165-D756-43FB-9D55-E2EBDDC0E3BF}"/>
+              </a:ext>
+            </a:extLst>
+          </p:cNvPr>
+          <p:cNvPicPr>
+            <a:picLocks noChangeAspect="1"/>
+          </p:cNvPicPr>
+          <p:nvPr/>
+        </p:nvPicPr>
+        <p:blipFill>
+          <a:blip r:embed="rId3">
+            <a:extLst>
+              <a:ext uri="{28A0092B-C50C-407E-A947-70E740481C1C}">
+                <a14:useLocalDpi xmlns:a14="http://schemas.microsoft.com/office/drawing/2010/main" val="0"/>
+              </a:ext>
+            </a:extLst>
+          </a:blip>
+          <a:stretch>
+            <a:fillRect/>
+          </a:stretch>
+        </p:blipFill>
+        <p:spPr>
+          <a:xfrm>
+            <a:off x="4883217" y="2187742"/>
+            <a:ext cx="2425565" cy="4274125"/>
+          </a:xfrm>
+          <a:prstGeom prst="rect">
+            <a:avLst/>
+          </a:prstGeom>
+        </p:spPr>
+      </p:pic>
+      <p:pic>
+        <p:nvPicPr>
+          <p:cNvPr id="9" name="Obrázek 8">
+            <a:extLst>
+              <a:ext uri="{FF2B5EF4-FFF2-40B4-BE49-F238E27FC236}">
+                <a16:creationId xmlns:a16="http://schemas.microsoft.com/office/drawing/2014/main" id="{92D75E6B-902E-45E1-A342-2493C50B8B86}"/>
+              </a:ext>
+            </a:extLst>
+          </p:cNvPr>
+          <p:cNvPicPr>
+            <a:picLocks noChangeAspect="1"/>
+          </p:cNvPicPr>
+          <p:nvPr/>
+        </p:nvPicPr>
+        <p:blipFill>
+          <a:blip r:embed="rId4">
+            <a:extLst>
+              <a:ext uri="{28A0092B-C50C-407E-A947-70E740481C1C}">
+                <a14:useLocalDpi xmlns:a14="http://schemas.microsoft.com/office/drawing/2010/main" val="0"/>
+              </a:ext>
+            </a:extLst>
+          </a:blip>
+          <a:stretch>
+            <a:fillRect/>
+          </a:stretch>
+        </p:blipFill>
+        <p:spPr>
+          <a:xfrm>
+            <a:off x="8595067" y="2187742"/>
+            <a:ext cx="2511085" cy="4274189"/>
+          </a:xfrm>
+          <a:prstGeom prst="rect">
+            <a:avLst/>
+          </a:prstGeom>
+        </p:spPr>
+      </p:pic>
+    </p:spTree>
+    <p:extLst>
+      <p:ext uri="{BB962C8B-B14F-4D97-AF65-F5344CB8AC3E}">
+        <p14:creationId xmlns:p14="http://schemas.microsoft.com/office/powerpoint/2010/main" val="1744304987"/>
+      </p:ext>
+    </p:extLst>
+  </p:cSld>
+  <p:clrMapOvr>
+    <a:masterClrMapping/>
   </p:clrMapOvr>
 </p:sld>
 </file>

--- a/Prezentace_1.1.pptx
+++ b/Prezentace_1.1.pptx
@@ -20,7 +20,8 @@
     <p:sldId id="273" r:id="rId14"/>
     <p:sldId id="274" r:id="rId15"/>
     <p:sldId id="270" r:id="rId16"/>
-    <p:sldId id="275" r:id="rId17"/>
+    <p:sldId id="276" r:id="rId17"/>
+    <p:sldId id="275" r:id="rId18"/>
   </p:sldIdLst>
   <p:sldSz cx="12192000" cy="6858000"/>
   <p:notesSz cx="6858000" cy="9144000"/>
@@ -6557,6 +6558,660 @@
       </p:grpSpPr>
       <p:sp>
         <p:nvSpPr>
+          <p:cNvPr id="40" name="Rectangle 39">
+            <a:extLst>
+              <a:ext uri="{FF2B5EF4-FFF2-40B4-BE49-F238E27FC236}">
+                <a16:creationId xmlns:a16="http://schemas.microsoft.com/office/drawing/2014/main" id="{5B32A67F-3598-4A13-8552-DA884FFCCE57}"/>
+              </a:ext>
+              <a:ext uri="{C183D7F6-B498-43B3-948B-1728B52AA6E4}">
+                <adec:decorative xmlns:adec="http://schemas.microsoft.com/office/drawing/2017/decorative" val="1"/>
+              </a:ext>
+            </a:extLst>
+          </p:cNvPr>
+          <p:cNvSpPr>
+            <a:spLocks noGrp="1" noRot="1" noChangeAspect="1" noMove="1" noResize="1" noEditPoints="1" noAdjustHandles="1" noChangeArrowheads="1" noChangeShapeType="1" noTextEdit="1"/>
+          </p:cNvSpPr>
+          <p:nvPr>
+            <p:extLst>
+              <p:ext uri="{386F3935-93C4-4BCD-93E2-E3B085C9AB24}">
+                <p16:designElem xmlns:p16="http://schemas.microsoft.com/office/powerpoint/2015/main" val="1"/>
+              </p:ext>
+            </p:extLst>
+          </p:nvPr>
+        </p:nvSpPr>
+        <p:spPr>
+          <a:xfrm>
+            <a:off x="0" y="0"/>
+            <a:ext cx="12192000" cy="6858000"/>
+          </a:xfrm>
+          <a:prstGeom prst="rect">
+            <a:avLst/>
+          </a:prstGeom>
+          <a:solidFill>
+            <a:schemeClr val="tx1">
+              <a:lumMod val="75000"/>
+              <a:lumOff val="25000"/>
+            </a:schemeClr>
+          </a:solidFill>
+          <a:ln>
+            <a:noFill/>
+          </a:ln>
+        </p:spPr>
+        <p:style>
+          <a:lnRef idx="2">
+            <a:schemeClr val="accent1">
+              <a:shade val="50000"/>
+            </a:schemeClr>
+          </a:lnRef>
+          <a:fillRef idx="1">
+            <a:schemeClr val="accent1"/>
+          </a:fillRef>
+          <a:effectRef idx="0">
+            <a:schemeClr val="accent1"/>
+          </a:effectRef>
+          <a:fontRef idx="minor">
+            <a:schemeClr val="lt1"/>
+          </a:fontRef>
+        </p:style>
+        <p:txBody>
+          <a:bodyPr rtlCol="0" anchor="ctr"/>
+          <a:lstStyle/>
+          <a:p>
+            <a:pPr algn="ctr"/>
+            <a:endParaRPr lang="en-US"/>
+          </a:p>
+        </p:txBody>
+      </p:sp>
+      <p:sp>
+        <p:nvSpPr>
+          <p:cNvPr id="12" name="Nadpis 1">
+            <a:extLst>
+              <a:ext uri="{FF2B5EF4-FFF2-40B4-BE49-F238E27FC236}">
+                <a16:creationId xmlns:a16="http://schemas.microsoft.com/office/drawing/2014/main" id="{F90899F7-421C-4F94-AFB8-395D5E1CF0DD}"/>
+              </a:ext>
+            </a:extLst>
+          </p:cNvPr>
+          <p:cNvSpPr>
+            <a:spLocks noGrp="1"/>
+          </p:cNvSpPr>
+          <p:nvPr>
+            <p:ph type="title"/>
+          </p:nvPr>
+        </p:nvSpPr>
+        <p:spPr>
+          <a:xfrm>
+            <a:off x="640802" y="405660"/>
+            <a:ext cx="3831855" cy="2076333"/>
+          </a:xfrm>
+        </p:spPr>
+        <p:txBody>
+          <a:bodyPr vert="horz" lIns="91440" tIns="45720" rIns="91440" bIns="45720" rtlCol="0" anchor="t">
+            <a:normAutofit/>
+          </a:bodyPr>
+          <a:lstStyle/>
+          <a:p>
+            <a:r>
+              <a:rPr lang="cs-CZ" sz="4800" kern="1200" dirty="0">
+                <a:solidFill>
+                  <a:schemeClr val="bg1"/>
+                </a:solidFill>
+                <a:latin typeface="+mj-lt"/>
+                <a:ea typeface="+mj-ea"/>
+                <a:cs typeface="+mj-cs"/>
+              </a:rPr>
+              <a:t>Vlastní</a:t>
+            </a:r>
+            <a:r>
+              <a:rPr lang="en-US" sz="4800" kern="1200" dirty="0">
+                <a:solidFill>
+                  <a:schemeClr val="bg1"/>
+                </a:solidFill>
+                <a:latin typeface="+mj-lt"/>
+                <a:ea typeface="+mj-ea"/>
+                <a:cs typeface="+mj-cs"/>
+              </a:rPr>
+              <a:t> </a:t>
+            </a:r>
+            <a:r>
+              <a:rPr lang="cs-CZ" sz="4800" kern="1200" dirty="0">
+                <a:solidFill>
+                  <a:schemeClr val="bg1"/>
+                </a:solidFill>
+                <a:latin typeface="+mj-lt"/>
+                <a:ea typeface="+mj-ea"/>
+                <a:cs typeface="+mj-cs"/>
+              </a:rPr>
+              <a:t>vzhled</a:t>
+            </a:r>
+            <a:r>
+              <a:rPr lang="cs-CZ" sz="4800" dirty="0">
+                <a:solidFill>
+                  <a:schemeClr val="bg1"/>
+                </a:solidFill>
+              </a:rPr>
+              <a:t> </a:t>
+            </a:r>
+            <a:br>
+              <a:rPr lang="cs-CZ" sz="4800" dirty="0">
+                <a:solidFill>
+                  <a:schemeClr val="bg1"/>
+                </a:solidFill>
+              </a:rPr>
+            </a:br>
+            <a:r>
+              <a:rPr lang="cs-CZ" sz="4800" dirty="0">
+                <a:solidFill>
+                  <a:schemeClr val="bg1"/>
+                </a:solidFill>
+              </a:rPr>
+              <a:t>pro</a:t>
+            </a:r>
+            <a:r>
+              <a:rPr lang="en-US" sz="4800" kern="1200" dirty="0">
+                <a:solidFill>
+                  <a:schemeClr val="bg1"/>
+                </a:solidFill>
+                <a:latin typeface="+mj-lt"/>
+                <a:ea typeface="+mj-ea"/>
+                <a:cs typeface="+mj-cs"/>
+              </a:rPr>
+              <a:t> </a:t>
+            </a:r>
+            <a:r>
+              <a:rPr lang="en-US" sz="4800" kern="1200" dirty="0" err="1">
+                <a:solidFill>
+                  <a:schemeClr val="bg1"/>
+                </a:solidFill>
+                <a:latin typeface="+mj-lt"/>
+                <a:ea typeface="+mj-ea"/>
+                <a:cs typeface="+mj-cs"/>
+              </a:rPr>
+              <a:t>listview</a:t>
+            </a:r>
+            <a:endParaRPr lang="en-US" sz="4800" kern="1200" dirty="0">
+              <a:solidFill>
+                <a:schemeClr val="bg1"/>
+              </a:solidFill>
+              <a:latin typeface="+mj-lt"/>
+              <a:ea typeface="+mj-ea"/>
+              <a:cs typeface="+mj-cs"/>
+            </a:endParaRPr>
+          </a:p>
+        </p:txBody>
+      </p:sp>
+      <p:sp>
+        <p:nvSpPr>
+          <p:cNvPr id="42" name="Freeform: Shape 41">
+            <a:extLst>
+              <a:ext uri="{FF2B5EF4-FFF2-40B4-BE49-F238E27FC236}">
+                <a16:creationId xmlns:a16="http://schemas.microsoft.com/office/drawing/2014/main" id="{BCC55ACC-A2F6-403C-A3A4-D59B3734D45F}"/>
+              </a:ext>
+              <a:ext uri="{C183D7F6-B498-43B3-948B-1728B52AA6E4}">
+                <adec:decorative xmlns:adec="http://schemas.microsoft.com/office/drawing/2017/decorative" val="1"/>
+              </a:ext>
+            </a:extLst>
+          </p:cNvPr>
+          <p:cNvSpPr>
+            <a:spLocks noGrp="1" noRot="1" noChangeAspect="1" noMove="1" noResize="1" noEditPoints="1" noAdjustHandles="1" noChangeArrowheads="1" noChangeShapeType="1" noTextEdit="1"/>
+          </p:cNvSpPr>
+          <p:nvPr>
+            <p:extLst>
+              <p:ext uri="{386F3935-93C4-4BCD-93E2-E3B085C9AB24}">
+                <p16:designElem xmlns:p16="http://schemas.microsoft.com/office/powerpoint/2015/main" val="1"/>
+              </p:ext>
+            </p:extLst>
+          </p:nvPr>
+        </p:nvSpPr>
+        <p:spPr>
+          <a:xfrm>
+            <a:off x="5857312" y="381000"/>
+            <a:ext cx="6334689" cy="6477000"/>
+          </a:xfrm>
+          <a:custGeom>
+            <a:avLst/>
+            <a:gdLst>
+              <a:gd name="connsiteX0" fmla="*/ 3561588 w 6334689"/>
+              <a:gd name="connsiteY0" fmla="*/ 0 h 6477000"/>
+              <a:gd name="connsiteX1" fmla="*/ 6309883 w 6334689"/>
+              <a:gd name="connsiteY1" fmla="*/ 1296087 h 6477000"/>
+              <a:gd name="connsiteX2" fmla="*/ 6334689 w 6334689"/>
+              <a:gd name="connsiteY2" fmla="*/ 1329261 h 6477000"/>
+              <a:gd name="connsiteX3" fmla="*/ 6334689 w 6334689"/>
+              <a:gd name="connsiteY3" fmla="*/ 5793916 h 6477000"/>
+              <a:gd name="connsiteX4" fmla="*/ 6309883 w 6334689"/>
+              <a:gd name="connsiteY4" fmla="*/ 5827089 h 6477000"/>
+              <a:gd name="connsiteX5" fmla="*/ 5760467 w 6334689"/>
+              <a:gd name="connsiteY5" fmla="*/ 6363539 h 6477000"/>
+              <a:gd name="connsiteX6" fmla="*/ 5607796 w 6334689"/>
+              <a:gd name="connsiteY6" fmla="*/ 6477000 h 6477000"/>
+              <a:gd name="connsiteX7" fmla="*/ 1519571 w 6334689"/>
+              <a:gd name="connsiteY7" fmla="*/ 6477000 h 6477000"/>
+              <a:gd name="connsiteX8" fmla="*/ 1296088 w 6334689"/>
+              <a:gd name="connsiteY8" fmla="*/ 6309883 h 6477000"/>
+              <a:gd name="connsiteX9" fmla="*/ 0 w 6334689"/>
+              <a:gd name="connsiteY9" fmla="*/ 3561588 h 6477000"/>
+              <a:gd name="connsiteX10" fmla="*/ 3561588 w 6334689"/>
+              <a:gd name="connsiteY10" fmla="*/ 0 h 6477000"/>
+            </a:gdLst>
+            <a:ahLst/>
+            <a:cxnLst>
+              <a:cxn ang="0">
+                <a:pos x="connsiteX0" y="connsiteY0"/>
+              </a:cxn>
+              <a:cxn ang="0">
+                <a:pos x="connsiteX1" y="connsiteY1"/>
+              </a:cxn>
+              <a:cxn ang="0">
+                <a:pos x="connsiteX2" y="connsiteY2"/>
+              </a:cxn>
+              <a:cxn ang="0">
+                <a:pos x="connsiteX3" y="connsiteY3"/>
+              </a:cxn>
+              <a:cxn ang="0">
+                <a:pos x="connsiteX4" y="connsiteY4"/>
+              </a:cxn>
+              <a:cxn ang="0">
+                <a:pos x="connsiteX5" y="connsiteY5"/>
+              </a:cxn>
+              <a:cxn ang="0">
+                <a:pos x="connsiteX6" y="connsiteY6"/>
+              </a:cxn>
+              <a:cxn ang="0">
+                <a:pos x="connsiteX7" y="connsiteY7"/>
+              </a:cxn>
+              <a:cxn ang="0">
+                <a:pos x="connsiteX8" y="connsiteY8"/>
+              </a:cxn>
+              <a:cxn ang="0">
+                <a:pos x="connsiteX9" y="connsiteY9"/>
+              </a:cxn>
+              <a:cxn ang="0">
+                <a:pos x="connsiteX10" y="connsiteY10"/>
+              </a:cxn>
+            </a:cxnLst>
+            <a:rect l="l" t="t" r="r" b="b"/>
+            <a:pathLst>
+              <a:path w="6334689" h="6477000">
+                <a:moveTo>
+                  <a:pt x="3561588" y="0"/>
+                </a:moveTo>
+                <a:cubicBezTo>
+                  <a:pt x="4668032" y="0"/>
+                  <a:pt x="5656635" y="504534"/>
+                  <a:pt x="6309883" y="1296087"/>
+                </a:cubicBezTo>
+                <a:lnTo>
+                  <a:pt x="6334689" y="1329261"/>
+                </a:lnTo>
+                <a:lnTo>
+                  <a:pt x="6334689" y="5793916"/>
+                </a:lnTo>
+                <a:lnTo>
+                  <a:pt x="6309883" y="5827089"/>
+                </a:lnTo>
+                <a:cubicBezTo>
+                  <a:pt x="6146571" y="6024977"/>
+                  <a:pt x="5962299" y="6204927"/>
+                  <a:pt x="5760467" y="6363539"/>
+                </a:cubicBezTo>
+                <a:lnTo>
+                  <a:pt x="5607796" y="6477000"/>
+                </a:lnTo>
+                <a:lnTo>
+                  <a:pt x="1519571" y="6477000"/>
+                </a:lnTo>
+                <a:lnTo>
+                  <a:pt x="1296088" y="6309883"/>
+                </a:lnTo>
+                <a:cubicBezTo>
+                  <a:pt x="504535" y="5656635"/>
+                  <a:pt x="0" y="4668032"/>
+                  <a:pt x="0" y="3561588"/>
+                </a:cubicBezTo>
+                <a:cubicBezTo>
+                  <a:pt x="0" y="1594577"/>
+                  <a:pt x="1594577" y="0"/>
+                  <a:pt x="3561588" y="0"/>
+                </a:cubicBezTo>
+                <a:close/>
+              </a:path>
+            </a:pathLst>
+          </a:custGeom>
+          <a:solidFill>
+            <a:schemeClr val="bg1">
+              <a:alpha val="80000"/>
+            </a:schemeClr>
+          </a:solidFill>
+          <a:ln>
+            <a:noFill/>
+          </a:ln>
+        </p:spPr>
+        <p:style>
+          <a:lnRef idx="2">
+            <a:schemeClr val="accent1">
+              <a:shade val="50000"/>
+            </a:schemeClr>
+          </a:lnRef>
+          <a:fillRef idx="1">
+            <a:schemeClr val="accent1"/>
+          </a:fillRef>
+          <a:effectRef idx="0">
+            <a:schemeClr val="accent1"/>
+          </a:effectRef>
+          <a:fontRef idx="minor">
+            <a:schemeClr val="lt1"/>
+          </a:fontRef>
+        </p:style>
+        <p:txBody>
+          <a:bodyPr rtlCol="0" anchor="ctr"/>
+          <a:lstStyle/>
+          <a:p>
+            <a:pPr marL="0" marR="0" lvl="0" indent="0" algn="ctr" defTabSz="914400" rtl="0" eaLnBrk="1" fontAlgn="auto" latinLnBrk="0" hangingPunct="1">
+              <a:lnSpc>
+                <a:spcPct val="100000"/>
+              </a:lnSpc>
+              <a:spcBef>
+                <a:spcPts val="0"/>
+              </a:spcBef>
+              <a:spcAft>
+                <a:spcPts val="0"/>
+              </a:spcAft>
+              <a:buClrTx/>
+              <a:buSzTx/>
+              <a:buFontTx/>
+              <a:buNone/>
+              <a:tabLst/>
+              <a:defRPr/>
+            </a:pPr>
+            <a:endParaRPr kumimoji="0" lang="en-US" sz="1800" b="0" i="0" u="none" strike="noStrike" kern="1200" cap="none" spc="0" normalizeH="0" baseline="0" noProof="0">
+              <a:ln>
+                <a:noFill/>
+              </a:ln>
+              <a:solidFill>
+                <a:prstClr val="white"/>
+              </a:solidFill>
+              <a:effectLst/>
+              <a:uLnTx/>
+              <a:uFillTx/>
+              <a:latin typeface="Calibri" panose="020F0502020204030204"/>
+              <a:ea typeface="+mn-ea"/>
+              <a:cs typeface="+mn-cs"/>
+            </a:endParaRPr>
+          </a:p>
+        </p:txBody>
+      </p:sp>
+      <p:sp>
+        <p:nvSpPr>
+          <p:cNvPr id="44" name="Freeform: Shape 43">
+            <a:extLst>
+              <a:ext uri="{FF2B5EF4-FFF2-40B4-BE49-F238E27FC236}">
+                <a16:creationId xmlns:a16="http://schemas.microsoft.com/office/drawing/2014/main" id="{598EBA13-C937-430B-9523-439FE21096E6}"/>
+              </a:ext>
+              <a:ext uri="{C183D7F6-B498-43B3-948B-1728B52AA6E4}">
+                <adec:decorative xmlns:adec="http://schemas.microsoft.com/office/drawing/2017/decorative" val="1"/>
+              </a:ext>
+            </a:extLst>
+          </p:cNvPr>
+          <p:cNvSpPr>
+            <a:spLocks noGrp="1" noRot="1" noChangeAspect="1" noMove="1" noResize="1" noEditPoints="1" noAdjustHandles="1" noChangeArrowheads="1" noChangeShapeType="1" noTextEdit="1"/>
+          </p:cNvSpPr>
+          <p:nvPr>
+            <p:extLst>
+              <p:ext uri="{386F3935-93C4-4BCD-93E2-E3B085C9AB24}">
+                <p16:designElem xmlns:p16="http://schemas.microsoft.com/office/powerpoint/2015/main" val="1"/>
+              </p:ext>
+            </p:extLst>
+          </p:nvPr>
+        </p:nvSpPr>
+        <p:spPr>
+          <a:xfrm>
+            <a:off x="6021086" y="544777"/>
+            <a:ext cx="6170914" cy="6313225"/>
+          </a:xfrm>
+          <a:custGeom>
+            <a:avLst/>
+            <a:gdLst>
+              <a:gd name="connsiteX0" fmla="*/ 3397813 w 6170914"/>
+              <a:gd name="connsiteY0" fmla="*/ 0 h 6313225"/>
+              <a:gd name="connsiteX1" fmla="*/ 6019731 w 6170914"/>
+              <a:gd name="connsiteY1" fmla="*/ 1236489 h 6313225"/>
+              <a:gd name="connsiteX2" fmla="*/ 6170914 w 6170914"/>
+              <a:gd name="connsiteY2" fmla="*/ 1438663 h 6313225"/>
+              <a:gd name="connsiteX3" fmla="*/ 6170914 w 6170914"/>
+              <a:gd name="connsiteY3" fmla="*/ 5356963 h 6313225"/>
+              <a:gd name="connsiteX4" fmla="*/ 6019731 w 6170914"/>
+              <a:gd name="connsiteY4" fmla="*/ 5559138 h 6313225"/>
+              <a:gd name="connsiteX5" fmla="*/ 5194591 w 6170914"/>
+              <a:gd name="connsiteY5" fmla="*/ 6282226 h 6313225"/>
+              <a:gd name="connsiteX6" fmla="*/ 5141791 w 6170914"/>
+              <a:gd name="connsiteY6" fmla="*/ 6313225 h 6313225"/>
+              <a:gd name="connsiteX7" fmla="*/ 1659199 w 6170914"/>
+              <a:gd name="connsiteY7" fmla="*/ 6313225 h 6313225"/>
+              <a:gd name="connsiteX8" fmla="*/ 1498064 w 6170914"/>
+              <a:gd name="connsiteY8" fmla="*/ 6215333 h 6313225"/>
+              <a:gd name="connsiteX9" fmla="*/ 0 w 6170914"/>
+              <a:gd name="connsiteY9" fmla="*/ 3397813 h 6313225"/>
+              <a:gd name="connsiteX10" fmla="*/ 3397813 w 6170914"/>
+              <a:gd name="connsiteY10" fmla="*/ 0 h 6313225"/>
+            </a:gdLst>
+            <a:ahLst/>
+            <a:cxnLst>
+              <a:cxn ang="0">
+                <a:pos x="connsiteX0" y="connsiteY0"/>
+              </a:cxn>
+              <a:cxn ang="0">
+                <a:pos x="connsiteX1" y="connsiteY1"/>
+              </a:cxn>
+              <a:cxn ang="0">
+                <a:pos x="connsiteX2" y="connsiteY2"/>
+              </a:cxn>
+              <a:cxn ang="0">
+                <a:pos x="connsiteX3" y="connsiteY3"/>
+              </a:cxn>
+              <a:cxn ang="0">
+                <a:pos x="connsiteX4" y="connsiteY4"/>
+              </a:cxn>
+              <a:cxn ang="0">
+                <a:pos x="connsiteX5" y="connsiteY5"/>
+              </a:cxn>
+              <a:cxn ang="0">
+                <a:pos x="connsiteX6" y="connsiteY6"/>
+              </a:cxn>
+              <a:cxn ang="0">
+                <a:pos x="connsiteX7" y="connsiteY7"/>
+              </a:cxn>
+              <a:cxn ang="0">
+                <a:pos x="connsiteX8" y="connsiteY8"/>
+              </a:cxn>
+              <a:cxn ang="0">
+                <a:pos x="connsiteX9" y="connsiteY9"/>
+              </a:cxn>
+              <a:cxn ang="0">
+                <a:pos x="connsiteX10" y="connsiteY10"/>
+              </a:cxn>
+            </a:cxnLst>
+            <a:rect l="l" t="t" r="r" b="b"/>
+            <a:pathLst>
+              <a:path w="6170914" h="6313225">
+                <a:moveTo>
+                  <a:pt x="3397813" y="0"/>
+                </a:moveTo>
+                <a:cubicBezTo>
+                  <a:pt x="4453378" y="0"/>
+                  <a:pt x="5396522" y="481334"/>
+                  <a:pt x="6019731" y="1236489"/>
+                </a:cubicBezTo>
+                <a:lnTo>
+                  <a:pt x="6170914" y="1438663"/>
+                </a:lnTo>
+                <a:lnTo>
+                  <a:pt x="6170914" y="5356963"/>
+                </a:lnTo>
+                <a:lnTo>
+                  <a:pt x="6019731" y="5559138"/>
+                </a:lnTo>
+                <a:cubicBezTo>
+                  <a:pt x="5786028" y="5842321"/>
+                  <a:pt x="5507333" y="6086998"/>
+                  <a:pt x="5194591" y="6282226"/>
+                </a:cubicBezTo>
+                <a:lnTo>
+                  <a:pt x="5141791" y="6313225"/>
+                </a:lnTo>
+                <a:lnTo>
+                  <a:pt x="1659199" y="6313225"/>
+                </a:lnTo>
+                <a:lnTo>
+                  <a:pt x="1498064" y="6215333"/>
+                </a:lnTo>
+                <a:cubicBezTo>
+                  <a:pt x="594240" y="5604721"/>
+                  <a:pt x="0" y="4570663"/>
+                  <a:pt x="0" y="3397813"/>
+                </a:cubicBezTo>
+                <a:cubicBezTo>
+                  <a:pt x="0" y="1521253"/>
+                  <a:pt x="1521253" y="0"/>
+                  <a:pt x="3397813" y="0"/>
+                </a:cubicBezTo>
+                <a:close/>
+              </a:path>
+            </a:pathLst>
+          </a:custGeom>
+          <a:solidFill>
+            <a:schemeClr val="bg1"/>
+          </a:solidFill>
+          <a:ln>
+            <a:noFill/>
+          </a:ln>
+        </p:spPr>
+        <p:style>
+          <a:lnRef idx="2">
+            <a:schemeClr val="accent1">
+              <a:shade val="50000"/>
+            </a:schemeClr>
+          </a:lnRef>
+          <a:fillRef idx="1">
+            <a:schemeClr val="accent1"/>
+          </a:fillRef>
+          <a:effectRef idx="0">
+            <a:schemeClr val="accent1"/>
+          </a:effectRef>
+          <a:fontRef idx="minor">
+            <a:schemeClr val="lt1"/>
+          </a:fontRef>
+        </p:style>
+        <p:txBody>
+          <a:bodyPr rtlCol="0" anchor="ctr"/>
+          <a:lstStyle/>
+          <a:p>
+            <a:pPr marL="0" marR="0" lvl="0" indent="0" algn="ctr" defTabSz="914400" rtl="0" eaLnBrk="1" fontAlgn="auto" latinLnBrk="0" hangingPunct="1">
+              <a:lnSpc>
+                <a:spcPct val="100000"/>
+              </a:lnSpc>
+              <a:spcBef>
+                <a:spcPts val="0"/>
+              </a:spcBef>
+              <a:spcAft>
+                <a:spcPts val="0"/>
+              </a:spcAft>
+              <a:buClrTx/>
+              <a:buSzTx/>
+              <a:buFontTx/>
+              <a:buNone/>
+              <a:tabLst/>
+              <a:defRPr/>
+            </a:pPr>
+            <a:endParaRPr kumimoji="0" lang="en-US" sz="1800" b="0" i="0" u="none" strike="noStrike" kern="1200" cap="none" spc="0" normalizeH="0" baseline="0" noProof="0">
+              <a:ln>
+                <a:noFill/>
+              </a:ln>
+              <a:solidFill>
+                <a:prstClr val="white"/>
+              </a:solidFill>
+              <a:effectLst/>
+              <a:uLnTx/>
+              <a:uFillTx/>
+              <a:latin typeface="Calibri" panose="020F0502020204030204"/>
+              <a:ea typeface="+mn-ea"/>
+              <a:cs typeface="+mn-cs"/>
+            </a:endParaRPr>
+          </a:p>
+        </p:txBody>
+      </p:sp>
+      <p:pic>
+        <p:nvPicPr>
+          <p:cNvPr id="2" name="Obrázek 1">
+            <a:extLst>
+              <a:ext uri="{FF2B5EF4-FFF2-40B4-BE49-F238E27FC236}">
+                <a16:creationId xmlns:a16="http://schemas.microsoft.com/office/drawing/2014/main" id="{F2BE809A-3667-4FBE-99A4-E91FAFC60C99}"/>
+              </a:ext>
+            </a:extLst>
+          </p:cNvPr>
+          <p:cNvPicPr>
+            <a:picLocks noChangeAspect="1"/>
+          </p:cNvPicPr>
+          <p:nvPr/>
+        </p:nvPicPr>
+        <p:blipFill>
+          <a:blip r:embed="rId2"/>
+          <a:stretch>
+            <a:fillRect/>
+          </a:stretch>
+        </p:blipFill>
+        <p:spPr>
+          <a:xfrm>
+            <a:off x="5378148" y="44147"/>
+            <a:ext cx="6813853" cy="6813853"/>
+          </a:xfrm>
+          <a:prstGeom prst="rect">
+            <a:avLst/>
+          </a:prstGeom>
+        </p:spPr>
+      </p:pic>
+    </p:spTree>
+    <p:extLst>
+      <p:ext uri="{BB962C8B-B14F-4D97-AF65-F5344CB8AC3E}">
+        <p14:creationId xmlns:p14="http://schemas.microsoft.com/office/powerpoint/2010/main" val="2993639656"/>
+      </p:ext>
+    </p:extLst>
+  </p:cSld>
+  <p:clrMapOvr>
+    <a:masterClrMapping/>
+  </p:clrMapOvr>
+</p:sld>
+</file>
+
+<file path=ppt/slides/slide17.xml><?xml version="1.0" encoding="utf-8"?>
+<p:sld xmlns:a="http://schemas.openxmlformats.org/drawingml/2006/main" xmlns:r="http://schemas.openxmlformats.org/officeDocument/2006/relationships" xmlns:p="http://schemas.openxmlformats.org/presentationml/2006/main">
+  <p:cSld>
+    <p:bg>
+      <p:bgPr>
+        <a:solidFill>
+          <a:schemeClr val="bg1">
+            <a:tint val="95000"/>
+            <a:satMod val="170000"/>
+          </a:schemeClr>
+        </a:solidFill>
+        <a:effectLst/>
+      </p:bgPr>
+    </p:bg>
+    <p:spTree>
+      <p:nvGrpSpPr>
+        <p:cNvPr id="1" name=""/>
+        <p:cNvGrpSpPr/>
+        <p:nvPr/>
+      </p:nvGrpSpPr>
+      <p:grpSpPr>
+        <a:xfrm>
+          <a:off x="0" y="0"/>
+          <a:ext cx="0" cy="0"/>
+          <a:chOff x="0" y="0"/>
+          <a:chExt cx="0" cy="0"/>
+        </a:xfrm>
+      </p:grpSpPr>
+      <p:sp>
+        <p:nvSpPr>
           <p:cNvPr id="9" name="Freeform: Shape 8">
             <a:extLst>
               <a:ext uri="{FF2B5EF4-FFF2-40B4-BE49-F238E27FC236}">

--- a/Prezentace_1.1.pptx
+++ b/Prezentace_1.1.pptx
@@ -259,7 +259,7 @@
           <a:p>
             <a:fld id="{10280380-A66F-4D95-ACA2-7D4D5E660D3C}" type="datetimeFigureOut">
               <a:rPr lang="cs-CZ" smtClean="0"/>
-              <a:t>02.04.2019</a:t>
+              <a:t>03.04.2019</a:t>
             </a:fld>
             <a:endParaRPr lang="cs-CZ"/>
           </a:p>
@@ -429,7 +429,7 @@
           <a:p>
             <a:fld id="{10280380-A66F-4D95-ACA2-7D4D5E660D3C}" type="datetimeFigureOut">
               <a:rPr lang="cs-CZ" smtClean="0"/>
-              <a:t>02.04.2019</a:t>
+              <a:t>03.04.2019</a:t>
             </a:fld>
             <a:endParaRPr lang="cs-CZ"/>
           </a:p>
@@ -609,7 +609,7 @@
           <a:p>
             <a:fld id="{10280380-A66F-4D95-ACA2-7D4D5E660D3C}" type="datetimeFigureOut">
               <a:rPr lang="cs-CZ" smtClean="0"/>
-              <a:t>02.04.2019</a:t>
+              <a:t>03.04.2019</a:t>
             </a:fld>
             <a:endParaRPr lang="cs-CZ"/>
           </a:p>
@@ -779,7 +779,7 @@
           <a:p>
             <a:fld id="{10280380-A66F-4D95-ACA2-7D4D5E660D3C}" type="datetimeFigureOut">
               <a:rPr lang="cs-CZ" smtClean="0"/>
-              <a:t>02.04.2019</a:t>
+              <a:t>03.04.2019</a:t>
             </a:fld>
             <a:endParaRPr lang="cs-CZ"/>
           </a:p>
@@ -1025,7 +1025,7 @@
           <a:p>
             <a:fld id="{10280380-A66F-4D95-ACA2-7D4D5E660D3C}" type="datetimeFigureOut">
               <a:rPr lang="cs-CZ" smtClean="0"/>
-              <a:t>02.04.2019</a:t>
+              <a:t>03.04.2019</a:t>
             </a:fld>
             <a:endParaRPr lang="cs-CZ"/>
           </a:p>
@@ -1257,7 +1257,7 @@
           <a:p>
             <a:fld id="{10280380-A66F-4D95-ACA2-7D4D5E660D3C}" type="datetimeFigureOut">
               <a:rPr lang="cs-CZ" smtClean="0"/>
-              <a:t>02.04.2019</a:t>
+              <a:t>03.04.2019</a:t>
             </a:fld>
             <a:endParaRPr lang="cs-CZ"/>
           </a:p>
@@ -1624,7 +1624,7 @@
           <a:p>
             <a:fld id="{10280380-A66F-4D95-ACA2-7D4D5E660D3C}" type="datetimeFigureOut">
               <a:rPr lang="cs-CZ" smtClean="0"/>
-              <a:t>02.04.2019</a:t>
+              <a:t>03.04.2019</a:t>
             </a:fld>
             <a:endParaRPr lang="cs-CZ"/>
           </a:p>
@@ -1742,7 +1742,7 @@
           <a:p>
             <a:fld id="{10280380-A66F-4D95-ACA2-7D4D5E660D3C}" type="datetimeFigureOut">
               <a:rPr lang="cs-CZ" smtClean="0"/>
-              <a:t>02.04.2019</a:t>
+              <a:t>03.04.2019</a:t>
             </a:fld>
             <a:endParaRPr lang="cs-CZ"/>
           </a:p>
@@ -1837,7 +1837,7 @@
           <a:p>
             <a:fld id="{10280380-A66F-4D95-ACA2-7D4D5E660D3C}" type="datetimeFigureOut">
               <a:rPr lang="cs-CZ" smtClean="0"/>
-              <a:t>02.04.2019</a:t>
+              <a:t>03.04.2019</a:t>
             </a:fld>
             <a:endParaRPr lang="cs-CZ"/>
           </a:p>
@@ -2114,7 +2114,7 @@
           <a:p>
             <a:fld id="{10280380-A66F-4D95-ACA2-7D4D5E660D3C}" type="datetimeFigureOut">
               <a:rPr lang="cs-CZ" smtClean="0"/>
-              <a:t>02.04.2019</a:t>
+              <a:t>03.04.2019</a:t>
             </a:fld>
             <a:endParaRPr lang="cs-CZ"/>
           </a:p>
@@ -2371,7 +2371,7 @@
           <a:p>
             <a:fld id="{10280380-A66F-4D95-ACA2-7D4D5E660D3C}" type="datetimeFigureOut">
               <a:rPr lang="cs-CZ" smtClean="0"/>
-              <a:t>02.04.2019</a:t>
+              <a:t>03.04.2019</a:t>
             </a:fld>
             <a:endParaRPr lang="cs-CZ"/>
           </a:p>
@@ -2584,7 +2584,7 @@
           <a:p>
             <a:fld id="{10280380-A66F-4D95-ACA2-7D4D5E660D3C}" type="datetimeFigureOut">
               <a:rPr lang="cs-CZ" smtClean="0"/>
-              <a:t>02.04.2019</a:t>
+              <a:t>03.04.2019</a:t>
             </a:fld>
             <a:endParaRPr lang="cs-CZ"/>
           </a:p>
@@ -8159,7 +8159,7 @@
           <a:p>
             <a:pPr algn="ctr"/>
             <a:r>
-              <a:rPr lang="en-US" sz="5400" kern="1200" dirty="0" err="1">
+              <a:rPr lang="cs-CZ" sz="5400" kern="1200" dirty="0">
                 <a:solidFill>
                   <a:srgbClr val="FFFFFF"/>
                 </a:solidFill>
@@ -8167,10 +8167,10 @@
                 <a:ea typeface="+mj-ea"/>
                 <a:cs typeface="+mj-cs"/>
               </a:rPr>
-              <a:t>Obsluha</a:t>
+              <a:t>Změna </a:t>
             </a:r>
             <a:r>
-              <a:rPr lang="en-US" sz="5400" kern="1200" dirty="0">
+              <a:rPr lang="cs-CZ" sz="5400" kern="1200">
                 <a:solidFill>
                   <a:srgbClr val="FFFFFF"/>
                 </a:solidFill>
@@ -8178,40 +8178,7 @@
                 <a:ea typeface="+mj-ea"/>
                 <a:cs typeface="+mj-cs"/>
               </a:rPr>
-              <a:t> </a:t>
-            </a:r>
-            <a:r>
-              <a:rPr lang="en-US" sz="5400" kern="1200" dirty="0" err="1">
-                <a:solidFill>
-                  <a:srgbClr val="FFFFFF"/>
-                </a:solidFill>
-                <a:latin typeface="+mj-lt"/>
-                <a:ea typeface="+mj-ea"/>
-                <a:cs typeface="+mj-cs"/>
-              </a:rPr>
-              <a:t>kliknutí</a:t>
-            </a:r>
-            <a:r>
-              <a:rPr lang="en-US" sz="5400" kern="1200" dirty="0">
-                <a:solidFill>
-                  <a:srgbClr val="FFFFFF"/>
-                </a:solidFill>
-                <a:latin typeface="+mj-lt"/>
-                <a:ea typeface="+mj-ea"/>
-                <a:cs typeface="+mj-cs"/>
-              </a:rPr>
-              <a:t> </a:t>
-            </a:r>
-            <a:r>
-              <a:rPr lang="en-US" sz="5400" kern="1200" dirty="0" err="1">
-                <a:solidFill>
-                  <a:srgbClr val="FFFFFF"/>
-                </a:solidFill>
-                <a:latin typeface="+mj-lt"/>
-                <a:ea typeface="+mj-ea"/>
-                <a:cs typeface="+mj-cs"/>
-              </a:rPr>
-              <a:t>tlačítka</a:t>
+              <a:t>názvu build</a:t>
             </a:r>
             <a:endParaRPr lang="en-US" sz="5400" kern="1200" dirty="0">
               <a:solidFill>
